--- a/Earn.pptx
+++ b/Earn.pptx
@@ -8,9 +8,10 @@
     <p:sldId id="256" r:id="rId2"/>
     <p:sldId id="257" r:id="rId3"/>
     <p:sldId id="258" r:id="rId4"/>
-    <p:sldId id="260" r:id="rId5"/>
-    <p:sldId id="261" r:id="rId6"/>
-    <p:sldId id="259" r:id="rId7"/>
+    <p:sldId id="262" r:id="rId5"/>
+    <p:sldId id="260" r:id="rId6"/>
+    <p:sldId id="261" r:id="rId7"/>
+    <p:sldId id="259" r:id="rId8"/>
   </p:sldIdLst>
   <p:sldSz cx="12192000" cy="6858000"/>
   <p:notesSz cx="6858000" cy="9144000"/>
@@ -3718,10 +3719,10 @@
           <a:lstStyle/>
           <a:p>
             <a:r>
-              <a:rPr lang="en-US" dirty="0" smtClean="0"/>
-              <a:t>Amazon Echo</a:t>
-            </a:r>
-            <a:endParaRPr lang="en-US" dirty="0"/>
+              <a:rPr lang="en-US" smtClean="0"/>
+              <a:t>Backend</a:t>
+            </a:r>
+            <a:endParaRPr lang="en-US"/>
           </a:p>
         </p:txBody>
       </p:sp>
@@ -3747,7 +3748,7 @@
     </p:spTree>
     <p:extLst>
       <p:ext uri="{BB962C8B-B14F-4D97-AF65-F5344CB8AC3E}">
-        <p14:creationId xmlns:p14="http://schemas.microsoft.com/office/powerpoint/2010/main" val="2537415050"/>
+        <p14:creationId xmlns:p14="http://schemas.microsoft.com/office/powerpoint/2010/main" val="4272591785"/>
       </p:ext>
     </p:extLst>
   </p:cSld>
@@ -3791,6 +3792,78 @@
           <a:p>
             <a:r>
               <a:rPr lang="en-US" dirty="0" smtClean="0"/>
+              <a:t>Amazon Echo</a:t>
+            </a:r>
+            <a:endParaRPr lang="en-US" dirty="0"/>
+          </a:p>
+        </p:txBody>
+      </p:sp>
+      <p:sp>
+        <p:nvSpPr>
+          <p:cNvPr id="3" name="Content Placeholder 2"/>
+          <p:cNvSpPr>
+            <a:spLocks noGrp="1"/>
+          </p:cNvSpPr>
+          <p:nvPr>
+            <p:ph idx="1"/>
+          </p:nvPr>
+        </p:nvSpPr>
+        <p:spPr/>
+        <p:txBody>
+          <a:bodyPr/>
+          <a:lstStyle/>
+          <a:p>
+            <a:endParaRPr lang="en-US" dirty="0"/>
+          </a:p>
+        </p:txBody>
+      </p:sp>
+    </p:spTree>
+    <p:extLst>
+      <p:ext uri="{BB962C8B-B14F-4D97-AF65-F5344CB8AC3E}">
+        <p14:creationId xmlns:p14="http://schemas.microsoft.com/office/powerpoint/2010/main" val="2537415050"/>
+      </p:ext>
+    </p:extLst>
+  </p:cSld>
+  <p:clrMapOvr>
+    <a:masterClrMapping/>
+  </p:clrMapOvr>
+</p:sld>
+</file>
+
+<file path=ppt/slides/slide6.xml><?xml version="1.0" encoding="utf-8"?>
+<p:sld xmlns:a="http://schemas.openxmlformats.org/drawingml/2006/main" xmlns:r="http://schemas.openxmlformats.org/officeDocument/2006/relationships" xmlns:p="http://schemas.openxmlformats.org/presentationml/2006/main">
+  <p:cSld>
+    <p:spTree>
+      <p:nvGrpSpPr>
+        <p:cNvPr id="1" name=""/>
+        <p:cNvGrpSpPr/>
+        <p:nvPr/>
+      </p:nvGrpSpPr>
+      <p:grpSpPr>
+        <a:xfrm>
+          <a:off x="0" y="0"/>
+          <a:ext cx="0" cy="0"/>
+          <a:chOff x="0" y="0"/>
+          <a:chExt cx="0" cy="0"/>
+        </a:xfrm>
+      </p:grpSpPr>
+      <p:sp>
+        <p:nvSpPr>
+          <p:cNvPr id="2" name="Title 1"/>
+          <p:cNvSpPr>
+            <a:spLocks noGrp="1"/>
+          </p:cNvSpPr>
+          <p:nvPr>
+            <p:ph type="title"/>
+          </p:nvPr>
+        </p:nvSpPr>
+        <p:spPr/>
+        <p:txBody>
+          <a:bodyPr/>
+          <a:lstStyle/>
+          <a:p>
+            <a:r>
+              <a:rPr lang="en-US" dirty="0" smtClean="0"/>
               <a:t>Pebble Time</a:t>
             </a:r>
             <a:endParaRPr lang="en-US" dirty="0"/>
@@ -3829,7 +3902,7 @@
 </p:sld>
 </file>
 
-<file path=ppt/slides/slide6.xml><?xml version="1.0" encoding="utf-8"?>
+<file path=ppt/slides/slide7.xml><?xml version="1.0" encoding="utf-8"?>
 <p:sld xmlns:a="http://schemas.openxmlformats.org/drawingml/2006/main" xmlns:r="http://schemas.openxmlformats.org/officeDocument/2006/relationships" xmlns:p="http://schemas.openxmlformats.org/presentationml/2006/main">
   <p:cSld>
     <p:spTree>

--- a/Earn.pptx
+++ b/Earn.pptx
@@ -2,16 +2,17 @@
 <file path=ppt/presentation.xml><?xml version="1.0" encoding="utf-8"?>
 <p:presentation xmlns:a="http://schemas.openxmlformats.org/drawingml/2006/main" xmlns:r="http://schemas.openxmlformats.org/officeDocument/2006/relationships" xmlns:p="http://schemas.openxmlformats.org/presentationml/2006/main" saveSubsetFonts="1">
   <p:sldMasterIdLst>
-    <p:sldMasterId id="2147483672" r:id="rId1"/>
+    <p:sldMasterId id="2147483699" r:id="rId1"/>
+    <p:sldMasterId id="2147483753" r:id="rId2"/>
   </p:sldMasterIdLst>
   <p:sldIdLst>
-    <p:sldId id="256" r:id="rId2"/>
-    <p:sldId id="257" r:id="rId3"/>
-    <p:sldId id="258" r:id="rId4"/>
-    <p:sldId id="262" r:id="rId5"/>
-    <p:sldId id="260" r:id="rId6"/>
-    <p:sldId id="261" r:id="rId7"/>
-    <p:sldId id="259" r:id="rId8"/>
+    <p:sldId id="256" r:id="rId3"/>
+    <p:sldId id="257" r:id="rId4"/>
+    <p:sldId id="258" r:id="rId5"/>
+    <p:sldId id="262" r:id="rId6"/>
+    <p:sldId id="260" r:id="rId7"/>
+    <p:sldId id="261" r:id="rId8"/>
+    <p:sldId id="259" r:id="rId9"/>
   </p:sldIdLst>
   <p:sldSz cx="12192000" cy="6858000"/>
   <p:notesSz cx="6858000" cy="9144000"/>
@@ -114,18 +115,8 @@
 </file>
 
 <file path=ppt/slideLayouts/slideLayout1.xml><?xml version="1.0" encoding="utf-8"?>
-<p:sldLayout xmlns:a="http://schemas.openxmlformats.org/drawingml/2006/main" xmlns:r="http://schemas.openxmlformats.org/officeDocument/2006/relationships" xmlns:p="http://schemas.openxmlformats.org/presentationml/2006/main" showMasterSp="0" type="title" preserve="1">
+<p:sldLayout xmlns:a="http://schemas.openxmlformats.org/drawingml/2006/main" xmlns:r="http://schemas.openxmlformats.org/officeDocument/2006/relationships" xmlns:p="http://schemas.openxmlformats.org/presentationml/2006/main" type="title" preserve="1">
   <p:cSld name="Title Slide">
-    <p:bg>
-      <p:bgPr>
-        <a:solidFill>
-          <a:schemeClr val="bg2">
-            <a:lumMod val="75000"/>
-          </a:schemeClr>
-        </a:solidFill>
-        <a:effectLst/>
-      </p:bgPr>
-    </p:bg>
     <p:spTree>
       <p:nvGrpSpPr>
         <p:cNvPr id="1" name=""/>
@@ -152,8 +143,8 @@
         </p:nvSpPr>
         <p:spPr>
           <a:xfrm>
-            <a:off x="1261872" y="758952"/>
-            <a:ext cx="9418320" cy="4041648"/>
+            <a:off x="1524000" y="1124530"/>
+            <a:ext cx="9144000" cy="2387600"/>
           </a:xfrm>
         </p:spPr>
         <p:txBody>
@@ -161,15 +152,8 @@
             <a:normAutofit/>
           </a:bodyPr>
           <a:lstStyle>
-            <a:lvl1pPr algn="l">
-              <a:lnSpc>
-                <a:spcPct val="85000"/>
-              </a:lnSpc>
-              <a:defRPr sz="7200" baseline="0">
-                <a:solidFill>
-                  <a:schemeClr val="tx1"/>
-                </a:solidFill>
-              </a:defRPr>
+            <a:lvl1pPr algn="ctr">
+              <a:defRPr sz="6000"/>
             </a:lvl1pPr>
           </a:lstStyle>
           <a:p>
@@ -193,8 +177,8 @@
         </p:nvSpPr>
         <p:spPr>
           <a:xfrm>
-            <a:off x="1261872" y="4800600"/>
-            <a:ext cx="9418320" cy="1691640"/>
+            <a:off x="1524000" y="3602038"/>
+            <a:ext cx="9144000" cy="1655762"/>
           </a:xfrm>
         </p:spPr>
         <p:txBody>
@@ -202,23 +186,24 @@
             <a:normAutofit/>
           </a:bodyPr>
           <a:lstStyle>
-            <a:lvl1pPr marL="0" indent="0" algn="l">
-              <a:buNone/>
-              <a:defRPr sz="2200" baseline="0">
+            <a:lvl1pPr marL="0" indent="0" algn="ctr">
+              <a:buNone/>
+              <a:defRPr sz="2400">
                 <a:solidFill>
                   <a:schemeClr val="tx1">
                     <a:lumMod val="75000"/>
+                    <a:lumOff val="25000"/>
                   </a:schemeClr>
                 </a:solidFill>
               </a:defRPr>
             </a:lvl1pPr>
             <a:lvl2pPr marL="457200" indent="0" algn="ctr">
               <a:buNone/>
-              <a:defRPr sz="2200"/>
+              <a:defRPr sz="2800"/>
             </a:lvl2pPr>
             <a:lvl3pPr marL="914400" indent="0" algn="ctr">
               <a:buNone/>
-              <a:defRPr sz="2200"/>
+              <a:defRPr sz="2400"/>
             </a:lvl3pPr>
             <a:lvl4pPr marL="1371600" indent="0" algn="ctr">
               <a:buNone/>
@@ -267,17 +252,7 @@
         <p:spPr/>
         <p:txBody>
           <a:bodyPr/>
-          <a:lstStyle>
-            <a:lvl1pPr>
-              <a:defRPr>
-                <a:solidFill>
-                  <a:schemeClr val="tx1">
-                    <a:lumMod val="50000"/>
-                  </a:schemeClr>
-                </a:solidFill>
-              </a:defRPr>
-            </a:lvl1pPr>
-          </a:lstStyle>
+          <a:lstStyle/>
           <a:p>
             <a:fld id="{E2142342-42DB-494C-ACCA-FC7D78E55948}" type="datetimeFigureOut">
               <a:rPr lang="en-US" smtClean="0"/>
@@ -300,17 +275,7 @@
         <p:spPr/>
         <p:txBody>
           <a:bodyPr/>
-          <a:lstStyle>
-            <a:lvl1pPr>
-              <a:defRPr>
-                <a:solidFill>
-                  <a:schemeClr val="tx1">
-                    <a:lumMod val="65000"/>
-                  </a:schemeClr>
-                </a:solidFill>
-              </a:defRPr>
-            </a:lvl1pPr>
-          </a:lstStyle>
+          <a:lstStyle/>
           <a:p>
             <a:endParaRPr lang="en-US"/>
           </a:p>
@@ -329,17 +294,7 @@
         <p:spPr/>
         <p:txBody>
           <a:bodyPr/>
-          <a:lstStyle>
-            <a:lvl1pPr>
-              <a:defRPr>
-                <a:solidFill>
-                  <a:schemeClr val="tx1">
-                    <a:lumMod val="65000"/>
-                  </a:schemeClr>
-                </a:solidFill>
-              </a:defRPr>
-            </a:lvl1pPr>
-          </a:lstStyle>
+          <a:lstStyle/>
           <a:p>
             <a:fld id="{8806B2D3-2E0E-46BD-9FD9-4DD987055ADE}" type="slidenum">
               <a:rPr lang="en-US" smtClean="0"/>
@@ -349,53 +304,15 @@
           </a:p>
         </p:txBody>
       </p:sp>
-      <p:sp>
-        <p:nvSpPr>
-          <p:cNvPr id="7" name="Rectangle 6"/>
-          <p:cNvSpPr/>
-          <p:nvPr/>
-        </p:nvSpPr>
-        <p:spPr>
-          <a:xfrm>
-            <a:off x="0" y="0"/>
-            <a:ext cx="457200" cy="6858000"/>
-          </a:xfrm>
-          <a:prstGeom prst="rect">
-            <a:avLst/>
-          </a:prstGeom>
-          <a:solidFill>
-            <a:schemeClr val="accent1"/>
-          </a:solidFill>
-          <a:ln>
-            <a:noFill/>
-          </a:ln>
-        </p:spPr>
-        <p:style>
-          <a:lnRef idx="2">
-            <a:schemeClr val="accent1">
-              <a:shade val="50000"/>
-            </a:schemeClr>
-          </a:lnRef>
-          <a:fillRef idx="1">
-            <a:schemeClr val="accent1"/>
-          </a:fillRef>
-          <a:effectRef idx="0">
-            <a:schemeClr val="accent1"/>
-          </a:effectRef>
-          <a:fontRef idx="minor">
-            <a:schemeClr val="lt1"/>
-          </a:fontRef>
-        </p:style>
-      </p:sp>
     </p:spTree>
     <p:extLst>
       <p:ext uri="{BB962C8B-B14F-4D97-AF65-F5344CB8AC3E}">
-        <p14:creationId xmlns:p14="http://schemas.microsoft.com/office/powerpoint/2010/main" val="796609964"/>
+        <p14:creationId xmlns:p14="http://schemas.microsoft.com/office/powerpoint/2010/main" val="951824931"/>
       </p:ext>
     </p:extLst>
   </p:cSld>
   <p:clrMapOvr>
-    <a:overrideClrMapping bg1="dk1" tx1="lt1" bg2="dk2" tx2="lt2" accent1="accent1" accent2="accent2" accent3="accent3" accent4="accent4" accent5="accent5" accent6="accent6" hlink="hlink" folHlink="folHlink"/>
+    <a:masterClrMapping/>
   </p:clrMapOvr>
 </p:sldLayout>
 </file>
@@ -436,7 +353,7 @@
               <a:rPr lang="en-US" smtClean="0"/>
               <a:t>Click to edit Master title style</a:t>
             </a:r>
-            <a:endParaRPr lang="en-US" dirty="0"/>
+            <a:endParaRPr lang="en-US"/>
           </a:p>
         </p:txBody>
       </p:sp>
@@ -560,7 +477,7 @@
     </p:spTree>
     <p:extLst>
       <p:ext uri="{BB962C8B-B14F-4D97-AF65-F5344CB8AC3E}">
-        <p14:creationId xmlns:p14="http://schemas.microsoft.com/office/powerpoint/2010/main" val="2162141482"/>
+        <p14:creationId xmlns:p14="http://schemas.microsoft.com/office/powerpoint/2010/main" val="476451909"/>
       </p:ext>
     </p:extLst>
   </p:cSld>
@@ -599,8 +516,8 @@
         </p:nvSpPr>
         <p:spPr>
           <a:xfrm>
-            <a:off x="8648700" y="381000"/>
-            <a:ext cx="2476500" cy="5897562"/>
+            <a:off x="8724900" y="360362"/>
+            <a:ext cx="2628900" cy="5811838"/>
           </a:xfrm>
         </p:spPr>
         <p:txBody>
@@ -611,7 +528,7 @@
               <a:rPr lang="en-US" smtClean="0"/>
               <a:t>Click to edit Master title style</a:t>
             </a:r>
-            <a:endParaRPr lang="en-US" dirty="0"/>
+            <a:endParaRPr lang="en-US"/>
           </a:p>
         </p:txBody>
       </p:sp>
@@ -627,8 +544,8 @@
         </p:nvSpPr>
         <p:spPr>
           <a:xfrm>
-            <a:off x="762000" y="381000"/>
-            <a:ext cx="7734300" cy="5897562"/>
+            <a:off x="838200" y="360362"/>
+            <a:ext cx="7734300" cy="5811837"/>
           </a:xfrm>
         </p:spPr>
         <p:txBody>
@@ -668,7 +585,7 @@
               <a:rPr lang="en-US" smtClean="0"/>
               <a:t>Fifth level</a:t>
             </a:r>
-            <a:endParaRPr lang="en-US" dirty="0"/>
+            <a:endParaRPr lang="en-US"/>
           </a:p>
         </p:txBody>
       </p:sp>
@@ -740,7 +657,7 @@
     </p:spTree>
     <p:extLst>
       <p:ext uri="{BB962C8B-B14F-4D97-AF65-F5344CB8AC3E}">
-        <p14:creationId xmlns:p14="http://schemas.microsoft.com/office/powerpoint/2010/main" val="1509925408"/>
+        <p14:creationId xmlns:p14="http://schemas.microsoft.com/office/powerpoint/2010/main" val="835968379"/>
       </p:ext>
     </p:extLst>
   </p:cSld>
@@ -750,7 +667,254 @@
 </p:sldLayout>
 </file>
 
-<file path=ppt/slideLayouts/slideLayout2.xml><?xml version="1.0" encoding="utf-8"?>
+<file path=ppt/slideLayouts/slideLayout12.xml><?xml version="1.0" encoding="utf-8"?>
+<p:sldLayout xmlns:a="http://schemas.openxmlformats.org/drawingml/2006/main" xmlns:r="http://schemas.openxmlformats.org/officeDocument/2006/relationships" xmlns:p="http://schemas.openxmlformats.org/presentationml/2006/main" type="title" preserve="1">
+  <p:cSld name="Title Slide">
+    <p:spTree>
+      <p:nvGrpSpPr>
+        <p:cNvPr id="1" name=""/>
+        <p:cNvGrpSpPr/>
+        <p:nvPr/>
+      </p:nvGrpSpPr>
+      <p:grpSpPr>
+        <a:xfrm>
+          <a:off x="0" y="0"/>
+          <a:ext cx="0" cy="0"/>
+          <a:chOff x="0" y="0"/>
+          <a:chExt cx="0" cy="0"/>
+        </a:xfrm>
+      </p:grpSpPr>
+      <p:sp>
+        <p:nvSpPr>
+          <p:cNvPr id="2" name="Title 1"/>
+          <p:cNvSpPr>
+            <a:spLocks noGrp="1"/>
+          </p:cNvSpPr>
+          <p:nvPr>
+            <p:ph type="ctrTitle"/>
+          </p:nvPr>
+        </p:nvSpPr>
+        <p:spPr>
+          <a:xfrm>
+            <a:off x="1154955" y="1447800"/>
+            <a:ext cx="8825658" cy="3329581"/>
+          </a:xfrm>
+        </p:spPr>
+        <p:txBody>
+          <a:bodyPr anchor="b"/>
+          <a:lstStyle>
+            <a:lvl1pPr>
+              <a:defRPr sz="7200"/>
+            </a:lvl1pPr>
+          </a:lstStyle>
+          <a:p>
+            <a:r>
+              <a:rPr lang="en-US" smtClean="0"/>
+              <a:t>Click to edit Master title style</a:t>
+            </a:r>
+            <a:endParaRPr lang="en-US" dirty="0"/>
+          </a:p>
+        </p:txBody>
+      </p:sp>
+      <p:sp>
+        <p:nvSpPr>
+          <p:cNvPr id="3" name="Subtitle 2"/>
+          <p:cNvSpPr>
+            <a:spLocks noGrp="1"/>
+          </p:cNvSpPr>
+          <p:nvPr>
+            <p:ph type="subTitle" idx="1"/>
+          </p:nvPr>
+        </p:nvSpPr>
+        <p:spPr>
+          <a:xfrm>
+            <a:off x="1154955" y="4777380"/>
+            <a:ext cx="8825658" cy="861420"/>
+          </a:xfrm>
+        </p:spPr>
+        <p:txBody>
+          <a:bodyPr anchor="t"/>
+          <a:lstStyle>
+            <a:lvl1pPr marL="0" indent="0" algn="l">
+              <a:buNone/>
+              <a:defRPr cap="all">
+                <a:solidFill>
+                  <a:schemeClr val="bg2">
+                    <a:lumMod val="40000"/>
+                    <a:lumOff val="60000"/>
+                  </a:schemeClr>
+                </a:solidFill>
+              </a:defRPr>
+            </a:lvl1pPr>
+            <a:lvl2pPr marL="457200" indent="0" algn="ctr">
+              <a:buNone/>
+              <a:defRPr>
+                <a:solidFill>
+                  <a:schemeClr val="tx1">
+                    <a:tint val="75000"/>
+                  </a:schemeClr>
+                </a:solidFill>
+              </a:defRPr>
+            </a:lvl2pPr>
+            <a:lvl3pPr marL="914400" indent="0" algn="ctr">
+              <a:buNone/>
+              <a:defRPr>
+                <a:solidFill>
+                  <a:schemeClr val="tx1">
+                    <a:tint val="75000"/>
+                  </a:schemeClr>
+                </a:solidFill>
+              </a:defRPr>
+            </a:lvl3pPr>
+            <a:lvl4pPr marL="1371600" indent="0" algn="ctr">
+              <a:buNone/>
+              <a:defRPr>
+                <a:solidFill>
+                  <a:schemeClr val="tx1">
+                    <a:tint val="75000"/>
+                  </a:schemeClr>
+                </a:solidFill>
+              </a:defRPr>
+            </a:lvl4pPr>
+            <a:lvl5pPr marL="1828800" indent="0" algn="ctr">
+              <a:buNone/>
+              <a:defRPr>
+                <a:solidFill>
+                  <a:schemeClr val="tx1">
+                    <a:tint val="75000"/>
+                  </a:schemeClr>
+                </a:solidFill>
+              </a:defRPr>
+            </a:lvl5pPr>
+            <a:lvl6pPr marL="2286000" indent="0" algn="ctr">
+              <a:buNone/>
+              <a:defRPr>
+                <a:solidFill>
+                  <a:schemeClr val="tx1">
+                    <a:tint val="75000"/>
+                  </a:schemeClr>
+                </a:solidFill>
+              </a:defRPr>
+            </a:lvl6pPr>
+            <a:lvl7pPr marL="2743200" indent="0" algn="ctr">
+              <a:buNone/>
+              <a:defRPr>
+                <a:solidFill>
+                  <a:schemeClr val="tx1">
+                    <a:tint val="75000"/>
+                  </a:schemeClr>
+                </a:solidFill>
+              </a:defRPr>
+            </a:lvl7pPr>
+            <a:lvl8pPr marL="3200400" indent="0" algn="ctr">
+              <a:buNone/>
+              <a:defRPr>
+                <a:solidFill>
+                  <a:schemeClr val="tx1">
+                    <a:tint val="75000"/>
+                  </a:schemeClr>
+                </a:solidFill>
+              </a:defRPr>
+            </a:lvl8pPr>
+            <a:lvl9pPr marL="3657600" indent="0" algn="ctr">
+              <a:buNone/>
+              <a:defRPr>
+                <a:solidFill>
+                  <a:schemeClr val="tx1">
+                    <a:tint val="75000"/>
+                  </a:schemeClr>
+                </a:solidFill>
+              </a:defRPr>
+            </a:lvl9pPr>
+          </a:lstStyle>
+          <a:p>
+            <a:r>
+              <a:rPr lang="en-US" smtClean="0"/>
+              <a:t>Click to edit Master subtitle style</a:t>
+            </a:r>
+            <a:endParaRPr lang="en-US" dirty="0"/>
+          </a:p>
+        </p:txBody>
+      </p:sp>
+      <p:sp>
+        <p:nvSpPr>
+          <p:cNvPr id="4" name="Date Placeholder 3"/>
+          <p:cNvSpPr>
+            <a:spLocks noGrp="1"/>
+          </p:cNvSpPr>
+          <p:nvPr>
+            <p:ph type="dt" sz="half" idx="10"/>
+          </p:nvPr>
+        </p:nvSpPr>
+        <p:spPr/>
+        <p:txBody>
+          <a:bodyPr/>
+          <a:lstStyle/>
+          <a:p>
+            <a:fld id="{E2142342-42DB-494C-ACCA-FC7D78E55948}" type="datetimeFigureOut">
+              <a:rPr lang="en-US" smtClean="0"/>
+              <a:t>4/17/2016</a:t>
+            </a:fld>
+            <a:endParaRPr lang="en-US"/>
+          </a:p>
+        </p:txBody>
+      </p:sp>
+      <p:sp>
+        <p:nvSpPr>
+          <p:cNvPr id="5" name="Footer Placeholder 4"/>
+          <p:cNvSpPr>
+            <a:spLocks noGrp="1"/>
+          </p:cNvSpPr>
+          <p:nvPr>
+            <p:ph type="ftr" sz="quarter" idx="11"/>
+          </p:nvPr>
+        </p:nvSpPr>
+        <p:spPr/>
+        <p:txBody>
+          <a:bodyPr/>
+          <a:lstStyle/>
+          <a:p>
+            <a:endParaRPr lang="en-US"/>
+          </a:p>
+        </p:txBody>
+      </p:sp>
+      <p:sp>
+        <p:nvSpPr>
+          <p:cNvPr id="6" name="Slide Number Placeholder 5"/>
+          <p:cNvSpPr>
+            <a:spLocks noGrp="1"/>
+          </p:cNvSpPr>
+          <p:nvPr>
+            <p:ph type="sldNum" sz="quarter" idx="12"/>
+          </p:nvPr>
+        </p:nvSpPr>
+        <p:spPr/>
+        <p:txBody>
+          <a:bodyPr/>
+          <a:lstStyle/>
+          <a:p>
+            <a:fld id="{8806B2D3-2E0E-46BD-9FD9-4DD987055ADE}" type="slidenum">
+              <a:rPr lang="en-US" smtClean="0"/>
+              <a:t>‹#›</a:t>
+            </a:fld>
+            <a:endParaRPr lang="en-US"/>
+          </a:p>
+        </p:txBody>
+      </p:sp>
+    </p:spTree>
+    <p:extLst>
+      <p:ext uri="{BB962C8B-B14F-4D97-AF65-F5344CB8AC3E}">
+        <p14:creationId xmlns:p14="http://schemas.microsoft.com/office/powerpoint/2010/main" val="4158936180"/>
+      </p:ext>
+    </p:extLst>
+  </p:cSld>
+  <p:clrMapOvr>
+    <a:masterClrMapping/>
+  </p:clrMapOvr>
+</p:sldLayout>
+</file>
+
+<file path=ppt/slideLayouts/slideLayout13.xml><?xml version="1.0" encoding="utf-8"?>
 <p:sldLayout xmlns:a="http://schemas.openxmlformats.org/drawingml/2006/main" xmlns:r="http://schemas.openxmlformats.org/officeDocument/2006/relationships" xmlns:p="http://schemas.openxmlformats.org/presentationml/2006/main" type="obj" preserve="1">
   <p:cSld name="Title and Content">
     <p:spTree>
@@ -844,7 +1008,7 @@
       </p:sp>
       <p:sp>
         <p:nvSpPr>
-          <p:cNvPr id="4" name="Date Placeholder 3"/>
+          <p:cNvPr id="7" name="Date Placeholder 3"/>
           <p:cNvSpPr>
             <a:spLocks noGrp="1"/>
           </p:cNvSpPr>
@@ -910,7 +1074,7 @@
     </p:spTree>
     <p:extLst>
       <p:ext uri="{BB962C8B-B14F-4D97-AF65-F5344CB8AC3E}">
-        <p14:creationId xmlns:p14="http://schemas.microsoft.com/office/powerpoint/2010/main" val="419976017"/>
+        <p14:creationId xmlns:p14="http://schemas.microsoft.com/office/powerpoint/2010/main" val="1639880451"/>
       </p:ext>
     </p:extLst>
   </p:cSld>
@@ -920,7 +1084,7 @@
 </p:sldLayout>
 </file>
 
-<file path=ppt/slideLayouts/slideLayout3.xml><?xml version="1.0" encoding="utf-8"?>
+<file path=ppt/slideLayouts/slideLayout14.xml><?xml version="1.0" encoding="utf-8"?>
 <p:sldLayout xmlns:a="http://schemas.openxmlformats.org/drawingml/2006/main" xmlns:r="http://schemas.openxmlformats.org/officeDocument/2006/relationships" xmlns:p="http://schemas.openxmlformats.org/presentationml/2006/main" type="secHead" preserve="1">
   <p:cSld name="Section Header">
     <p:spTree>
@@ -949,20 +1113,15 @@
         </p:nvSpPr>
         <p:spPr>
           <a:xfrm>
-            <a:off x="1261872" y="758952"/>
-            <a:ext cx="9418320" cy="4041648"/>
+            <a:off x="1154956" y="2861733"/>
+            <a:ext cx="8825657" cy="1915647"/>
           </a:xfrm>
         </p:spPr>
         <p:txBody>
-          <a:bodyPr anchor="b">
-            <a:normAutofit/>
-          </a:bodyPr>
+          <a:bodyPr anchor="b"/>
           <a:lstStyle>
-            <a:lvl1pPr>
-              <a:lnSpc>
-                <a:spcPct val="85000"/>
-              </a:lnSpc>
-              <a:defRPr sz="7200" b="0"/>
+            <a:lvl1pPr algn="l">
+              <a:defRPr sz="4000" b="0" cap="none"/>
             </a:lvl1pPr>
           </a:lstStyle>
           <a:p>
@@ -986,22 +1145,20 @@
         </p:nvSpPr>
         <p:spPr>
           <a:xfrm>
-            <a:off x="1261872" y="4800600"/>
-            <a:ext cx="9418320" cy="1691640"/>
+            <a:off x="1154955" y="4777381"/>
+            <a:ext cx="8825658" cy="860400"/>
           </a:xfrm>
         </p:spPr>
         <p:txBody>
-          <a:bodyPr anchor="t">
-            <a:normAutofit/>
-          </a:bodyPr>
+          <a:bodyPr anchor="t"/>
           <a:lstStyle>
-            <a:lvl1pPr marL="0" indent="0">
-              <a:buNone/>
-              <a:defRPr sz="2200">
+            <a:lvl1pPr marL="0" indent="0" algn="l">
+              <a:buNone/>
+              <a:defRPr sz="2000" cap="all">
                 <a:solidFill>
-                  <a:schemeClr val="tx1">
-                    <a:lumMod val="65000"/>
-                    <a:lumOff val="35000"/>
+                  <a:schemeClr val="bg2">
+                    <a:lumMod val="40000"/>
+                    <a:lumOff val="60000"/>
                   </a:schemeClr>
                 </a:solidFill>
               </a:defRPr>
@@ -1161,48 +1318,10 @@
           </a:p>
         </p:txBody>
       </p:sp>
-      <p:sp>
-        <p:nvSpPr>
-          <p:cNvPr id="7" name="Rectangle 6"/>
-          <p:cNvSpPr/>
-          <p:nvPr/>
-        </p:nvSpPr>
-        <p:spPr>
-          <a:xfrm>
-            <a:off x="0" y="0"/>
-            <a:ext cx="457200" cy="6858000"/>
-          </a:xfrm>
-          <a:prstGeom prst="rect">
-            <a:avLst/>
-          </a:prstGeom>
-          <a:solidFill>
-            <a:schemeClr val="accent1"/>
-          </a:solidFill>
-          <a:ln>
-            <a:noFill/>
-          </a:ln>
-        </p:spPr>
-        <p:style>
-          <a:lnRef idx="2">
-            <a:schemeClr val="accent1">
-              <a:shade val="50000"/>
-            </a:schemeClr>
-          </a:lnRef>
-          <a:fillRef idx="1">
-            <a:schemeClr val="accent1"/>
-          </a:fillRef>
-          <a:effectRef idx="0">
-            <a:schemeClr val="accent1"/>
-          </a:effectRef>
-          <a:fontRef idx="minor">
-            <a:schemeClr val="lt1"/>
-          </a:fontRef>
-        </p:style>
-      </p:sp>
     </p:spTree>
     <p:extLst>
       <p:ext uri="{BB962C8B-B14F-4D97-AF65-F5344CB8AC3E}">
-        <p14:creationId xmlns:p14="http://schemas.microsoft.com/office/powerpoint/2010/main" val="2032024028"/>
+        <p14:creationId xmlns:p14="http://schemas.microsoft.com/office/powerpoint/2010/main" val="402957540"/>
       </p:ext>
     </p:extLst>
   </p:cSld>
@@ -1212,7 +1331,7 @@
 </p:sldLayout>
 </file>
 
-<file path=ppt/slideLayouts/slideLayout4.xml><?xml version="1.0" encoding="utf-8"?>
+<file path=ppt/slideLayouts/slideLayout15.xml><?xml version="1.0" encoding="utf-8"?>
 <p:sldLayout xmlns:a="http://schemas.openxmlformats.org/drawingml/2006/main" xmlns:r="http://schemas.openxmlformats.org/officeDocument/2006/relationships" xmlns:p="http://schemas.openxmlformats.org/presentationml/2006/main" type="twoObj" preserve="1">
   <p:cSld name="Two Content">
     <p:spTree>
@@ -1264,12 +1383,14 @@
         </p:nvSpPr>
         <p:spPr>
           <a:xfrm>
-            <a:off x="1261872" y="1828800"/>
-            <a:ext cx="4480560" cy="4351337"/>
+            <a:off x="1103312" y="2060575"/>
+            <a:ext cx="4396339" cy="4195763"/>
           </a:xfrm>
         </p:spPr>
         <p:txBody>
-          <a:bodyPr/>
+          <a:bodyPr>
+            <a:normAutofit/>
+          </a:bodyPr>
           <a:lstStyle>
             <a:lvl1pPr>
               <a:defRPr sz="1800"/>
@@ -1281,22 +1402,22 @@
               <a:defRPr sz="1400"/>
             </a:lvl3pPr>
             <a:lvl4pPr>
-              <a:defRPr sz="1400"/>
+              <a:defRPr sz="1200"/>
             </a:lvl4pPr>
             <a:lvl5pPr>
-              <a:defRPr sz="1400"/>
+              <a:defRPr sz="1200"/>
             </a:lvl5pPr>
             <a:lvl6pPr>
-              <a:defRPr sz="1400"/>
+              <a:defRPr sz="1200"/>
             </a:lvl6pPr>
             <a:lvl7pPr>
-              <a:defRPr sz="1400"/>
+              <a:defRPr sz="1200"/>
             </a:lvl7pPr>
             <a:lvl8pPr>
-              <a:defRPr sz="1400"/>
+              <a:defRPr sz="1200"/>
             </a:lvl8pPr>
             <a:lvl9pPr>
-              <a:defRPr sz="1400"/>
+              <a:defRPr sz="1200"/>
             </a:lvl9pPr>
           </a:lstStyle>
           <a:p>
@@ -1349,12 +1470,14 @@
         </p:nvSpPr>
         <p:spPr>
           <a:xfrm>
-            <a:off x="6126480" y="1828800"/>
-            <a:ext cx="4480560" cy="4351337"/>
+            <a:off x="5654493" y="2056092"/>
+            <a:ext cx="4396341" cy="4200245"/>
           </a:xfrm>
         </p:spPr>
         <p:txBody>
-          <a:bodyPr/>
+          <a:bodyPr>
+            <a:normAutofit/>
+          </a:bodyPr>
           <a:lstStyle>
             <a:lvl1pPr>
               <a:defRPr sz="1800"/>
@@ -1366,22 +1489,22 @@
               <a:defRPr sz="1400"/>
             </a:lvl3pPr>
             <a:lvl4pPr>
-              <a:defRPr sz="1400"/>
+              <a:defRPr sz="1200"/>
             </a:lvl4pPr>
             <a:lvl5pPr>
-              <a:defRPr sz="1400"/>
+              <a:defRPr sz="1200"/>
             </a:lvl5pPr>
             <a:lvl6pPr>
-              <a:defRPr sz="1400"/>
+              <a:defRPr sz="1200"/>
             </a:lvl6pPr>
             <a:lvl7pPr>
-              <a:defRPr sz="1400"/>
+              <a:defRPr sz="1200"/>
             </a:lvl7pPr>
             <a:lvl8pPr>
-              <a:defRPr sz="1400"/>
+              <a:defRPr sz="1200"/>
             </a:lvl8pPr>
             <a:lvl9pPr>
-              <a:defRPr sz="1400"/>
+              <a:defRPr sz="1200"/>
             </a:lvl9pPr>
           </a:lstStyle>
           <a:p>
@@ -1490,7 +1613,7 @@
     </p:spTree>
     <p:extLst>
       <p:ext uri="{BB962C8B-B14F-4D97-AF65-F5344CB8AC3E}">
-        <p14:creationId xmlns:p14="http://schemas.microsoft.com/office/powerpoint/2010/main" val="3093914410"/>
+        <p14:creationId xmlns:p14="http://schemas.microsoft.com/office/powerpoint/2010/main" val="1557012919"/>
       </p:ext>
     </p:extLst>
   </p:cSld>
@@ -1500,7 +1623,7 @@
 </p:sldLayout>
 </file>
 
-<file path=ppt/slideLayouts/slideLayout5.xml><?xml version="1.0" encoding="utf-8"?>
+<file path=ppt/slideLayouts/slideLayout16.xml><?xml version="1.0" encoding="utf-8"?>
 <p:sldLayout xmlns:a="http://schemas.openxmlformats.org/drawingml/2006/main" xmlns:r="http://schemas.openxmlformats.org/officeDocument/2006/relationships" xmlns:p="http://schemas.openxmlformats.org/presentationml/2006/main" type="twoTxTwoObj" preserve="1">
   <p:cSld name="Comparison">
     <p:spTree>
@@ -1519,7 +1642,7 @@
       </p:grpSpPr>
       <p:sp>
         <p:nvSpPr>
-          <p:cNvPr id="10" name="Title 9"/>
+          <p:cNvPr id="2" name="Title 1"/>
           <p:cNvSpPr>
             <a:spLocks noGrp="1"/>
           </p:cNvSpPr>
@@ -1530,7 +1653,11 @@
         <p:spPr/>
         <p:txBody>
           <a:bodyPr/>
-          <a:lstStyle/>
+          <a:lstStyle>
+            <a:lvl1pPr>
+              <a:defRPr/>
+            </a:lvl1pPr>
+          </a:lstStyle>
           <a:p>
             <a:r>
               <a:rPr lang="en-US" smtClean="0"/>
@@ -1552,23 +1679,23 @@
         </p:nvSpPr>
         <p:spPr>
           <a:xfrm>
-            <a:off x="1261872" y="1713655"/>
-            <a:ext cx="4480560" cy="731520"/>
+            <a:off x="1103313" y="1905000"/>
+            <a:ext cx="4396338" cy="576262"/>
           </a:xfrm>
         </p:spPr>
         <p:txBody>
           <a:bodyPr anchor="b">
-            <a:normAutofit/>
+            <a:noAutofit/>
           </a:bodyPr>
           <a:lstStyle>
             <a:lvl1pPr marL="0" indent="0">
-              <a:spcBef>
-                <a:spcPts val="0"/>
-              </a:spcBef>
-              <a:buNone/>
-              <a:defRPr sz="2000" b="0">
+              <a:buNone/>
+              <a:defRPr sz="2400" b="0">
                 <a:solidFill>
-                  <a:schemeClr val="tx2"/>
+                  <a:schemeClr val="bg2">
+                    <a:lumMod val="40000"/>
+                    <a:lumOff val="60000"/>
+                  </a:schemeClr>
                 </a:solidFill>
               </a:defRPr>
             </a:lvl1pPr>
@@ -1626,12 +1753,14 @@
         </p:nvSpPr>
         <p:spPr>
           <a:xfrm>
-            <a:off x="1261872" y="2507550"/>
-            <a:ext cx="4480560" cy="3664650"/>
+            <a:off x="1103312" y="2514600"/>
+            <a:ext cx="4396339" cy="3741738"/>
           </a:xfrm>
         </p:spPr>
         <p:txBody>
-          <a:bodyPr/>
+          <a:bodyPr>
+            <a:normAutofit/>
+          </a:bodyPr>
           <a:lstStyle>
             <a:lvl1pPr>
               <a:defRPr sz="1800"/>
@@ -1643,22 +1772,22 @@
               <a:defRPr sz="1400"/>
             </a:lvl3pPr>
             <a:lvl4pPr>
-              <a:defRPr sz="1400"/>
+              <a:defRPr sz="1200"/>
             </a:lvl4pPr>
             <a:lvl5pPr>
-              <a:defRPr sz="1400"/>
+              <a:defRPr sz="1200"/>
             </a:lvl5pPr>
             <a:lvl6pPr>
-              <a:defRPr sz="1400"/>
+              <a:defRPr sz="1200"/>
             </a:lvl6pPr>
             <a:lvl7pPr>
-              <a:defRPr sz="1400"/>
+              <a:defRPr sz="1200"/>
             </a:lvl7pPr>
             <a:lvl8pPr>
-              <a:defRPr sz="1400"/>
+              <a:defRPr sz="1200"/>
             </a:lvl8pPr>
             <a:lvl9pPr>
-              <a:defRPr sz="1400"/>
+              <a:defRPr sz="1200"/>
             </a:lvl9pPr>
           </a:lstStyle>
           <a:p>
@@ -1711,30 +1840,24 @@
         </p:nvSpPr>
         <p:spPr>
           <a:xfrm>
-            <a:off x="6126480" y="1713655"/>
-            <a:ext cx="4480560" cy="731520"/>
+            <a:off x="5654495" y="1905000"/>
+            <a:ext cx="4396339" cy="576262"/>
           </a:xfrm>
         </p:spPr>
         <p:txBody>
           <a:bodyPr anchor="b">
-            <a:normAutofit/>
+            <a:noAutofit/>
           </a:bodyPr>
           <a:lstStyle>
             <a:lvl1pPr marL="0" indent="0">
-              <a:lnSpc>
-                <a:spcPct val="95000"/>
-              </a:lnSpc>
-              <a:spcBef>
-                <a:spcPts val="0"/>
-              </a:spcBef>
-              <a:buNone/>
-              <a:defRPr lang="en-US" sz="2000" b="0" kern="1200" dirty="0">
+              <a:buNone/>
+              <a:defRPr sz="2400" b="0">
                 <a:solidFill>
-                  <a:schemeClr val="tx2"/>
+                  <a:schemeClr val="bg2">
+                    <a:lumMod val="40000"/>
+                    <a:lumOff val="60000"/>
+                  </a:schemeClr>
                 </a:solidFill>
-                <a:latin typeface="+mn-lt"/>
-                <a:ea typeface="+mn-ea"/>
-                <a:cs typeface="+mn-cs"/>
               </a:defRPr>
             </a:lvl1pPr>
             <a:lvl2pPr marL="457200" indent="0">
@@ -1771,16 +1894,7 @@
             </a:lvl9pPr>
           </a:lstStyle>
           <a:p>
-            <a:pPr marL="0" lvl="0" indent="0" algn="l" defTabSz="914400" rtl="0" eaLnBrk="1" latinLnBrk="0" hangingPunct="1">
-              <a:lnSpc>
-                <a:spcPct val="90000"/>
-              </a:lnSpc>
-              <a:spcBef>
-                <a:spcPts val="2000"/>
-              </a:spcBef>
-              <a:buFontTx/>
-              <a:buNone/>
-            </a:pPr>
+            <a:pPr lvl="0"/>
             <a:r>
               <a:rPr lang="en-US" smtClean="0"/>
               <a:t>Click to edit Master text styles</a:t>
@@ -1800,12 +1914,14 @@
         </p:nvSpPr>
         <p:spPr>
           <a:xfrm>
-            <a:off x="6126480" y="2507550"/>
-            <a:ext cx="4480560" cy="3664650"/>
+            <a:off x="5654495" y="2514600"/>
+            <a:ext cx="4396339" cy="3741738"/>
           </a:xfrm>
         </p:spPr>
         <p:txBody>
-          <a:bodyPr/>
+          <a:bodyPr>
+            <a:normAutofit/>
+          </a:bodyPr>
           <a:lstStyle>
             <a:lvl1pPr>
               <a:defRPr sz="1800"/>
@@ -1817,22 +1933,22 @@
               <a:defRPr sz="1400"/>
             </a:lvl3pPr>
             <a:lvl4pPr>
-              <a:defRPr sz="1400"/>
+              <a:defRPr sz="1200"/>
             </a:lvl4pPr>
             <a:lvl5pPr>
-              <a:defRPr sz="1400"/>
+              <a:defRPr sz="1200"/>
             </a:lvl5pPr>
             <a:lvl6pPr>
-              <a:defRPr sz="1400"/>
+              <a:defRPr sz="1200"/>
             </a:lvl6pPr>
             <a:lvl7pPr>
-              <a:defRPr sz="1400"/>
+              <a:defRPr sz="1200"/>
             </a:lvl7pPr>
             <a:lvl8pPr>
-              <a:defRPr sz="1400"/>
+              <a:defRPr sz="1200"/>
             </a:lvl8pPr>
             <a:lvl9pPr>
-              <a:defRPr sz="1400"/>
+              <a:defRPr sz="1200"/>
             </a:lvl9pPr>
           </a:lstStyle>
           <a:p>
@@ -1941,7 +2057,7 @@
     </p:spTree>
     <p:extLst>
       <p:ext uri="{BB962C8B-B14F-4D97-AF65-F5344CB8AC3E}">
-        <p14:creationId xmlns:p14="http://schemas.microsoft.com/office/powerpoint/2010/main" val="2513319752"/>
+        <p14:creationId xmlns:p14="http://schemas.microsoft.com/office/powerpoint/2010/main" val="3158286477"/>
       </p:ext>
     </p:extLst>
   </p:cSld>
@@ -1951,7 +2067,7 @@
 </p:sldLayout>
 </file>
 
-<file path=ppt/slideLayouts/slideLayout6.xml><?xml version="1.0" encoding="utf-8"?>
+<file path=ppt/slideLayouts/slideLayout17.xml><?xml version="1.0" encoding="utf-8"?>
 <p:sldLayout xmlns:a="http://schemas.openxmlformats.org/drawingml/2006/main" xmlns:r="http://schemas.openxmlformats.org/officeDocument/2006/relationships" xmlns:p="http://schemas.openxmlformats.org/presentationml/2006/main" type="titleOnly" preserve="1">
   <p:cSld name="Title Only">
     <p:spTree>
@@ -1970,7 +2086,7 @@
       </p:grpSpPr>
       <p:sp>
         <p:nvSpPr>
-          <p:cNvPr id="6" name="Title 5"/>
+          <p:cNvPr id="2" name="Title 1"/>
           <p:cNvSpPr>
             <a:spLocks noGrp="1"/>
           </p:cNvSpPr>
@@ -1993,7 +2109,7 @@
       </p:sp>
       <p:sp>
         <p:nvSpPr>
-          <p:cNvPr id="3" name="Date Placeholder 2"/>
+          <p:cNvPr id="7" name="Date Placeholder 2"/>
           <p:cNvSpPr>
             <a:spLocks noGrp="1"/>
           </p:cNvSpPr>
@@ -2016,7 +2132,7 @@
       </p:sp>
       <p:sp>
         <p:nvSpPr>
-          <p:cNvPr id="4" name="Footer Placeholder 3"/>
+          <p:cNvPr id="5" name="Footer Placeholder 3"/>
           <p:cNvSpPr>
             <a:spLocks noGrp="1"/>
           </p:cNvSpPr>
@@ -2035,7 +2151,7 @@
       </p:sp>
       <p:sp>
         <p:nvSpPr>
-          <p:cNvPr id="5" name="Slide Number Placeholder 4"/>
+          <p:cNvPr id="6" name="Slide Number Placeholder 4"/>
           <p:cNvSpPr>
             <a:spLocks noGrp="1"/>
           </p:cNvSpPr>
@@ -2059,7 +2175,7 @@
     </p:spTree>
     <p:extLst>
       <p:ext uri="{BB962C8B-B14F-4D97-AF65-F5344CB8AC3E}">
-        <p14:creationId xmlns:p14="http://schemas.microsoft.com/office/powerpoint/2010/main" val="1054877726"/>
+        <p14:creationId xmlns:p14="http://schemas.microsoft.com/office/powerpoint/2010/main" val="138477572"/>
       </p:ext>
     </p:extLst>
   </p:cSld>
@@ -2069,7 +2185,7 @@
 </p:sldLayout>
 </file>
 
-<file path=ppt/slideLayouts/slideLayout7.xml><?xml version="1.0" encoding="utf-8"?>
+<file path=ppt/slideLayouts/slideLayout18.xml><?xml version="1.0" encoding="utf-8"?>
 <p:sldLayout xmlns:a="http://schemas.openxmlformats.org/drawingml/2006/main" xmlns:r="http://schemas.openxmlformats.org/officeDocument/2006/relationships" xmlns:p="http://schemas.openxmlformats.org/presentationml/2006/main" type="blank" preserve="1">
   <p:cSld name="Blank">
     <p:spTree>
@@ -2088,7 +2204,7 @@
       </p:grpSpPr>
       <p:sp>
         <p:nvSpPr>
-          <p:cNvPr id="2" name="Date Placeholder 1"/>
+          <p:cNvPr id="7" name="Date Placeholder 1"/>
           <p:cNvSpPr>
             <a:spLocks noGrp="1"/>
           </p:cNvSpPr>
@@ -2111,7 +2227,7 @@
       </p:sp>
       <p:sp>
         <p:nvSpPr>
-          <p:cNvPr id="3" name="Footer Placeholder 2"/>
+          <p:cNvPr id="5" name="Footer Placeholder 2"/>
           <p:cNvSpPr>
             <a:spLocks noGrp="1"/>
           </p:cNvSpPr>
@@ -2130,7 +2246,7 @@
       </p:sp>
       <p:sp>
         <p:nvSpPr>
-          <p:cNvPr id="4" name="Slide Number Placeholder 3"/>
+          <p:cNvPr id="6" name="Slide Number Placeholder 3"/>
           <p:cNvSpPr>
             <a:spLocks noGrp="1"/>
           </p:cNvSpPr>
@@ -2154,7 +2270,7 @@
     </p:spTree>
     <p:extLst>
       <p:ext uri="{BB962C8B-B14F-4D97-AF65-F5344CB8AC3E}">
-        <p14:creationId xmlns:p14="http://schemas.microsoft.com/office/powerpoint/2010/main" val="3591623334"/>
+        <p14:creationId xmlns:p14="http://schemas.microsoft.com/office/powerpoint/2010/main" val="2586037174"/>
       </p:ext>
     </p:extLst>
   </p:cSld>
@@ -2164,7 +2280,7 @@
 </p:sldLayout>
 </file>
 
-<file path=ppt/slideLayouts/slideLayout8.xml><?xml version="1.0" encoding="utf-8"?>
+<file path=ppt/slideLayouts/slideLayout19.xml><?xml version="1.0" encoding="utf-8"?>
 <p:sldLayout xmlns:a="http://schemas.openxmlformats.org/drawingml/2006/main" xmlns:r="http://schemas.openxmlformats.org/officeDocument/2006/relationships" xmlns:p="http://schemas.openxmlformats.org/presentationml/2006/main" type="objTx" preserve="1">
   <p:cSld name="Content with Caption">
     <p:spTree>
@@ -2193,46 +2309,46 @@
         </p:nvSpPr>
         <p:spPr>
           <a:xfrm>
-            <a:off x="841248" y="457200"/>
-            <a:ext cx="3200400" cy="1600197"/>
+            <a:off x="1154953" y="1447800"/>
+            <a:ext cx="3401064" cy="1447800"/>
           </a:xfrm>
         </p:spPr>
         <p:txBody>
-          <a:bodyPr anchor="b">
+          <a:bodyPr anchor="b"/>
+          <a:lstStyle>
+            <a:lvl1pPr algn="l">
+              <a:defRPr sz="2400" b="0"/>
+            </a:lvl1pPr>
+          </a:lstStyle>
+          <a:p>
+            <a:r>
+              <a:rPr lang="en-US" smtClean="0"/>
+              <a:t>Click to edit Master title style</a:t>
+            </a:r>
+            <a:endParaRPr lang="en-US" dirty="0"/>
+          </a:p>
+        </p:txBody>
+      </p:sp>
+      <p:sp>
+        <p:nvSpPr>
+          <p:cNvPr id="3" name="Content Placeholder 2"/>
+          <p:cNvSpPr>
+            <a:spLocks noGrp="1"/>
+          </p:cNvSpPr>
+          <p:nvPr>
+            <p:ph idx="1"/>
+          </p:nvPr>
+        </p:nvSpPr>
+        <p:spPr>
+          <a:xfrm>
+            <a:off x="4784616" y="1447800"/>
+            <a:ext cx="5195997" cy="4572000"/>
+          </a:xfrm>
+        </p:spPr>
+        <p:txBody>
+          <a:bodyPr anchor="ctr">
             <a:normAutofit/>
           </a:bodyPr>
-          <a:lstStyle>
-            <a:lvl1pPr>
-              <a:defRPr sz="3200" b="0" baseline="0"/>
-            </a:lvl1pPr>
-          </a:lstStyle>
-          <a:p>
-            <a:r>
-              <a:rPr lang="en-US" smtClean="0"/>
-              <a:t>Click to edit Master title style</a:t>
-            </a:r>
-            <a:endParaRPr lang="en-US" dirty="0"/>
-          </a:p>
-        </p:txBody>
-      </p:sp>
-      <p:sp>
-        <p:nvSpPr>
-          <p:cNvPr id="3" name="Content Placeholder 2"/>
-          <p:cNvSpPr>
-            <a:spLocks noGrp="1"/>
-          </p:cNvSpPr>
-          <p:nvPr>
-            <p:ph idx="1"/>
-          </p:nvPr>
-        </p:nvSpPr>
-        <p:spPr>
-          <a:xfrm>
-            <a:off x="4504267" y="685800"/>
-            <a:ext cx="6079066" cy="5486400"/>
-          </a:xfrm>
-        </p:spPr>
-        <p:txBody>
-          <a:bodyPr/>
           <a:lstStyle>
             <a:lvl1pPr>
               <a:defRPr sz="2000"/>
@@ -2312,8 +2428,4714 @@
         </p:nvSpPr>
         <p:spPr>
           <a:xfrm>
-            <a:off x="841248" y="2099734"/>
-            <a:ext cx="3200400" cy="3810001"/>
+            <a:off x="1154953" y="3129280"/>
+            <a:ext cx="3401063" cy="2895599"/>
+          </a:xfrm>
+        </p:spPr>
+        <p:txBody>
+          <a:bodyPr/>
+          <a:lstStyle>
+            <a:lvl1pPr marL="0" indent="0">
+              <a:buNone/>
+              <a:defRPr sz="1400"/>
+            </a:lvl1pPr>
+            <a:lvl2pPr marL="457200" indent="0">
+              <a:buNone/>
+              <a:defRPr sz="1200"/>
+            </a:lvl2pPr>
+            <a:lvl3pPr marL="914400" indent="0">
+              <a:buNone/>
+              <a:defRPr sz="1000"/>
+            </a:lvl3pPr>
+            <a:lvl4pPr marL="1371600" indent="0">
+              <a:buNone/>
+              <a:defRPr sz="900"/>
+            </a:lvl4pPr>
+            <a:lvl5pPr marL="1828800" indent="0">
+              <a:buNone/>
+              <a:defRPr sz="900"/>
+            </a:lvl5pPr>
+            <a:lvl6pPr marL="2286000" indent="0">
+              <a:buNone/>
+              <a:defRPr sz="900"/>
+            </a:lvl6pPr>
+            <a:lvl7pPr marL="2743200" indent="0">
+              <a:buNone/>
+              <a:defRPr sz="900"/>
+            </a:lvl7pPr>
+            <a:lvl8pPr marL="3200400" indent="0">
+              <a:buNone/>
+              <a:defRPr sz="900"/>
+            </a:lvl8pPr>
+            <a:lvl9pPr marL="3657600" indent="0">
+              <a:buNone/>
+              <a:defRPr sz="900"/>
+            </a:lvl9pPr>
+          </a:lstStyle>
+          <a:p>
+            <a:pPr lvl="0"/>
+            <a:r>
+              <a:rPr lang="en-US" smtClean="0"/>
+              <a:t>Click to edit Master text styles</a:t>
+            </a:r>
+          </a:p>
+        </p:txBody>
+      </p:sp>
+      <p:sp>
+        <p:nvSpPr>
+          <p:cNvPr id="7" name="Date Placeholder 4"/>
+          <p:cNvSpPr>
+            <a:spLocks noGrp="1"/>
+          </p:cNvSpPr>
+          <p:nvPr>
+            <p:ph type="dt" sz="half" idx="10"/>
+          </p:nvPr>
+        </p:nvSpPr>
+        <p:spPr/>
+        <p:txBody>
+          <a:bodyPr/>
+          <a:lstStyle/>
+          <a:p>
+            <a:fld id="{E2142342-42DB-494C-ACCA-FC7D78E55948}" type="datetimeFigureOut">
+              <a:rPr lang="en-US" smtClean="0"/>
+              <a:t>4/17/2016</a:t>
+            </a:fld>
+            <a:endParaRPr lang="en-US"/>
+          </a:p>
+        </p:txBody>
+      </p:sp>
+      <p:sp>
+        <p:nvSpPr>
+          <p:cNvPr id="5" name="Footer Placeholder 5"/>
+          <p:cNvSpPr>
+            <a:spLocks noGrp="1"/>
+          </p:cNvSpPr>
+          <p:nvPr>
+            <p:ph type="ftr" sz="quarter" idx="11"/>
+          </p:nvPr>
+        </p:nvSpPr>
+        <p:spPr/>
+        <p:txBody>
+          <a:bodyPr/>
+          <a:lstStyle/>
+          <a:p>
+            <a:endParaRPr lang="en-US"/>
+          </a:p>
+        </p:txBody>
+      </p:sp>
+      <p:sp>
+        <p:nvSpPr>
+          <p:cNvPr id="6" name="Slide Number Placeholder 6"/>
+          <p:cNvSpPr>
+            <a:spLocks noGrp="1"/>
+          </p:cNvSpPr>
+          <p:nvPr>
+            <p:ph type="sldNum" sz="quarter" idx="12"/>
+          </p:nvPr>
+        </p:nvSpPr>
+        <p:spPr/>
+        <p:txBody>
+          <a:bodyPr/>
+          <a:lstStyle/>
+          <a:p>
+            <a:fld id="{8806B2D3-2E0E-46BD-9FD9-4DD987055ADE}" type="slidenum">
+              <a:rPr lang="en-US" smtClean="0"/>
+              <a:t>‹#›</a:t>
+            </a:fld>
+            <a:endParaRPr lang="en-US"/>
+          </a:p>
+        </p:txBody>
+      </p:sp>
+    </p:spTree>
+    <p:extLst>
+      <p:ext uri="{BB962C8B-B14F-4D97-AF65-F5344CB8AC3E}">
+        <p14:creationId xmlns:p14="http://schemas.microsoft.com/office/powerpoint/2010/main" val="2486320648"/>
+      </p:ext>
+    </p:extLst>
+  </p:cSld>
+  <p:clrMapOvr>
+    <a:masterClrMapping/>
+  </p:clrMapOvr>
+</p:sldLayout>
+</file>
+
+<file path=ppt/slideLayouts/slideLayout2.xml><?xml version="1.0" encoding="utf-8"?>
+<p:sldLayout xmlns:a="http://schemas.openxmlformats.org/drawingml/2006/main" xmlns:r="http://schemas.openxmlformats.org/officeDocument/2006/relationships" xmlns:p="http://schemas.openxmlformats.org/presentationml/2006/main" type="obj" preserve="1">
+  <p:cSld name="Title and Content">
+    <p:spTree>
+      <p:nvGrpSpPr>
+        <p:cNvPr id="1" name=""/>
+        <p:cNvGrpSpPr/>
+        <p:nvPr/>
+      </p:nvGrpSpPr>
+      <p:grpSpPr>
+        <a:xfrm>
+          <a:off x="0" y="0"/>
+          <a:ext cx="0" cy="0"/>
+          <a:chOff x="0" y="0"/>
+          <a:chExt cx="0" cy="0"/>
+        </a:xfrm>
+      </p:grpSpPr>
+      <p:sp>
+        <p:nvSpPr>
+          <p:cNvPr id="2" name="Title 1"/>
+          <p:cNvSpPr>
+            <a:spLocks noGrp="1"/>
+          </p:cNvSpPr>
+          <p:nvPr>
+            <p:ph type="title"/>
+          </p:nvPr>
+        </p:nvSpPr>
+        <p:spPr/>
+        <p:txBody>
+          <a:bodyPr/>
+          <a:lstStyle/>
+          <a:p>
+            <a:r>
+              <a:rPr lang="en-US" smtClean="0"/>
+              <a:t>Click to edit Master title style</a:t>
+            </a:r>
+            <a:endParaRPr lang="en-US" dirty="0"/>
+          </a:p>
+        </p:txBody>
+      </p:sp>
+      <p:sp>
+        <p:nvSpPr>
+          <p:cNvPr id="3" name="Content Placeholder 2"/>
+          <p:cNvSpPr>
+            <a:spLocks noGrp="1"/>
+          </p:cNvSpPr>
+          <p:nvPr>
+            <p:ph idx="1"/>
+          </p:nvPr>
+        </p:nvSpPr>
+        <p:spPr/>
+        <p:txBody>
+          <a:bodyPr/>
+          <a:lstStyle/>
+          <a:p>
+            <a:pPr lvl="0"/>
+            <a:r>
+              <a:rPr lang="en-US" smtClean="0"/>
+              <a:t>Click to edit Master text styles</a:t>
+            </a:r>
+          </a:p>
+          <a:p>
+            <a:pPr lvl="1"/>
+            <a:r>
+              <a:rPr lang="en-US" smtClean="0"/>
+              <a:t>Second level</a:t>
+            </a:r>
+          </a:p>
+          <a:p>
+            <a:pPr lvl="2"/>
+            <a:r>
+              <a:rPr lang="en-US" smtClean="0"/>
+              <a:t>Third level</a:t>
+            </a:r>
+          </a:p>
+          <a:p>
+            <a:pPr lvl="3"/>
+            <a:r>
+              <a:rPr lang="en-US" smtClean="0"/>
+              <a:t>Fourth level</a:t>
+            </a:r>
+          </a:p>
+          <a:p>
+            <a:pPr lvl="4"/>
+            <a:r>
+              <a:rPr lang="en-US" smtClean="0"/>
+              <a:t>Fifth level</a:t>
+            </a:r>
+            <a:endParaRPr lang="en-US" dirty="0"/>
+          </a:p>
+        </p:txBody>
+      </p:sp>
+      <p:sp>
+        <p:nvSpPr>
+          <p:cNvPr id="4" name="Date Placeholder 3"/>
+          <p:cNvSpPr>
+            <a:spLocks noGrp="1"/>
+          </p:cNvSpPr>
+          <p:nvPr>
+            <p:ph type="dt" sz="half" idx="10"/>
+          </p:nvPr>
+        </p:nvSpPr>
+        <p:spPr/>
+        <p:txBody>
+          <a:bodyPr/>
+          <a:lstStyle/>
+          <a:p>
+            <a:fld id="{E2142342-42DB-494C-ACCA-FC7D78E55948}" type="datetimeFigureOut">
+              <a:rPr lang="en-US" smtClean="0"/>
+              <a:t>4/17/2016</a:t>
+            </a:fld>
+            <a:endParaRPr lang="en-US"/>
+          </a:p>
+        </p:txBody>
+      </p:sp>
+      <p:sp>
+        <p:nvSpPr>
+          <p:cNvPr id="5" name="Footer Placeholder 4"/>
+          <p:cNvSpPr>
+            <a:spLocks noGrp="1"/>
+          </p:cNvSpPr>
+          <p:nvPr>
+            <p:ph type="ftr" sz="quarter" idx="11"/>
+          </p:nvPr>
+        </p:nvSpPr>
+        <p:spPr/>
+        <p:txBody>
+          <a:bodyPr/>
+          <a:lstStyle/>
+          <a:p>
+            <a:endParaRPr lang="en-US"/>
+          </a:p>
+        </p:txBody>
+      </p:sp>
+      <p:sp>
+        <p:nvSpPr>
+          <p:cNvPr id="6" name="Slide Number Placeholder 5"/>
+          <p:cNvSpPr>
+            <a:spLocks noGrp="1"/>
+          </p:cNvSpPr>
+          <p:nvPr>
+            <p:ph type="sldNum" sz="quarter" idx="12"/>
+          </p:nvPr>
+        </p:nvSpPr>
+        <p:spPr/>
+        <p:txBody>
+          <a:bodyPr/>
+          <a:lstStyle/>
+          <a:p>
+            <a:fld id="{8806B2D3-2E0E-46BD-9FD9-4DD987055ADE}" type="slidenum">
+              <a:rPr lang="en-US" smtClean="0"/>
+              <a:t>‹#›</a:t>
+            </a:fld>
+            <a:endParaRPr lang="en-US"/>
+          </a:p>
+        </p:txBody>
+      </p:sp>
+    </p:spTree>
+    <p:extLst>
+      <p:ext uri="{BB962C8B-B14F-4D97-AF65-F5344CB8AC3E}">
+        <p14:creationId xmlns:p14="http://schemas.microsoft.com/office/powerpoint/2010/main" val="331256858"/>
+      </p:ext>
+    </p:extLst>
+  </p:cSld>
+  <p:clrMapOvr>
+    <a:masterClrMapping/>
+  </p:clrMapOvr>
+</p:sldLayout>
+</file>
+
+<file path=ppt/slideLayouts/slideLayout20.xml><?xml version="1.0" encoding="utf-8"?>
+<p:sldLayout xmlns:a="http://schemas.openxmlformats.org/drawingml/2006/main" xmlns:r="http://schemas.openxmlformats.org/officeDocument/2006/relationships" xmlns:p="http://schemas.openxmlformats.org/presentationml/2006/main" type="picTx" preserve="1">
+  <p:cSld name="Picture with Caption">
+    <p:spTree>
+      <p:nvGrpSpPr>
+        <p:cNvPr id="1" name=""/>
+        <p:cNvGrpSpPr/>
+        <p:nvPr/>
+      </p:nvGrpSpPr>
+      <p:grpSpPr>
+        <a:xfrm>
+          <a:off x="0" y="0"/>
+          <a:ext cx="0" cy="0"/>
+          <a:chOff x="0" y="0"/>
+          <a:chExt cx="0" cy="0"/>
+        </a:xfrm>
+      </p:grpSpPr>
+      <p:sp>
+        <p:nvSpPr>
+          <p:cNvPr id="2" name="Title 1"/>
+          <p:cNvSpPr>
+            <a:spLocks noGrp="1"/>
+          </p:cNvSpPr>
+          <p:nvPr>
+            <p:ph type="title"/>
+          </p:nvPr>
+        </p:nvSpPr>
+        <p:spPr>
+          <a:xfrm>
+            <a:off x="1153907" y="1854192"/>
+            <a:ext cx="5092906" cy="1574808"/>
+          </a:xfrm>
+        </p:spPr>
+        <p:txBody>
+          <a:bodyPr anchor="b">
+            <a:normAutofit/>
+          </a:bodyPr>
+          <a:lstStyle>
+            <a:lvl1pPr algn="l">
+              <a:defRPr sz="3600" b="0"/>
+            </a:lvl1pPr>
+          </a:lstStyle>
+          <a:p>
+            <a:r>
+              <a:rPr lang="en-US" smtClean="0"/>
+              <a:t>Click to edit Master title style</a:t>
+            </a:r>
+            <a:endParaRPr lang="en-US" dirty="0"/>
+          </a:p>
+        </p:txBody>
+      </p:sp>
+      <p:sp>
+        <p:nvSpPr>
+          <p:cNvPr id="3" name="Picture Placeholder 2"/>
+          <p:cNvSpPr>
+            <a:spLocks noGrp="1" noChangeAspect="1"/>
+          </p:cNvSpPr>
+          <p:nvPr>
+            <p:ph type="pic" idx="1"/>
+          </p:nvPr>
+        </p:nvSpPr>
+        <p:spPr>
+          <a:xfrm>
+            <a:off x="6949546" y="1143000"/>
+            <a:ext cx="3200400" cy="4572000"/>
+          </a:xfrm>
+          <a:prstGeom prst="roundRect">
+            <a:avLst>
+              <a:gd name="adj" fmla="val 1858"/>
+            </a:avLst>
+          </a:prstGeom>
+          <a:effectLst>
+            <a:outerShdw blurRad="50800" dist="50800" dir="5400000" algn="tl" rotWithShape="0">
+              <a:srgbClr val="000000">
+                <a:alpha val="43000"/>
+              </a:srgbClr>
+            </a:outerShdw>
+          </a:effectLst>
+        </p:spPr>
+        <p:txBody>
+          <a:bodyPr anchor="t">
+            <a:normAutofit/>
+          </a:bodyPr>
+          <a:lstStyle>
+            <a:lvl1pPr marL="0" indent="0" algn="ctr">
+              <a:buNone/>
+              <a:defRPr sz="1600"/>
+            </a:lvl1pPr>
+            <a:lvl2pPr marL="457200" indent="0">
+              <a:buNone/>
+              <a:defRPr sz="1600"/>
+            </a:lvl2pPr>
+            <a:lvl3pPr marL="914400" indent="0">
+              <a:buNone/>
+              <a:defRPr sz="1600"/>
+            </a:lvl3pPr>
+            <a:lvl4pPr marL="1371600" indent="0">
+              <a:buNone/>
+              <a:defRPr sz="1600"/>
+            </a:lvl4pPr>
+            <a:lvl5pPr marL="1828800" indent="0">
+              <a:buNone/>
+              <a:defRPr sz="1600"/>
+            </a:lvl5pPr>
+            <a:lvl6pPr marL="2286000" indent="0">
+              <a:buNone/>
+              <a:defRPr sz="1600"/>
+            </a:lvl6pPr>
+            <a:lvl7pPr marL="2743200" indent="0">
+              <a:buNone/>
+              <a:defRPr sz="1600"/>
+            </a:lvl7pPr>
+            <a:lvl8pPr marL="3200400" indent="0">
+              <a:buNone/>
+              <a:defRPr sz="1600"/>
+            </a:lvl8pPr>
+            <a:lvl9pPr marL="3657600" indent="0">
+              <a:buNone/>
+              <a:defRPr sz="1600"/>
+            </a:lvl9pPr>
+          </a:lstStyle>
+          <a:p>
+            <a:r>
+              <a:rPr lang="en-US" smtClean="0"/>
+              <a:t>Click icon to add picture</a:t>
+            </a:r>
+            <a:endParaRPr lang="en-US" dirty="0"/>
+          </a:p>
+        </p:txBody>
+      </p:sp>
+      <p:sp>
+        <p:nvSpPr>
+          <p:cNvPr id="4" name="Text Placeholder 3"/>
+          <p:cNvSpPr>
+            <a:spLocks noGrp="1"/>
+          </p:cNvSpPr>
+          <p:nvPr>
+            <p:ph type="body" sz="half" idx="2"/>
+          </p:nvPr>
+        </p:nvSpPr>
+        <p:spPr>
+          <a:xfrm>
+            <a:off x="1154954" y="3657600"/>
+            <a:ext cx="5084979" cy="1371600"/>
+          </a:xfrm>
+        </p:spPr>
+        <p:txBody>
+          <a:bodyPr>
+            <a:normAutofit/>
+          </a:bodyPr>
+          <a:lstStyle>
+            <a:lvl1pPr marL="0" indent="0">
+              <a:buNone/>
+              <a:defRPr sz="1400"/>
+            </a:lvl1pPr>
+            <a:lvl2pPr marL="457200" indent="0">
+              <a:buNone/>
+              <a:defRPr sz="1200"/>
+            </a:lvl2pPr>
+            <a:lvl3pPr marL="914400" indent="0">
+              <a:buNone/>
+              <a:defRPr sz="1000"/>
+            </a:lvl3pPr>
+            <a:lvl4pPr marL="1371600" indent="0">
+              <a:buNone/>
+              <a:defRPr sz="900"/>
+            </a:lvl4pPr>
+            <a:lvl5pPr marL="1828800" indent="0">
+              <a:buNone/>
+              <a:defRPr sz="900"/>
+            </a:lvl5pPr>
+            <a:lvl6pPr marL="2286000" indent="0">
+              <a:buNone/>
+              <a:defRPr sz="900"/>
+            </a:lvl6pPr>
+            <a:lvl7pPr marL="2743200" indent="0">
+              <a:buNone/>
+              <a:defRPr sz="900"/>
+            </a:lvl7pPr>
+            <a:lvl8pPr marL="3200400" indent="0">
+              <a:buNone/>
+              <a:defRPr sz="900"/>
+            </a:lvl8pPr>
+            <a:lvl9pPr marL="3657600" indent="0">
+              <a:buNone/>
+              <a:defRPr sz="900"/>
+            </a:lvl9pPr>
+          </a:lstStyle>
+          <a:p>
+            <a:pPr lvl="0"/>
+            <a:r>
+              <a:rPr lang="en-US" smtClean="0"/>
+              <a:t>Click to edit Master text styles</a:t>
+            </a:r>
+          </a:p>
+        </p:txBody>
+      </p:sp>
+      <p:sp>
+        <p:nvSpPr>
+          <p:cNvPr id="5" name="Date Placeholder 4"/>
+          <p:cNvSpPr>
+            <a:spLocks noGrp="1"/>
+          </p:cNvSpPr>
+          <p:nvPr>
+            <p:ph type="dt" sz="half" idx="10"/>
+          </p:nvPr>
+        </p:nvSpPr>
+        <p:spPr/>
+        <p:txBody>
+          <a:bodyPr/>
+          <a:lstStyle/>
+          <a:p>
+            <a:fld id="{E2142342-42DB-494C-ACCA-FC7D78E55948}" type="datetimeFigureOut">
+              <a:rPr lang="en-US" smtClean="0"/>
+              <a:t>4/17/2016</a:t>
+            </a:fld>
+            <a:endParaRPr lang="en-US"/>
+          </a:p>
+        </p:txBody>
+      </p:sp>
+      <p:sp>
+        <p:nvSpPr>
+          <p:cNvPr id="6" name="Footer Placeholder 5"/>
+          <p:cNvSpPr>
+            <a:spLocks noGrp="1"/>
+          </p:cNvSpPr>
+          <p:nvPr>
+            <p:ph type="ftr" sz="quarter" idx="11"/>
+          </p:nvPr>
+        </p:nvSpPr>
+        <p:spPr/>
+        <p:txBody>
+          <a:bodyPr/>
+          <a:lstStyle/>
+          <a:p>
+            <a:endParaRPr lang="en-US"/>
+          </a:p>
+        </p:txBody>
+      </p:sp>
+      <p:sp>
+        <p:nvSpPr>
+          <p:cNvPr id="7" name="Slide Number Placeholder 6"/>
+          <p:cNvSpPr>
+            <a:spLocks noGrp="1"/>
+          </p:cNvSpPr>
+          <p:nvPr>
+            <p:ph type="sldNum" sz="quarter" idx="12"/>
+          </p:nvPr>
+        </p:nvSpPr>
+        <p:spPr/>
+        <p:txBody>
+          <a:bodyPr/>
+          <a:lstStyle/>
+          <a:p>
+            <a:fld id="{8806B2D3-2E0E-46BD-9FD9-4DD987055ADE}" type="slidenum">
+              <a:rPr lang="en-US" smtClean="0"/>
+              <a:t>‹#›</a:t>
+            </a:fld>
+            <a:endParaRPr lang="en-US"/>
+          </a:p>
+        </p:txBody>
+      </p:sp>
+    </p:spTree>
+    <p:extLst>
+      <p:ext uri="{BB962C8B-B14F-4D97-AF65-F5344CB8AC3E}">
+        <p14:creationId xmlns:p14="http://schemas.microsoft.com/office/powerpoint/2010/main" val="1679377271"/>
+      </p:ext>
+    </p:extLst>
+  </p:cSld>
+  <p:clrMapOvr>
+    <a:masterClrMapping/>
+  </p:clrMapOvr>
+</p:sldLayout>
+</file>
+
+<file path=ppt/slideLayouts/slideLayout21.xml><?xml version="1.0" encoding="utf-8"?>
+<p:sldLayout xmlns:a="http://schemas.openxmlformats.org/drawingml/2006/main" xmlns:r="http://schemas.openxmlformats.org/officeDocument/2006/relationships" xmlns:p="http://schemas.openxmlformats.org/presentationml/2006/main" preserve="1">
+  <p:cSld name="Panoramic Picture with Caption">
+    <p:spTree>
+      <p:nvGrpSpPr>
+        <p:cNvPr id="1" name=""/>
+        <p:cNvGrpSpPr/>
+        <p:nvPr/>
+      </p:nvGrpSpPr>
+      <p:grpSpPr>
+        <a:xfrm>
+          <a:off x="0" y="0"/>
+          <a:ext cx="0" cy="0"/>
+          <a:chOff x="0" y="0"/>
+          <a:chExt cx="0" cy="0"/>
+        </a:xfrm>
+      </p:grpSpPr>
+      <p:sp>
+        <p:nvSpPr>
+          <p:cNvPr id="2" name="Title 1"/>
+          <p:cNvSpPr>
+            <a:spLocks noGrp="1"/>
+          </p:cNvSpPr>
+          <p:nvPr>
+            <p:ph type="title"/>
+          </p:nvPr>
+        </p:nvSpPr>
+        <p:spPr>
+          <a:xfrm>
+            <a:off x="1154956" y="4800587"/>
+            <a:ext cx="8825657" cy="566738"/>
+          </a:xfrm>
+        </p:spPr>
+        <p:txBody>
+          <a:bodyPr anchor="b">
+            <a:normAutofit/>
+          </a:bodyPr>
+          <a:lstStyle>
+            <a:lvl1pPr algn="l">
+              <a:defRPr sz="2400" b="0"/>
+            </a:lvl1pPr>
+          </a:lstStyle>
+          <a:p>
+            <a:r>
+              <a:rPr lang="en-US" smtClean="0"/>
+              <a:t>Click to edit Master title style</a:t>
+            </a:r>
+            <a:endParaRPr lang="en-US" dirty="0"/>
+          </a:p>
+        </p:txBody>
+      </p:sp>
+      <p:sp>
+        <p:nvSpPr>
+          <p:cNvPr id="3" name="Picture Placeholder 2"/>
+          <p:cNvSpPr>
+            <a:spLocks noGrp="1" noChangeAspect="1"/>
+          </p:cNvSpPr>
+          <p:nvPr>
+            <p:ph type="pic" idx="1"/>
+          </p:nvPr>
+        </p:nvSpPr>
+        <p:spPr>
+          <a:xfrm>
+            <a:off x="1154955" y="685800"/>
+            <a:ext cx="8825658" cy="3640666"/>
+          </a:xfrm>
+          <a:prstGeom prst="roundRect">
+            <a:avLst>
+              <a:gd name="adj" fmla="val 1858"/>
+            </a:avLst>
+          </a:prstGeom>
+          <a:effectLst>
+            <a:outerShdw blurRad="50800" dist="50800" dir="5400000" algn="tl" rotWithShape="0">
+              <a:srgbClr val="000000">
+                <a:alpha val="43000"/>
+              </a:srgbClr>
+            </a:outerShdw>
+          </a:effectLst>
+        </p:spPr>
+        <p:txBody>
+          <a:bodyPr anchor="t">
+            <a:normAutofit/>
+          </a:bodyPr>
+          <a:lstStyle>
+            <a:lvl1pPr marL="0" indent="0" algn="ctr">
+              <a:buNone/>
+              <a:defRPr sz="1600"/>
+            </a:lvl1pPr>
+            <a:lvl2pPr marL="457200" indent="0">
+              <a:buNone/>
+              <a:defRPr sz="1600"/>
+            </a:lvl2pPr>
+            <a:lvl3pPr marL="914400" indent="0">
+              <a:buNone/>
+              <a:defRPr sz="1600"/>
+            </a:lvl3pPr>
+            <a:lvl4pPr marL="1371600" indent="0">
+              <a:buNone/>
+              <a:defRPr sz="1600"/>
+            </a:lvl4pPr>
+            <a:lvl5pPr marL="1828800" indent="0">
+              <a:buNone/>
+              <a:defRPr sz="1600"/>
+            </a:lvl5pPr>
+            <a:lvl6pPr marL="2286000" indent="0">
+              <a:buNone/>
+              <a:defRPr sz="1600"/>
+            </a:lvl6pPr>
+            <a:lvl7pPr marL="2743200" indent="0">
+              <a:buNone/>
+              <a:defRPr sz="1600"/>
+            </a:lvl7pPr>
+            <a:lvl8pPr marL="3200400" indent="0">
+              <a:buNone/>
+              <a:defRPr sz="1600"/>
+            </a:lvl8pPr>
+            <a:lvl9pPr marL="3657600" indent="0">
+              <a:buNone/>
+              <a:defRPr sz="1600"/>
+            </a:lvl9pPr>
+          </a:lstStyle>
+          <a:p>
+            <a:r>
+              <a:rPr lang="en-US" smtClean="0"/>
+              <a:t>Click icon to add picture</a:t>
+            </a:r>
+            <a:endParaRPr lang="en-US" dirty="0"/>
+          </a:p>
+        </p:txBody>
+      </p:sp>
+      <p:sp>
+        <p:nvSpPr>
+          <p:cNvPr id="4" name="Text Placeholder 3"/>
+          <p:cNvSpPr>
+            <a:spLocks noGrp="1"/>
+          </p:cNvSpPr>
+          <p:nvPr>
+            <p:ph type="body" sz="half" idx="2"/>
+          </p:nvPr>
+        </p:nvSpPr>
+        <p:spPr>
+          <a:xfrm>
+            <a:off x="1154956" y="5367325"/>
+            <a:ext cx="8825656" cy="493712"/>
+          </a:xfrm>
+        </p:spPr>
+        <p:txBody>
+          <a:bodyPr>
+            <a:normAutofit/>
+          </a:bodyPr>
+          <a:lstStyle>
+            <a:lvl1pPr marL="0" indent="0">
+              <a:buNone/>
+              <a:defRPr sz="1200"/>
+            </a:lvl1pPr>
+            <a:lvl2pPr marL="457200" indent="0">
+              <a:buNone/>
+              <a:defRPr sz="1200"/>
+            </a:lvl2pPr>
+            <a:lvl3pPr marL="914400" indent="0">
+              <a:buNone/>
+              <a:defRPr sz="1000"/>
+            </a:lvl3pPr>
+            <a:lvl4pPr marL="1371600" indent="0">
+              <a:buNone/>
+              <a:defRPr sz="900"/>
+            </a:lvl4pPr>
+            <a:lvl5pPr marL="1828800" indent="0">
+              <a:buNone/>
+              <a:defRPr sz="900"/>
+            </a:lvl5pPr>
+            <a:lvl6pPr marL="2286000" indent="0">
+              <a:buNone/>
+              <a:defRPr sz="900"/>
+            </a:lvl6pPr>
+            <a:lvl7pPr marL="2743200" indent="0">
+              <a:buNone/>
+              <a:defRPr sz="900"/>
+            </a:lvl7pPr>
+            <a:lvl8pPr marL="3200400" indent="0">
+              <a:buNone/>
+              <a:defRPr sz="900"/>
+            </a:lvl8pPr>
+            <a:lvl9pPr marL="3657600" indent="0">
+              <a:buNone/>
+              <a:defRPr sz="900"/>
+            </a:lvl9pPr>
+          </a:lstStyle>
+          <a:p>
+            <a:pPr lvl="0"/>
+            <a:r>
+              <a:rPr lang="en-US" smtClean="0"/>
+              <a:t>Click to edit Master text styles</a:t>
+            </a:r>
+          </a:p>
+        </p:txBody>
+      </p:sp>
+      <p:sp>
+        <p:nvSpPr>
+          <p:cNvPr id="5" name="Date Placeholder 4"/>
+          <p:cNvSpPr>
+            <a:spLocks noGrp="1"/>
+          </p:cNvSpPr>
+          <p:nvPr>
+            <p:ph type="dt" sz="half" idx="10"/>
+          </p:nvPr>
+        </p:nvSpPr>
+        <p:spPr/>
+        <p:txBody>
+          <a:bodyPr/>
+          <a:lstStyle/>
+          <a:p>
+            <a:fld id="{E2142342-42DB-494C-ACCA-FC7D78E55948}" type="datetimeFigureOut">
+              <a:rPr lang="en-US" smtClean="0"/>
+              <a:t>4/17/2016</a:t>
+            </a:fld>
+            <a:endParaRPr lang="en-US"/>
+          </a:p>
+        </p:txBody>
+      </p:sp>
+      <p:sp>
+        <p:nvSpPr>
+          <p:cNvPr id="6" name="Footer Placeholder 5"/>
+          <p:cNvSpPr>
+            <a:spLocks noGrp="1"/>
+          </p:cNvSpPr>
+          <p:nvPr>
+            <p:ph type="ftr" sz="quarter" idx="11"/>
+          </p:nvPr>
+        </p:nvSpPr>
+        <p:spPr/>
+        <p:txBody>
+          <a:bodyPr/>
+          <a:lstStyle/>
+          <a:p>
+            <a:endParaRPr lang="en-US"/>
+          </a:p>
+        </p:txBody>
+      </p:sp>
+      <p:sp>
+        <p:nvSpPr>
+          <p:cNvPr id="7" name="Slide Number Placeholder 6"/>
+          <p:cNvSpPr>
+            <a:spLocks noGrp="1"/>
+          </p:cNvSpPr>
+          <p:nvPr>
+            <p:ph type="sldNum" sz="quarter" idx="12"/>
+          </p:nvPr>
+        </p:nvSpPr>
+        <p:spPr/>
+        <p:txBody>
+          <a:bodyPr/>
+          <a:lstStyle/>
+          <a:p>
+            <a:fld id="{8806B2D3-2E0E-46BD-9FD9-4DD987055ADE}" type="slidenum">
+              <a:rPr lang="en-US" smtClean="0"/>
+              <a:t>‹#›</a:t>
+            </a:fld>
+            <a:endParaRPr lang="en-US"/>
+          </a:p>
+        </p:txBody>
+      </p:sp>
+    </p:spTree>
+    <p:extLst>
+      <p:ext uri="{BB962C8B-B14F-4D97-AF65-F5344CB8AC3E}">
+        <p14:creationId xmlns:p14="http://schemas.microsoft.com/office/powerpoint/2010/main" val="2173304288"/>
+      </p:ext>
+    </p:extLst>
+  </p:cSld>
+  <p:clrMapOvr>
+    <a:masterClrMapping/>
+  </p:clrMapOvr>
+</p:sldLayout>
+</file>
+
+<file path=ppt/slideLayouts/slideLayout22.xml><?xml version="1.0" encoding="utf-8"?>
+<p:sldLayout xmlns:a="http://schemas.openxmlformats.org/drawingml/2006/main" xmlns:r="http://schemas.openxmlformats.org/officeDocument/2006/relationships" xmlns:p="http://schemas.openxmlformats.org/presentationml/2006/main" preserve="1">
+  <p:cSld name="Title and Caption">
+    <p:spTree>
+      <p:nvGrpSpPr>
+        <p:cNvPr id="1" name=""/>
+        <p:cNvGrpSpPr/>
+        <p:nvPr/>
+      </p:nvGrpSpPr>
+      <p:grpSpPr>
+        <a:xfrm>
+          <a:off x="0" y="0"/>
+          <a:ext cx="0" cy="0"/>
+          <a:chOff x="0" y="0"/>
+          <a:chExt cx="0" cy="0"/>
+        </a:xfrm>
+      </p:grpSpPr>
+      <p:sp>
+        <p:nvSpPr>
+          <p:cNvPr id="2" name="Title 1"/>
+          <p:cNvSpPr>
+            <a:spLocks noGrp="1"/>
+          </p:cNvSpPr>
+          <p:nvPr>
+            <p:ph type="title"/>
+          </p:nvPr>
+        </p:nvSpPr>
+        <p:spPr>
+          <a:xfrm>
+            <a:off x="1154954" y="1447800"/>
+            <a:ext cx="8825659" cy="1981200"/>
+          </a:xfrm>
+        </p:spPr>
+        <p:txBody>
+          <a:bodyPr/>
+          <a:lstStyle>
+            <a:lvl1pPr>
+              <a:defRPr sz="4800"/>
+            </a:lvl1pPr>
+          </a:lstStyle>
+          <a:p>
+            <a:r>
+              <a:rPr lang="en-US" smtClean="0"/>
+              <a:t>Click to edit Master title style</a:t>
+            </a:r>
+            <a:endParaRPr lang="en-US" dirty="0"/>
+          </a:p>
+        </p:txBody>
+      </p:sp>
+      <p:sp>
+        <p:nvSpPr>
+          <p:cNvPr id="8" name="Text Placeholder 3"/>
+          <p:cNvSpPr>
+            <a:spLocks noGrp="1"/>
+          </p:cNvSpPr>
+          <p:nvPr>
+            <p:ph type="body" sz="half" idx="2"/>
+          </p:nvPr>
+        </p:nvSpPr>
+        <p:spPr>
+          <a:xfrm>
+            <a:off x="1154954" y="3657600"/>
+            <a:ext cx="8825659" cy="2362200"/>
+          </a:xfrm>
+        </p:spPr>
+        <p:txBody>
+          <a:bodyPr anchor="ctr">
+            <a:normAutofit/>
+          </a:bodyPr>
+          <a:lstStyle>
+            <a:lvl1pPr marL="0" indent="0">
+              <a:buNone/>
+              <a:defRPr sz="1800"/>
+            </a:lvl1pPr>
+            <a:lvl2pPr marL="457200" indent="0">
+              <a:buNone/>
+              <a:defRPr sz="1200"/>
+            </a:lvl2pPr>
+            <a:lvl3pPr marL="914400" indent="0">
+              <a:buNone/>
+              <a:defRPr sz="1000"/>
+            </a:lvl3pPr>
+            <a:lvl4pPr marL="1371600" indent="0">
+              <a:buNone/>
+              <a:defRPr sz="900"/>
+            </a:lvl4pPr>
+            <a:lvl5pPr marL="1828800" indent="0">
+              <a:buNone/>
+              <a:defRPr sz="900"/>
+            </a:lvl5pPr>
+            <a:lvl6pPr marL="2286000" indent="0">
+              <a:buNone/>
+              <a:defRPr sz="900"/>
+            </a:lvl6pPr>
+            <a:lvl7pPr marL="2743200" indent="0">
+              <a:buNone/>
+              <a:defRPr sz="900"/>
+            </a:lvl7pPr>
+            <a:lvl8pPr marL="3200400" indent="0">
+              <a:buNone/>
+              <a:defRPr sz="900"/>
+            </a:lvl8pPr>
+            <a:lvl9pPr marL="3657600" indent="0">
+              <a:buNone/>
+              <a:defRPr sz="900"/>
+            </a:lvl9pPr>
+          </a:lstStyle>
+          <a:p>
+            <a:pPr lvl="0"/>
+            <a:r>
+              <a:rPr lang="en-US" smtClean="0"/>
+              <a:t>Click to edit Master text styles</a:t>
+            </a:r>
+          </a:p>
+        </p:txBody>
+      </p:sp>
+      <p:sp>
+        <p:nvSpPr>
+          <p:cNvPr id="4" name="Date Placeholder 3"/>
+          <p:cNvSpPr>
+            <a:spLocks noGrp="1"/>
+          </p:cNvSpPr>
+          <p:nvPr>
+            <p:ph type="dt" sz="half" idx="10"/>
+          </p:nvPr>
+        </p:nvSpPr>
+        <p:spPr/>
+        <p:txBody>
+          <a:bodyPr/>
+          <a:lstStyle/>
+          <a:p>
+            <a:fld id="{E2142342-42DB-494C-ACCA-FC7D78E55948}" type="datetimeFigureOut">
+              <a:rPr lang="en-US" smtClean="0"/>
+              <a:t>4/17/2016</a:t>
+            </a:fld>
+            <a:endParaRPr lang="en-US"/>
+          </a:p>
+        </p:txBody>
+      </p:sp>
+      <p:sp>
+        <p:nvSpPr>
+          <p:cNvPr id="5" name="Footer Placeholder 4"/>
+          <p:cNvSpPr>
+            <a:spLocks noGrp="1"/>
+          </p:cNvSpPr>
+          <p:nvPr>
+            <p:ph type="ftr" sz="quarter" idx="11"/>
+          </p:nvPr>
+        </p:nvSpPr>
+        <p:spPr/>
+        <p:txBody>
+          <a:bodyPr/>
+          <a:lstStyle/>
+          <a:p>
+            <a:endParaRPr lang="en-US"/>
+          </a:p>
+        </p:txBody>
+      </p:sp>
+      <p:sp>
+        <p:nvSpPr>
+          <p:cNvPr id="6" name="Slide Number Placeholder 5"/>
+          <p:cNvSpPr>
+            <a:spLocks noGrp="1"/>
+          </p:cNvSpPr>
+          <p:nvPr>
+            <p:ph type="sldNum" sz="quarter" idx="12"/>
+          </p:nvPr>
+        </p:nvSpPr>
+        <p:spPr/>
+        <p:txBody>
+          <a:bodyPr/>
+          <a:lstStyle/>
+          <a:p>
+            <a:fld id="{8806B2D3-2E0E-46BD-9FD9-4DD987055ADE}" type="slidenum">
+              <a:rPr lang="en-US" smtClean="0"/>
+              <a:t>‹#›</a:t>
+            </a:fld>
+            <a:endParaRPr lang="en-US"/>
+          </a:p>
+        </p:txBody>
+      </p:sp>
+    </p:spTree>
+    <p:extLst>
+      <p:ext uri="{BB962C8B-B14F-4D97-AF65-F5344CB8AC3E}">
+        <p14:creationId xmlns:p14="http://schemas.microsoft.com/office/powerpoint/2010/main" val="2714561795"/>
+      </p:ext>
+    </p:extLst>
+  </p:cSld>
+  <p:clrMapOvr>
+    <a:masterClrMapping/>
+  </p:clrMapOvr>
+</p:sldLayout>
+</file>
+
+<file path=ppt/slideLayouts/slideLayout23.xml><?xml version="1.0" encoding="utf-8"?>
+<p:sldLayout xmlns:a="http://schemas.openxmlformats.org/drawingml/2006/main" xmlns:r="http://schemas.openxmlformats.org/officeDocument/2006/relationships" xmlns:p="http://schemas.openxmlformats.org/presentationml/2006/main" preserve="1">
+  <p:cSld name="Quote with Caption">
+    <p:spTree>
+      <p:nvGrpSpPr>
+        <p:cNvPr id="1" name=""/>
+        <p:cNvGrpSpPr/>
+        <p:nvPr/>
+      </p:nvGrpSpPr>
+      <p:grpSpPr>
+        <a:xfrm>
+          <a:off x="0" y="0"/>
+          <a:ext cx="0" cy="0"/>
+          <a:chOff x="0" y="0"/>
+          <a:chExt cx="0" cy="0"/>
+        </a:xfrm>
+      </p:grpSpPr>
+      <p:sp>
+        <p:nvSpPr>
+          <p:cNvPr id="2" name="Title 1"/>
+          <p:cNvSpPr>
+            <a:spLocks noGrp="1"/>
+          </p:cNvSpPr>
+          <p:nvPr>
+            <p:ph type="title"/>
+          </p:nvPr>
+        </p:nvSpPr>
+        <p:spPr>
+          <a:xfrm>
+            <a:off x="1574801" y="1447800"/>
+            <a:ext cx="7999315" cy="2323374"/>
+          </a:xfrm>
+        </p:spPr>
+        <p:txBody>
+          <a:bodyPr/>
+          <a:lstStyle>
+            <a:lvl1pPr>
+              <a:defRPr sz="4800"/>
+            </a:lvl1pPr>
+          </a:lstStyle>
+          <a:p>
+            <a:r>
+              <a:rPr lang="en-US" smtClean="0"/>
+              <a:t>Click to edit Master title style</a:t>
+            </a:r>
+            <a:endParaRPr lang="en-US" dirty="0"/>
+          </a:p>
+        </p:txBody>
+      </p:sp>
+      <p:sp>
+        <p:nvSpPr>
+          <p:cNvPr id="11" name="Text Placeholder 3"/>
+          <p:cNvSpPr>
+            <a:spLocks noGrp="1"/>
+          </p:cNvSpPr>
+          <p:nvPr>
+            <p:ph type="body" sz="half" idx="14"/>
+          </p:nvPr>
+        </p:nvSpPr>
+        <p:spPr>
+          <a:xfrm>
+            <a:off x="1930400" y="3771174"/>
+            <a:ext cx="7279649" cy="342174"/>
+          </a:xfrm>
+        </p:spPr>
+        <p:txBody>
+          <a:bodyPr vert="horz" lIns="91440" tIns="45720" rIns="91440" bIns="45720" rtlCol="0" anchor="t">
+            <a:normAutofit/>
+          </a:bodyPr>
+          <a:lstStyle>
+            <a:lvl1pPr marL="0" indent="0">
+              <a:buNone/>
+              <a:defRPr lang="en-US" sz="1400" b="0" i="0" kern="1200" cap="small" dirty="0">
+                <a:solidFill>
+                  <a:schemeClr val="bg2">
+                    <a:lumMod val="40000"/>
+                    <a:lumOff val="60000"/>
+                  </a:schemeClr>
+                </a:solidFill>
+                <a:latin typeface="+mj-lt"/>
+                <a:ea typeface="+mj-ea"/>
+                <a:cs typeface="+mj-cs"/>
+              </a:defRPr>
+            </a:lvl1pPr>
+            <a:lvl2pPr marL="457200" indent="0">
+              <a:buNone/>
+              <a:defRPr sz="1200"/>
+            </a:lvl2pPr>
+            <a:lvl3pPr marL="914400" indent="0">
+              <a:buNone/>
+              <a:defRPr sz="1000"/>
+            </a:lvl3pPr>
+            <a:lvl4pPr marL="1371600" indent="0">
+              <a:buNone/>
+              <a:defRPr sz="900"/>
+            </a:lvl4pPr>
+            <a:lvl5pPr marL="1828800" indent="0">
+              <a:buNone/>
+              <a:defRPr sz="900"/>
+            </a:lvl5pPr>
+            <a:lvl6pPr marL="2286000" indent="0">
+              <a:buNone/>
+              <a:defRPr sz="900"/>
+            </a:lvl6pPr>
+            <a:lvl7pPr marL="2743200" indent="0">
+              <a:buNone/>
+              <a:defRPr sz="900"/>
+            </a:lvl7pPr>
+            <a:lvl8pPr marL="3200400" indent="0">
+              <a:buNone/>
+              <a:defRPr sz="900"/>
+            </a:lvl8pPr>
+            <a:lvl9pPr marL="3657600" indent="0">
+              <a:buNone/>
+              <a:defRPr sz="900"/>
+            </a:lvl9pPr>
+          </a:lstStyle>
+          <a:p>
+            <a:pPr marL="0" lvl="0" indent="0">
+              <a:buNone/>
+            </a:pPr>
+            <a:r>
+              <a:rPr lang="en-US" smtClean="0"/>
+              <a:t>Click to edit Master text styles</a:t>
+            </a:r>
+          </a:p>
+        </p:txBody>
+      </p:sp>
+      <p:sp>
+        <p:nvSpPr>
+          <p:cNvPr id="10" name="Text Placeholder 3"/>
+          <p:cNvSpPr>
+            <a:spLocks noGrp="1"/>
+          </p:cNvSpPr>
+          <p:nvPr>
+            <p:ph type="body" sz="half" idx="2"/>
+          </p:nvPr>
+        </p:nvSpPr>
+        <p:spPr>
+          <a:xfrm>
+            <a:off x="1154954" y="4350657"/>
+            <a:ext cx="8825659" cy="1676400"/>
+          </a:xfrm>
+        </p:spPr>
+        <p:txBody>
+          <a:bodyPr anchor="ctr">
+            <a:normAutofit/>
+          </a:bodyPr>
+          <a:lstStyle>
+            <a:lvl1pPr marL="0" indent="0">
+              <a:buNone/>
+              <a:defRPr sz="1800"/>
+            </a:lvl1pPr>
+            <a:lvl2pPr marL="457200" indent="0">
+              <a:buNone/>
+              <a:defRPr sz="1200"/>
+            </a:lvl2pPr>
+            <a:lvl3pPr marL="914400" indent="0">
+              <a:buNone/>
+              <a:defRPr sz="1000"/>
+            </a:lvl3pPr>
+            <a:lvl4pPr marL="1371600" indent="0">
+              <a:buNone/>
+              <a:defRPr sz="900"/>
+            </a:lvl4pPr>
+            <a:lvl5pPr marL="1828800" indent="0">
+              <a:buNone/>
+              <a:defRPr sz="900"/>
+            </a:lvl5pPr>
+            <a:lvl6pPr marL="2286000" indent="0">
+              <a:buNone/>
+              <a:defRPr sz="900"/>
+            </a:lvl6pPr>
+            <a:lvl7pPr marL="2743200" indent="0">
+              <a:buNone/>
+              <a:defRPr sz="900"/>
+            </a:lvl7pPr>
+            <a:lvl8pPr marL="3200400" indent="0">
+              <a:buNone/>
+              <a:defRPr sz="900"/>
+            </a:lvl8pPr>
+            <a:lvl9pPr marL="3657600" indent="0">
+              <a:buNone/>
+              <a:defRPr sz="900"/>
+            </a:lvl9pPr>
+          </a:lstStyle>
+          <a:p>
+            <a:pPr lvl="0"/>
+            <a:r>
+              <a:rPr lang="en-US" smtClean="0"/>
+              <a:t>Click to edit Master text styles</a:t>
+            </a:r>
+          </a:p>
+        </p:txBody>
+      </p:sp>
+      <p:sp>
+        <p:nvSpPr>
+          <p:cNvPr id="4" name="Date Placeholder 3"/>
+          <p:cNvSpPr>
+            <a:spLocks noGrp="1"/>
+          </p:cNvSpPr>
+          <p:nvPr>
+            <p:ph type="dt" sz="half" idx="10"/>
+          </p:nvPr>
+        </p:nvSpPr>
+        <p:spPr/>
+        <p:txBody>
+          <a:bodyPr/>
+          <a:lstStyle/>
+          <a:p>
+            <a:fld id="{E2142342-42DB-494C-ACCA-FC7D78E55948}" type="datetimeFigureOut">
+              <a:rPr lang="en-US" smtClean="0"/>
+              <a:t>4/17/2016</a:t>
+            </a:fld>
+            <a:endParaRPr lang="en-US"/>
+          </a:p>
+        </p:txBody>
+      </p:sp>
+      <p:sp>
+        <p:nvSpPr>
+          <p:cNvPr id="5" name="Footer Placeholder 4"/>
+          <p:cNvSpPr>
+            <a:spLocks noGrp="1"/>
+          </p:cNvSpPr>
+          <p:nvPr>
+            <p:ph type="ftr" sz="quarter" idx="11"/>
+          </p:nvPr>
+        </p:nvSpPr>
+        <p:spPr/>
+        <p:txBody>
+          <a:bodyPr/>
+          <a:lstStyle/>
+          <a:p>
+            <a:endParaRPr lang="en-US"/>
+          </a:p>
+        </p:txBody>
+      </p:sp>
+      <p:sp>
+        <p:nvSpPr>
+          <p:cNvPr id="6" name="Slide Number Placeholder 5"/>
+          <p:cNvSpPr>
+            <a:spLocks noGrp="1"/>
+          </p:cNvSpPr>
+          <p:nvPr>
+            <p:ph type="sldNum" sz="quarter" idx="12"/>
+          </p:nvPr>
+        </p:nvSpPr>
+        <p:spPr/>
+        <p:txBody>
+          <a:bodyPr/>
+          <a:lstStyle/>
+          <a:p>
+            <a:fld id="{8806B2D3-2E0E-46BD-9FD9-4DD987055ADE}" type="slidenum">
+              <a:rPr lang="en-US" smtClean="0"/>
+              <a:t>‹#›</a:t>
+            </a:fld>
+            <a:endParaRPr lang="en-US"/>
+          </a:p>
+        </p:txBody>
+      </p:sp>
+      <p:sp>
+        <p:nvSpPr>
+          <p:cNvPr id="12" name="TextBox 11"/>
+          <p:cNvSpPr txBox="1"/>
+          <p:nvPr/>
+        </p:nvSpPr>
+        <p:spPr>
+          <a:xfrm>
+            <a:off x="898295" y="971253"/>
+            <a:ext cx="801912" cy="1969770"/>
+          </a:xfrm>
+          <a:prstGeom prst="rect">
+            <a:avLst/>
+          </a:prstGeom>
+          <a:noFill/>
+        </p:spPr>
+        <p:txBody>
+          <a:bodyPr wrap="square" rtlCol="0">
+            <a:spAutoFit/>
+          </a:bodyPr>
+          <a:lstStyle>
+            <a:defPPr>
+              <a:defRPr lang="en-US"/>
+            </a:defPPr>
+            <a:lvl1pPr algn="r">
+              <a:defRPr sz="12200" b="0" i="0">
+                <a:solidFill>
+                  <a:schemeClr val="bg2">
+                    <a:lumMod val="40000"/>
+                    <a:lumOff val="60000"/>
+                  </a:schemeClr>
+                </a:solidFill>
+                <a:latin typeface="Arial"/>
+                <a:ea typeface="+mj-ea"/>
+                <a:cs typeface="+mj-cs"/>
+              </a:defRPr>
+            </a:lvl1pPr>
+          </a:lstStyle>
+          <a:p>
+            <a:pPr lvl="0"/>
+            <a:r>
+              <a:rPr lang="en-US" dirty="0"/>
+              <a:t>“</a:t>
+            </a:r>
+          </a:p>
+        </p:txBody>
+      </p:sp>
+      <p:sp>
+        <p:nvSpPr>
+          <p:cNvPr id="15" name="TextBox 14"/>
+          <p:cNvSpPr txBox="1"/>
+          <p:nvPr/>
+        </p:nvSpPr>
+        <p:spPr>
+          <a:xfrm>
+            <a:off x="9330490" y="2613787"/>
+            <a:ext cx="801912" cy="1969770"/>
+          </a:xfrm>
+          <a:prstGeom prst="rect">
+            <a:avLst/>
+          </a:prstGeom>
+          <a:noFill/>
+        </p:spPr>
+        <p:txBody>
+          <a:bodyPr wrap="square" rtlCol="0">
+            <a:spAutoFit/>
+          </a:bodyPr>
+          <a:lstStyle>
+            <a:defPPr>
+              <a:defRPr lang="en-US"/>
+            </a:defPPr>
+            <a:lvl1pPr algn="r">
+              <a:defRPr sz="12200" b="0" i="0">
+                <a:solidFill>
+                  <a:schemeClr val="bg2">
+                    <a:lumMod val="40000"/>
+                    <a:lumOff val="60000"/>
+                  </a:schemeClr>
+                </a:solidFill>
+                <a:latin typeface="Arial"/>
+                <a:ea typeface="+mj-ea"/>
+                <a:cs typeface="+mj-cs"/>
+              </a:defRPr>
+            </a:lvl1pPr>
+          </a:lstStyle>
+          <a:p>
+            <a:pPr lvl="0"/>
+            <a:r>
+              <a:rPr lang="en-US" dirty="0"/>
+              <a:t>”</a:t>
+            </a:r>
+          </a:p>
+        </p:txBody>
+      </p:sp>
+    </p:spTree>
+    <p:extLst>
+      <p:ext uri="{BB962C8B-B14F-4D97-AF65-F5344CB8AC3E}">
+        <p14:creationId xmlns:p14="http://schemas.microsoft.com/office/powerpoint/2010/main" val="1892147960"/>
+      </p:ext>
+    </p:extLst>
+  </p:cSld>
+  <p:clrMapOvr>
+    <a:masterClrMapping/>
+  </p:clrMapOvr>
+</p:sldLayout>
+</file>
+
+<file path=ppt/slideLayouts/slideLayout24.xml><?xml version="1.0" encoding="utf-8"?>
+<p:sldLayout xmlns:a="http://schemas.openxmlformats.org/drawingml/2006/main" xmlns:r="http://schemas.openxmlformats.org/officeDocument/2006/relationships" xmlns:p="http://schemas.openxmlformats.org/presentationml/2006/main" preserve="1">
+  <p:cSld name="Name Card">
+    <p:spTree>
+      <p:nvGrpSpPr>
+        <p:cNvPr id="1" name=""/>
+        <p:cNvGrpSpPr/>
+        <p:nvPr/>
+      </p:nvGrpSpPr>
+      <p:grpSpPr>
+        <a:xfrm>
+          <a:off x="0" y="0"/>
+          <a:ext cx="0" cy="0"/>
+          <a:chOff x="0" y="0"/>
+          <a:chExt cx="0" cy="0"/>
+        </a:xfrm>
+      </p:grpSpPr>
+      <p:sp>
+        <p:nvSpPr>
+          <p:cNvPr id="2" name="Title 1"/>
+          <p:cNvSpPr>
+            <a:spLocks noGrp="1"/>
+          </p:cNvSpPr>
+          <p:nvPr>
+            <p:ph type="title"/>
+          </p:nvPr>
+        </p:nvSpPr>
+        <p:spPr>
+          <a:xfrm>
+            <a:off x="1154954" y="3124201"/>
+            <a:ext cx="8825660" cy="1653180"/>
+          </a:xfrm>
+        </p:spPr>
+        <p:txBody>
+          <a:bodyPr anchor="b"/>
+          <a:lstStyle>
+            <a:lvl1pPr algn="l">
+              <a:defRPr sz="4000" b="0" cap="none"/>
+            </a:lvl1pPr>
+          </a:lstStyle>
+          <a:p>
+            <a:r>
+              <a:rPr lang="en-US" smtClean="0"/>
+              <a:t>Click to edit Master title style</a:t>
+            </a:r>
+            <a:endParaRPr lang="en-US" dirty="0"/>
+          </a:p>
+        </p:txBody>
+      </p:sp>
+      <p:sp>
+        <p:nvSpPr>
+          <p:cNvPr id="3" name="Text Placeholder 2"/>
+          <p:cNvSpPr>
+            <a:spLocks noGrp="1"/>
+          </p:cNvSpPr>
+          <p:nvPr>
+            <p:ph type="body" idx="1"/>
+          </p:nvPr>
+        </p:nvSpPr>
+        <p:spPr>
+          <a:xfrm>
+            <a:off x="1154954" y="4777381"/>
+            <a:ext cx="8825659" cy="860400"/>
+          </a:xfrm>
+        </p:spPr>
+        <p:txBody>
+          <a:bodyPr anchor="t"/>
+          <a:lstStyle>
+            <a:lvl1pPr marL="0" indent="0" algn="l">
+              <a:buNone/>
+              <a:defRPr sz="2000" cap="none">
+                <a:solidFill>
+                  <a:schemeClr val="bg2">
+                    <a:lumMod val="40000"/>
+                    <a:lumOff val="60000"/>
+                  </a:schemeClr>
+                </a:solidFill>
+              </a:defRPr>
+            </a:lvl1pPr>
+            <a:lvl2pPr marL="457200" indent="0">
+              <a:buNone/>
+              <a:defRPr sz="1800">
+                <a:solidFill>
+                  <a:schemeClr val="tx1">
+                    <a:tint val="75000"/>
+                  </a:schemeClr>
+                </a:solidFill>
+              </a:defRPr>
+            </a:lvl2pPr>
+            <a:lvl3pPr marL="914400" indent="0">
+              <a:buNone/>
+              <a:defRPr sz="1600">
+                <a:solidFill>
+                  <a:schemeClr val="tx1">
+                    <a:tint val="75000"/>
+                  </a:schemeClr>
+                </a:solidFill>
+              </a:defRPr>
+            </a:lvl3pPr>
+            <a:lvl4pPr marL="1371600" indent="0">
+              <a:buNone/>
+              <a:defRPr sz="1400">
+                <a:solidFill>
+                  <a:schemeClr val="tx1">
+                    <a:tint val="75000"/>
+                  </a:schemeClr>
+                </a:solidFill>
+              </a:defRPr>
+            </a:lvl4pPr>
+            <a:lvl5pPr marL="1828800" indent="0">
+              <a:buNone/>
+              <a:defRPr sz="1400">
+                <a:solidFill>
+                  <a:schemeClr val="tx1">
+                    <a:tint val="75000"/>
+                  </a:schemeClr>
+                </a:solidFill>
+              </a:defRPr>
+            </a:lvl5pPr>
+            <a:lvl6pPr marL="2286000" indent="0">
+              <a:buNone/>
+              <a:defRPr sz="1400">
+                <a:solidFill>
+                  <a:schemeClr val="tx1">
+                    <a:tint val="75000"/>
+                  </a:schemeClr>
+                </a:solidFill>
+              </a:defRPr>
+            </a:lvl6pPr>
+            <a:lvl7pPr marL="2743200" indent="0">
+              <a:buNone/>
+              <a:defRPr sz="1400">
+                <a:solidFill>
+                  <a:schemeClr val="tx1">
+                    <a:tint val="75000"/>
+                  </a:schemeClr>
+                </a:solidFill>
+              </a:defRPr>
+            </a:lvl7pPr>
+            <a:lvl8pPr marL="3200400" indent="0">
+              <a:buNone/>
+              <a:defRPr sz="1400">
+                <a:solidFill>
+                  <a:schemeClr val="tx1">
+                    <a:tint val="75000"/>
+                  </a:schemeClr>
+                </a:solidFill>
+              </a:defRPr>
+            </a:lvl8pPr>
+            <a:lvl9pPr marL="3657600" indent="0">
+              <a:buNone/>
+              <a:defRPr sz="1400">
+                <a:solidFill>
+                  <a:schemeClr val="tx1">
+                    <a:tint val="75000"/>
+                  </a:schemeClr>
+                </a:solidFill>
+              </a:defRPr>
+            </a:lvl9pPr>
+          </a:lstStyle>
+          <a:p>
+            <a:pPr lvl="0"/>
+            <a:r>
+              <a:rPr lang="en-US" smtClean="0"/>
+              <a:t>Click to edit Master text styles</a:t>
+            </a:r>
+          </a:p>
+        </p:txBody>
+      </p:sp>
+      <p:sp>
+        <p:nvSpPr>
+          <p:cNvPr id="4" name="Date Placeholder 3"/>
+          <p:cNvSpPr>
+            <a:spLocks noGrp="1"/>
+          </p:cNvSpPr>
+          <p:nvPr>
+            <p:ph type="dt" sz="half" idx="10"/>
+          </p:nvPr>
+        </p:nvSpPr>
+        <p:spPr/>
+        <p:txBody>
+          <a:bodyPr/>
+          <a:lstStyle/>
+          <a:p>
+            <a:fld id="{E2142342-42DB-494C-ACCA-FC7D78E55948}" type="datetimeFigureOut">
+              <a:rPr lang="en-US" smtClean="0"/>
+              <a:t>4/17/2016</a:t>
+            </a:fld>
+            <a:endParaRPr lang="en-US"/>
+          </a:p>
+        </p:txBody>
+      </p:sp>
+      <p:sp>
+        <p:nvSpPr>
+          <p:cNvPr id="5" name="Footer Placeholder 4"/>
+          <p:cNvSpPr>
+            <a:spLocks noGrp="1"/>
+          </p:cNvSpPr>
+          <p:nvPr>
+            <p:ph type="ftr" sz="quarter" idx="11"/>
+          </p:nvPr>
+        </p:nvSpPr>
+        <p:spPr/>
+        <p:txBody>
+          <a:bodyPr/>
+          <a:lstStyle/>
+          <a:p>
+            <a:endParaRPr lang="en-US"/>
+          </a:p>
+        </p:txBody>
+      </p:sp>
+      <p:sp>
+        <p:nvSpPr>
+          <p:cNvPr id="6" name="Slide Number Placeholder 5"/>
+          <p:cNvSpPr>
+            <a:spLocks noGrp="1"/>
+          </p:cNvSpPr>
+          <p:nvPr>
+            <p:ph type="sldNum" sz="quarter" idx="12"/>
+          </p:nvPr>
+        </p:nvSpPr>
+        <p:spPr/>
+        <p:txBody>
+          <a:bodyPr/>
+          <a:lstStyle/>
+          <a:p>
+            <a:fld id="{8806B2D3-2E0E-46BD-9FD9-4DD987055ADE}" type="slidenum">
+              <a:rPr lang="en-US" smtClean="0"/>
+              <a:t>‹#›</a:t>
+            </a:fld>
+            <a:endParaRPr lang="en-US"/>
+          </a:p>
+        </p:txBody>
+      </p:sp>
+    </p:spTree>
+    <p:extLst>
+      <p:ext uri="{BB962C8B-B14F-4D97-AF65-F5344CB8AC3E}">
+        <p14:creationId xmlns:p14="http://schemas.microsoft.com/office/powerpoint/2010/main" val="2716051413"/>
+      </p:ext>
+    </p:extLst>
+  </p:cSld>
+  <p:clrMapOvr>
+    <a:masterClrMapping/>
+  </p:clrMapOvr>
+</p:sldLayout>
+</file>
+
+<file path=ppt/slideLayouts/slideLayout25.xml><?xml version="1.0" encoding="utf-8"?>
+<p:sldLayout xmlns:a="http://schemas.openxmlformats.org/drawingml/2006/main" xmlns:r="http://schemas.openxmlformats.org/officeDocument/2006/relationships" xmlns:p="http://schemas.openxmlformats.org/presentationml/2006/main" preserve="1">
+  <p:cSld name="3 Column">
+    <p:spTree>
+      <p:nvGrpSpPr>
+        <p:cNvPr id="1" name=""/>
+        <p:cNvGrpSpPr/>
+        <p:nvPr/>
+      </p:nvGrpSpPr>
+      <p:grpSpPr>
+        <a:xfrm>
+          <a:off x="0" y="0"/>
+          <a:ext cx="0" cy="0"/>
+          <a:chOff x="0" y="0"/>
+          <a:chExt cx="0" cy="0"/>
+        </a:xfrm>
+      </p:grpSpPr>
+      <p:sp>
+        <p:nvSpPr>
+          <p:cNvPr id="2" name="Title 1"/>
+          <p:cNvSpPr>
+            <a:spLocks noGrp="1"/>
+          </p:cNvSpPr>
+          <p:nvPr>
+            <p:ph type="title"/>
+          </p:nvPr>
+        </p:nvSpPr>
+        <p:spPr/>
+        <p:txBody>
+          <a:bodyPr/>
+          <a:lstStyle>
+            <a:lvl1pPr>
+              <a:defRPr sz="4200"/>
+            </a:lvl1pPr>
+          </a:lstStyle>
+          <a:p>
+            <a:r>
+              <a:rPr lang="en-US" smtClean="0"/>
+              <a:t>Click to edit Master title style</a:t>
+            </a:r>
+            <a:endParaRPr lang="en-US" dirty="0"/>
+          </a:p>
+        </p:txBody>
+      </p:sp>
+      <p:sp>
+        <p:nvSpPr>
+          <p:cNvPr id="3" name="Text Placeholder 2"/>
+          <p:cNvSpPr>
+            <a:spLocks noGrp="1"/>
+          </p:cNvSpPr>
+          <p:nvPr>
+            <p:ph type="body" idx="1"/>
+          </p:nvPr>
+        </p:nvSpPr>
+        <p:spPr>
+          <a:xfrm>
+            <a:off x="632947" y="1981200"/>
+            <a:ext cx="2946866" cy="576262"/>
+          </a:xfrm>
+        </p:spPr>
+        <p:txBody>
+          <a:bodyPr anchor="b">
+            <a:noAutofit/>
+          </a:bodyPr>
+          <a:lstStyle>
+            <a:lvl1pPr marL="0" indent="0">
+              <a:buNone/>
+              <a:defRPr sz="2400" b="0">
+                <a:solidFill>
+                  <a:schemeClr val="bg2">
+                    <a:lumMod val="40000"/>
+                    <a:lumOff val="60000"/>
+                  </a:schemeClr>
+                </a:solidFill>
+              </a:defRPr>
+            </a:lvl1pPr>
+            <a:lvl2pPr marL="457200" indent="0">
+              <a:buNone/>
+              <a:defRPr sz="2000" b="1"/>
+            </a:lvl2pPr>
+            <a:lvl3pPr marL="914400" indent="0">
+              <a:buNone/>
+              <a:defRPr sz="1800" b="1"/>
+            </a:lvl3pPr>
+            <a:lvl4pPr marL="1371600" indent="0">
+              <a:buNone/>
+              <a:defRPr sz="1600" b="1"/>
+            </a:lvl4pPr>
+            <a:lvl5pPr marL="1828800" indent="0">
+              <a:buNone/>
+              <a:defRPr sz="1600" b="1"/>
+            </a:lvl5pPr>
+            <a:lvl6pPr marL="2286000" indent="0">
+              <a:buNone/>
+              <a:defRPr sz="1600" b="1"/>
+            </a:lvl6pPr>
+            <a:lvl7pPr marL="2743200" indent="0">
+              <a:buNone/>
+              <a:defRPr sz="1600" b="1"/>
+            </a:lvl7pPr>
+            <a:lvl8pPr marL="3200400" indent="0">
+              <a:buNone/>
+              <a:defRPr sz="1600" b="1"/>
+            </a:lvl8pPr>
+            <a:lvl9pPr marL="3657600" indent="0">
+              <a:buNone/>
+              <a:defRPr sz="1600" b="1"/>
+            </a:lvl9pPr>
+          </a:lstStyle>
+          <a:p>
+            <a:pPr lvl="0"/>
+            <a:r>
+              <a:rPr lang="en-US" smtClean="0"/>
+              <a:t>Click to edit Master text styles</a:t>
+            </a:r>
+          </a:p>
+        </p:txBody>
+      </p:sp>
+      <p:sp>
+        <p:nvSpPr>
+          <p:cNvPr id="16" name="Text Placeholder 3"/>
+          <p:cNvSpPr>
+            <a:spLocks noGrp="1"/>
+          </p:cNvSpPr>
+          <p:nvPr>
+            <p:ph type="body" sz="half" idx="15"/>
+          </p:nvPr>
+        </p:nvSpPr>
+        <p:spPr>
+          <a:xfrm>
+            <a:off x="652463" y="2667000"/>
+            <a:ext cx="2927350" cy="3589338"/>
+          </a:xfrm>
+        </p:spPr>
+        <p:txBody>
+          <a:bodyPr anchor="t">
+            <a:normAutofit/>
+          </a:bodyPr>
+          <a:lstStyle>
+            <a:lvl1pPr marL="0" indent="0">
+              <a:buNone/>
+              <a:defRPr sz="1400"/>
+            </a:lvl1pPr>
+            <a:lvl2pPr marL="457200" indent="0">
+              <a:buNone/>
+              <a:defRPr sz="1200"/>
+            </a:lvl2pPr>
+            <a:lvl3pPr marL="914400" indent="0">
+              <a:buNone/>
+              <a:defRPr sz="1000"/>
+            </a:lvl3pPr>
+            <a:lvl4pPr marL="1371600" indent="0">
+              <a:buNone/>
+              <a:defRPr sz="900"/>
+            </a:lvl4pPr>
+            <a:lvl5pPr marL="1828800" indent="0">
+              <a:buNone/>
+              <a:defRPr sz="900"/>
+            </a:lvl5pPr>
+            <a:lvl6pPr marL="2286000" indent="0">
+              <a:buNone/>
+              <a:defRPr sz="900"/>
+            </a:lvl6pPr>
+            <a:lvl7pPr marL="2743200" indent="0">
+              <a:buNone/>
+              <a:defRPr sz="900"/>
+            </a:lvl7pPr>
+            <a:lvl8pPr marL="3200400" indent="0">
+              <a:buNone/>
+              <a:defRPr sz="900"/>
+            </a:lvl8pPr>
+            <a:lvl9pPr marL="3657600" indent="0">
+              <a:buNone/>
+              <a:defRPr sz="900"/>
+            </a:lvl9pPr>
+          </a:lstStyle>
+          <a:p>
+            <a:pPr lvl="0"/>
+            <a:r>
+              <a:rPr lang="en-US" smtClean="0"/>
+              <a:t>Click to edit Master text styles</a:t>
+            </a:r>
+          </a:p>
+        </p:txBody>
+      </p:sp>
+      <p:sp>
+        <p:nvSpPr>
+          <p:cNvPr id="5" name="Text Placeholder 4"/>
+          <p:cNvSpPr>
+            <a:spLocks noGrp="1"/>
+          </p:cNvSpPr>
+          <p:nvPr>
+            <p:ph type="body" sz="quarter" idx="3"/>
+          </p:nvPr>
+        </p:nvSpPr>
+        <p:spPr>
+          <a:xfrm>
+            <a:off x="3883659" y="1981200"/>
+            <a:ext cx="2936241" cy="576262"/>
+          </a:xfrm>
+        </p:spPr>
+        <p:txBody>
+          <a:bodyPr anchor="b">
+            <a:noAutofit/>
+          </a:bodyPr>
+          <a:lstStyle>
+            <a:lvl1pPr marL="0" indent="0">
+              <a:buNone/>
+              <a:defRPr sz="2400" b="0">
+                <a:solidFill>
+                  <a:schemeClr val="bg2">
+                    <a:lumMod val="40000"/>
+                    <a:lumOff val="60000"/>
+                  </a:schemeClr>
+                </a:solidFill>
+              </a:defRPr>
+            </a:lvl1pPr>
+            <a:lvl2pPr marL="457200" indent="0">
+              <a:buNone/>
+              <a:defRPr sz="2000" b="1"/>
+            </a:lvl2pPr>
+            <a:lvl3pPr marL="914400" indent="0">
+              <a:buNone/>
+              <a:defRPr sz="1800" b="1"/>
+            </a:lvl3pPr>
+            <a:lvl4pPr marL="1371600" indent="0">
+              <a:buNone/>
+              <a:defRPr sz="1600" b="1"/>
+            </a:lvl4pPr>
+            <a:lvl5pPr marL="1828800" indent="0">
+              <a:buNone/>
+              <a:defRPr sz="1600" b="1"/>
+            </a:lvl5pPr>
+            <a:lvl6pPr marL="2286000" indent="0">
+              <a:buNone/>
+              <a:defRPr sz="1600" b="1"/>
+            </a:lvl6pPr>
+            <a:lvl7pPr marL="2743200" indent="0">
+              <a:buNone/>
+              <a:defRPr sz="1600" b="1"/>
+            </a:lvl7pPr>
+            <a:lvl8pPr marL="3200400" indent="0">
+              <a:buNone/>
+              <a:defRPr sz="1600" b="1"/>
+            </a:lvl8pPr>
+            <a:lvl9pPr marL="3657600" indent="0">
+              <a:buNone/>
+              <a:defRPr sz="1600" b="1"/>
+            </a:lvl9pPr>
+          </a:lstStyle>
+          <a:p>
+            <a:pPr lvl="0"/>
+            <a:r>
+              <a:rPr lang="en-US" smtClean="0"/>
+              <a:t>Click to edit Master text styles</a:t>
+            </a:r>
+          </a:p>
+        </p:txBody>
+      </p:sp>
+      <p:sp>
+        <p:nvSpPr>
+          <p:cNvPr id="19" name="Text Placeholder 3"/>
+          <p:cNvSpPr>
+            <a:spLocks noGrp="1"/>
+          </p:cNvSpPr>
+          <p:nvPr>
+            <p:ph type="body" sz="half" idx="16"/>
+          </p:nvPr>
+        </p:nvSpPr>
+        <p:spPr>
+          <a:xfrm>
+            <a:off x="3873106" y="2667000"/>
+            <a:ext cx="2946794" cy="3589338"/>
+          </a:xfrm>
+        </p:spPr>
+        <p:txBody>
+          <a:bodyPr anchor="t">
+            <a:normAutofit/>
+          </a:bodyPr>
+          <a:lstStyle>
+            <a:lvl1pPr marL="0" indent="0">
+              <a:buNone/>
+              <a:defRPr sz="1400"/>
+            </a:lvl1pPr>
+            <a:lvl2pPr marL="457200" indent="0">
+              <a:buNone/>
+              <a:defRPr sz="1200"/>
+            </a:lvl2pPr>
+            <a:lvl3pPr marL="914400" indent="0">
+              <a:buNone/>
+              <a:defRPr sz="1000"/>
+            </a:lvl3pPr>
+            <a:lvl4pPr marL="1371600" indent="0">
+              <a:buNone/>
+              <a:defRPr sz="900"/>
+            </a:lvl4pPr>
+            <a:lvl5pPr marL="1828800" indent="0">
+              <a:buNone/>
+              <a:defRPr sz="900"/>
+            </a:lvl5pPr>
+            <a:lvl6pPr marL="2286000" indent="0">
+              <a:buNone/>
+              <a:defRPr sz="900"/>
+            </a:lvl6pPr>
+            <a:lvl7pPr marL="2743200" indent="0">
+              <a:buNone/>
+              <a:defRPr sz="900"/>
+            </a:lvl7pPr>
+            <a:lvl8pPr marL="3200400" indent="0">
+              <a:buNone/>
+              <a:defRPr sz="900"/>
+            </a:lvl8pPr>
+            <a:lvl9pPr marL="3657600" indent="0">
+              <a:buNone/>
+              <a:defRPr sz="900"/>
+            </a:lvl9pPr>
+          </a:lstStyle>
+          <a:p>
+            <a:pPr lvl="0"/>
+            <a:r>
+              <a:rPr lang="en-US" smtClean="0"/>
+              <a:t>Click to edit Master text styles</a:t>
+            </a:r>
+          </a:p>
+        </p:txBody>
+      </p:sp>
+      <p:sp>
+        <p:nvSpPr>
+          <p:cNvPr id="14" name="Text Placeholder 4"/>
+          <p:cNvSpPr>
+            <a:spLocks noGrp="1"/>
+          </p:cNvSpPr>
+          <p:nvPr>
+            <p:ph type="body" sz="quarter" idx="13"/>
+          </p:nvPr>
+        </p:nvSpPr>
+        <p:spPr>
+          <a:xfrm>
+            <a:off x="7124700" y="1981200"/>
+            <a:ext cx="2932113" cy="576262"/>
+          </a:xfrm>
+        </p:spPr>
+        <p:txBody>
+          <a:bodyPr anchor="b">
+            <a:noAutofit/>
+          </a:bodyPr>
+          <a:lstStyle>
+            <a:lvl1pPr marL="0" indent="0">
+              <a:buNone/>
+              <a:defRPr sz="2400" b="0">
+                <a:solidFill>
+                  <a:schemeClr val="bg2">
+                    <a:lumMod val="40000"/>
+                    <a:lumOff val="60000"/>
+                  </a:schemeClr>
+                </a:solidFill>
+              </a:defRPr>
+            </a:lvl1pPr>
+            <a:lvl2pPr marL="457200" indent="0">
+              <a:buNone/>
+              <a:defRPr sz="2000" b="1"/>
+            </a:lvl2pPr>
+            <a:lvl3pPr marL="914400" indent="0">
+              <a:buNone/>
+              <a:defRPr sz="1800" b="1"/>
+            </a:lvl3pPr>
+            <a:lvl4pPr marL="1371600" indent="0">
+              <a:buNone/>
+              <a:defRPr sz="1600" b="1"/>
+            </a:lvl4pPr>
+            <a:lvl5pPr marL="1828800" indent="0">
+              <a:buNone/>
+              <a:defRPr sz="1600" b="1"/>
+            </a:lvl5pPr>
+            <a:lvl6pPr marL="2286000" indent="0">
+              <a:buNone/>
+              <a:defRPr sz="1600" b="1"/>
+            </a:lvl6pPr>
+            <a:lvl7pPr marL="2743200" indent="0">
+              <a:buNone/>
+              <a:defRPr sz="1600" b="1"/>
+            </a:lvl7pPr>
+            <a:lvl8pPr marL="3200400" indent="0">
+              <a:buNone/>
+              <a:defRPr sz="1600" b="1"/>
+            </a:lvl8pPr>
+            <a:lvl9pPr marL="3657600" indent="0">
+              <a:buNone/>
+              <a:defRPr sz="1600" b="1"/>
+            </a:lvl9pPr>
+          </a:lstStyle>
+          <a:p>
+            <a:pPr lvl="0"/>
+            <a:r>
+              <a:rPr lang="en-US" smtClean="0"/>
+              <a:t>Click to edit Master text styles</a:t>
+            </a:r>
+          </a:p>
+        </p:txBody>
+      </p:sp>
+      <p:sp>
+        <p:nvSpPr>
+          <p:cNvPr id="20" name="Text Placeholder 3"/>
+          <p:cNvSpPr>
+            <a:spLocks noGrp="1"/>
+          </p:cNvSpPr>
+          <p:nvPr>
+            <p:ph type="body" sz="half" idx="17"/>
+          </p:nvPr>
+        </p:nvSpPr>
+        <p:spPr>
+          <a:xfrm>
+            <a:off x="7124700" y="2667000"/>
+            <a:ext cx="2932113" cy="3589338"/>
+          </a:xfrm>
+        </p:spPr>
+        <p:txBody>
+          <a:bodyPr anchor="t">
+            <a:normAutofit/>
+          </a:bodyPr>
+          <a:lstStyle>
+            <a:lvl1pPr marL="0" indent="0">
+              <a:buNone/>
+              <a:defRPr sz="1400"/>
+            </a:lvl1pPr>
+            <a:lvl2pPr marL="457200" indent="0">
+              <a:buNone/>
+              <a:defRPr sz="1200"/>
+            </a:lvl2pPr>
+            <a:lvl3pPr marL="914400" indent="0">
+              <a:buNone/>
+              <a:defRPr sz="1000"/>
+            </a:lvl3pPr>
+            <a:lvl4pPr marL="1371600" indent="0">
+              <a:buNone/>
+              <a:defRPr sz="900"/>
+            </a:lvl4pPr>
+            <a:lvl5pPr marL="1828800" indent="0">
+              <a:buNone/>
+              <a:defRPr sz="900"/>
+            </a:lvl5pPr>
+            <a:lvl6pPr marL="2286000" indent="0">
+              <a:buNone/>
+              <a:defRPr sz="900"/>
+            </a:lvl6pPr>
+            <a:lvl7pPr marL="2743200" indent="0">
+              <a:buNone/>
+              <a:defRPr sz="900"/>
+            </a:lvl7pPr>
+            <a:lvl8pPr marL="3200400" indent="0">
+              <a:buNone/>
+              <a:defRPr sz="900"/>
+            </a:lvl8pPr>
+            <a:lvl9pPr marL="3657600" indent="0">
+              <a:buNone/>
+              <a:defRPr sz="900"/>
+            </a:lvl9pPr>
+          </a:lstStyle>
+          <a:p>
+            <a:pPr lvl="0"/>
+            <a:r>
+              <a:rPr lang="en-US" smtClean="0"/>
+              <a:t>Click to edit Master text styles</a:t>
+            </a:r>
+          </a:p>
+        </p:txBody>
+      </p:sp>
+      <p:cxnSp>
+        <p:nvCxnSpPr>
+          <p:cNvPr id="17" name="Straight Connector 16"/>
+          <p:cNvCxnSpPr/>
+          <p:nvPr/>
+        </p:nvCxnSpPr>
+        <p:spPr>
+          <a:xfrm>
+            <a:off x="3726142" y="2133600"/>
+            <a:ext cx="0" cy="3962400"/>
+          </a:xfrm>
+          <a:prstGeom prst="line">
+            <a:avLst/>
+          </a:prstGeom>
+          <a:ln w="12700" cmpd="sng">
+            <a:solidFill>
+              <a:schemeClr val="bg2">
+                <a:lumMod val="40000"/>
+                <a:lumOff val="60000"/>
+                <a:alpha val="40000"/>
+              </a:schemeClr>
+            </a:solidFill>
+          </a:ln>
+        </p:spPr>
+        <p:style>
+          <a:lnRef idx="2">
+            <a:schemeClr val="accent1"/>
+          </a:lnRef>
+          <a:fillRef idx="0">
+            <a:schemeClr val="accent1"/>
+          </a:fillRef>
+          <a:effectRef idx="1">
+            <a:schemeClr val="accent1"/>
+          </a:effectRef>
+          <a:fontRef idx="minor">
+            <a:schemeClr val="tx1"/>
+          </a:fontRef>
+        </p:style>
+      </p:cxnSp>
+      <p:cxnSp>
+        <p:nvCxnSpPr>
+          <p:cNvPr id="18" name="Straight Connector 17"/>
+          <p:cNvCxnSpPr/>
+          <p:nvPr/>
+        </p:nvCxnSpPr>
+        <p:spPr>
+          <a:xfrm>
+            <a:off x="6962227" y="2133600"/>
+            <a:ext cx="0" cy="3966882"/>
+          </a:xfrm>
+          <a:prstGeom prst="line">
+            <a:avLst/>
+          </a:prstGeom>
+          <a:ln w="12700" cmpd="sng">
+            <a:solidFill>
+              <a:schemeClr val="bg2">
+                <a:lumMod val="40000"/>
+                <a:lumOff val="60000"/>
+                <a:alpha val="40000"/>
+              </a:schemeClr>
+            </a:solidFill>
+          </a:ln>
+        </p:spPr>
+        <p:style>
+          <a:lnRef idx="2">
+            <a:schemeClr val="accent1"/>
+          </a:lnRef>
+          <a:fillRef idx="0">
+            <a:schemeClr val="accent1"/>
+          </a:fillRef>
+          <a:effectRef idx="1">
+            <a:schemeClr val="accent1"/>
+          </a:effectRef>
+          <a:fontRef idx="minor">
+            <a:schemeClr val="tx1"/>
+          </a:fontRef>
+        </p:style>
+      </p:cxnSp>
+      <p:sp>
+        <p:nvSpPr>
+          <p:cNvPr id="7" name="Date Placeholder 3"/>
+          <p:cNvSpPr>
+            <a:spLocks noGrp="1"/>
+          </p:cNvSpPr>
+          <p:nvPr>
+            <p:ph type="dt" sz="half" idx="10"/>
+          </p:nvPr>
+        </p:nvSpPr>
+        <p:spPr/>
+        <p:txBody>
+          <a:bodyPr/>
+          <a:lstStyle/>
+          <a:p>
+            <a:fld id="{E2142342-42DB-494C-ACCA-FC7D78E55948}" type="datetimeFigureOut">
+              <a:rPr lang="en-US" smtClean="0"/>
+              <a:t>4/17/2016</a:t>
+            </a:fld>
+            <a:endParaRPr lang="en-US"/>
+          </a:p>
+        </p:txBody>
+      </p:sp>
+      <p:sp>
+        <p:nvSpPr>
+          <p:cNvPr id="4" name="Footer Placeholder 4"/>
+          <p:cNvSpPr>
+            <a:spLocks noGrp="1"/>
+          </p:cNvSpPr>
+          <p:nvPr>
+            <p:ph type="ftr" sz="quarter" idx="11"/>
+          </p:nvPr>
+        </p:nvSpPr>
+        <p:spPr/>
+        <p:txBody>
+          <a:bodyPr/>
+          <a:lstStyle/>
+          <a:p>
+            <a:endParaRPr lang="en-US"/>
+          </a:p>
+        </p:txBody>
+      </p:sp>
+      <p:sp>
+        <p:nvSpPr>
+          <p:cNvPr id="6" name="Slide Number Placeholder 5"/>
+          <p:cNvSpPr>
+            <a:spLocks noGrp="1"/>
+          </p:cNvSpPr>
+          <p:nvPr>
+            <p:ph type="sldNum" sz="quarter" idx="12"/>
+          </p:nvPr>
+        </p:nvSpPr>
+        <p:spPr/>
+        <p:txBody>
+          <a:bodyPr/>
+          <a:lstStyle/>
+          <a:p>
+            <a:fld id="{8806B2D3-2E0E-46BD-9FD9-4DD987055ADE}" type="slidenum">
+              <a:rPr lang="en-US" smtClean="0"/>
+              <a:t>‹#›</a:t>
+            </a:fld>
+            <a:endParaRPr lang="en-US"/>
+          </a:p>
+        </p:txBody>
+      </p:sp>
+    </p:spTree>
+    <p:extLst>
+      <p:ext uri="{BB962C8B-B14F-4D97-AF65-F5344CB8AC3E}">
+        <p14:creationId xmlns:p14="http://schemas.microsoft.com/office/powerpoint/2010/main" val="1633298997"/>
+      </p:ext>
+    </p:extLst>
+  </p:cSld>
+  <p:clrMapOvr>
+    <a:masterClrMapping/>
+  </p:clrMapOvr>
+</p:sldLayout>
+</file>
+
+<file path=ppt/slideLayouts/slideLayout26.xml><?xml version="1.0" encoding="utf-8"?>
+<p:sldLayout xmlns:a="http://schemas.openxmlformats.org/drawingml/2006/main" xmlns:r="http://schemas.openxmlformats.org/officeDocument/2006/relationships" xmlns:p="http://schemas.openxmlformats.org/presentationml/2006/main" preserve="1">
+  <p:cSld name="3 Picture Column">
+    <p:spTree>
+      <p:nvGrpSpPr>
+        <p:cNvPr id="1" name=""/>
+        <p:cNvGrpSpPr/>
+        <p:nvPr/>
+      </p:nvGrpSpPr>
+      <p:grpSpPr>
+        <a:xfrm>
+          <a:off x="0" y="0"/>
+          <a:ext cx="0" cy="0"/>
+          <a:chOff x="0" y="0"/>
+          <a:chExt cx="0" cy="0"/>
+        </a:xfrm>
+      </p:grpSpPr>
+      <p:sp>
+        <p:nvSpPr>
+          <p:cNvPr id="2" name="Title 1"/>
+          <p:cNvSpPr>
+            <a:spLocks noGrp="1"/>
+          </p:cNvSpPr>
+          <p:nvPr>
+            <p:ph type="title"/>
+          </p:nvPr>
+        </p:nvSpPr>
+        <p:spPr/>
+        <p:txBody>
+          <a:bodyPr/>
+          <a:lstStyle>
+            <a:lvl1pPr>
+              <a:defRPr sz="4200"/>
+            </a:lvl1pPr>
+          </a:lstStyle>
+          <a:p>
+            <a:r>
+              <a:rPr lang="en-US" smtClean="0"/>
+              <a:t>Click to edit Master title style</a:t>
+            </a:r>
+            <a:endParaRPr lang="en-US" dirty="0"/>
+          </a:p>
+        </p:txBody>
+      </p:sp>
+      <p:sp>
+        <p:nvSpPr>
+          <p:cNvPr id="3" name="Text Placeholder 2"/>
+          <p:cNvSpPr>
+            <a:spLocks noGrp="1"/>
+          </p:cNvSpPr>
+          <p:nvPr>
+            <p:ph type="body" idx="1"/>
+          </p:nvPr>
+        </p:nvSpPr>
+        <p:spPr>
+          <a:xfrm>
+            <a:off x="652463" y="4250949"/>
+            <a:ext cx="2940050" cy="576262"/>
+          </a:xfrm>
+        </p:spPr>
+        <p:txBody>
+          <a:bodyPr anchor="b">
+            <a:noAutofit/>
+          </a:bodyPr>
+          <a:lstStyle>
+            <a:lvl1pPr marL="0" indent="0">
+              <a:buNone/>
+              <a:defRPr sz="2400" b="0">
+                <a:solidFill>
+                  <a:schemeClr val="bg2">
+                    <a:lumMod val="40000"/>
+                    <a:lumOff val="60000"/>
+                  </a:schemeClr>
+                </a:solidFill>
+              </a:defRPr>
+            </a:lvl1pPr>
+            <a:lvl2pPr marL="457200" indent="0">
+              <a:buNone/>
+              <a:defRPr sz="2000" b="1"/>
+            </a:lvl2pPr>
+            <a:lvl3pPr marL="914400" indent="0">
+              <a:buNone/>
+              <a:defRPr sz="1800" b="1"/>
+            </a:lvl3pPr>
+            <a:lvl4pPr marL="1371600" indent="0">
+              <a:buNone/>
+              <a:defRPr sz="1600" b="1"/>
+            </a:lvl4pPr>
+            <a:lvl5pPr marL="1828800" indent="0">
+              <a:buNone/>
+              <a:defRPr sz="1600" b="1"/>
+            </a:lvl5pPr>
+            <a:lvl6pPr marL="2286000" indent="0">
+              <a:buNone/>
+              <a:defRPr sz="1600" b="1"/>
+            </a:lvl6pPr>
+            <a:lvl7pPr marL="2743200" indent="0">
+              <a:buNone/>
+              <a:defRPr sz="1600" b="1"/>
+            </a:lvl7pPr>
+            <a:lvl8pPr marL="3200400" indent="0">
+              <a:buNone/>
+              <a:defRPr sz="1600" b="1"/>
+            </a:lvl8pPr>
+            <a:lvl9pPr marL="3657600" indent="0">
+              <a:buNone/>
+              <a:defRPr sz="1600" b="1"/>
+            </a:lvl9pPr>
+          </a:lstStyle>
+          <a:p>
+            <a:pPr lvl="0"/>
+            <a:r>
+              <a:rPr lang="en-US" smtClean="0"/>
+              <a:t>Click to edit Master text styles</a:t>
+            </a:r>
+          </a:p>
+        </p:txBody>
+      </p:sp>
+      <p:sp>
+        <p:nvSpPr>
+          <p:cNvPr id="29" name="Picture Placeholder 2"/>
+          <p:cNvSpPr>
+            <a:spLocks noGrp="1" noChangeAspect="1"/>
+          </p:cNvSpPr>
+          <p:nvPr>
+            <p:ph type="pic" idx="15"/>
+          </p:nvPr>
+        </p:nvSpPr>
+        <p:spPr>
+          <a:xfrm>
+            <a:off x="652463" y="2209800"/>
+            <a:ext cx="2940050" cy="1524000"/>
+          </a:xfrm>
+          <a:prstGeom prst="roundRect">
+            <a:avLst>
+              <a:gd name="adj" fmla="val 1858"/>
+            </a:avLst>
+          </a:prstGeom>
+          <a:effectLst>
+            <a:outerShdw blurRad="50800" dist="50800" dir="5400000" algn="tl" rotWithShape="0">
+              <a:srgbClr val="000000">
+                <a:alpha val="43000"/>
+              </a:srgbClr>
+            </a:outerShdw>
+          </a:effectLst>
+        </p:spPr>
+        <p:txBody>
+          <a:bodyPr anchor="t">
+            <a:normAutofit/>
+          </a:bodyPr>
+          <a:lstStyle>
+            <a:lvl1pPr marL="0" indent="0" algn="ctr">
+              <a:buNone/>
+              <a:defRPr sz="1600"/>
+            </a:lvl1pPr>
+            <a:lvl2pPr marL="457200" indent="0">
+              <a:buNone/>
+              <a:defRPr sz="1600"/>
+            </a:lvl2pPr>
+            <a:lvl3pPr marL="914400" indent="0">
+              <a:buNone/>
+              <a:defRPr sz="1600"/>
+            </a:lvl3pPr>
+            <a:lvl4pPr marL="1371600" indent="0">
+              <a:buNone/>
+              <a:defRPr sz="1600"/>
+            </a:lvl4pPr>
+            <a:lvl5pPr marL="1828800" indent="0">
+              <a:buNone/>
+              <a:defRPr sz="1600"/>
+            </a:lvl5pPr>
+            <a:lvl6pPr marL="2286000" indent="0">
+              <a:buNone/>
+              <a:defRPr sz="1600"/>
+            </a:lvl6pPr>
+            <a:lvl7pPr marL="2743200" indent="0">
+              <a:buNone/>
+              <a:defRPr sz="1600"/>
+            </a:lvl7pPr>
+            <a:lvl8pPr marL="3200400" indent="0">
+              <a:buNone/>
+              <a:defRPr sz="1600"/>
+            </a:lvl8pPr>
+            <a:lvl9pPr marL="3657600" indent="0">
+              <a:buNone/>
+              <a:defRPr sz="1600"/>
+            </a:lvl9pPr>
+          </a:lstStyle>
+          <a:p>
+            <a:r>
+              <a:rPr lang="en-US" smtClean="0"/>
+              <a:t>Click icon to add picture</a:t>
+            </a:r>
+            <a:endParaRPr lang="en-US" dirty="0"/>
+          </a:p>
+        </p:txBody>
+      </p:sp>
+      <p:sp>
+        <p:nvSpPr>
+          <p:cNvPr id="22" name="Text Placeholder 3"/>
+          <p:cNvSpPr>
+            <a:spLocks noGrp="1"/>
+          </p:cNvSpPr>
+          <p:nvPr>
+            <p:ph type="body" sz="half" idx="18"/>
+          </p:nvPr>
+        </p:nvSpPr>
+        <p:spPr>
+          <a:xfrm>
+            <a:off x="652463" y="4827211"/>
+            <a:ext cx="2940050" cy="659189"/>
+          </a:xfrm>
+        </p:spPr>
+        <p:txBody>
+          <a:bodyPr anchor="t">
+            <a:normAutofit/>
+          </a:bodyPr>
+          <a:lstStyle>
+            <a:lvl1pPr marL="0" indent="0">
+              <a:buNone/>
+              <a:defRPr sz="1400"/>
+            </a:lvl1pPr>
+            <a:lvl2pPr marL="457200" indent="0">
+              <a:buNone/>
+              <a:defRPr sz="1200"/>
+            </a:lvl2pPr>
+            <a:lvl3pPr marL="914400" indent="0">
+              <a:buNone/>
+              <a:defRPr sz="1000"/>
+            </a:lvl3pPr>
+            <a:lvl4pPr marL="1371600" indent="0">
+              <a:buNone/>
+              <a:defRPr sz="900"/>
+            </a:lvl4pPr>
+            <a:lvl5pPr marL="1828800" indent="0">
+              <a:buNone/>
+              <a:defRPr sz="900"/>
+            </a:lvl5pPr>
+            <a:lvl6pPr marL="2286000" indent="0">
+              <a:buNone/>
+              <a:defRPr sz="900"/>
+            </a:lvl6pPr>
+            <a:lvl7pPr marL="2743200" indent="0">
+              <a:buNone/>
+              <a:defRPr sz="900"/>
+            </a:lvl7pPr>
+            <a:lvl8pPr marL="3200400" indent="0">
+              <a:buNone/>
+              <a:defRPr sz="900"/>
+            </a:lvl8pPr>
+            <a:lvl9pPr marL="3657600" indent="0">
+              <a:buNone/>
+              <a:defRPr sz="900"/>
+            </a:lvl9pPr>
+          </a:lstStyle>
+          <a:p>
+            <a:pPr lvl="0"/>
+            <a:r>
+              <a:rPr lang="en-US" smtClean="0"/>
+              <a:t>Click to edit Master text styles</a:t>
+            </a:r>
+          </a:p>
+        </p:txBody>
+      </p:sp>
+      <p:sp>
+        <p:nvSpPr>
+          <p:cNvPr id="5" name="Text Placeholder 4"/>
+          <p:cNvSpPr>
+            <a:spLocks noGrp="1"/>
+          </p:cNvSpPr>
+          <p:nvPr>
+            <p:ph type="body" sz="quarter" idx="3"/>
+          </p:nvPr>
+        </p:nvSpPr>
+        <p:spPr>
+          <a:xfrm>
+            <a:off x="3889375" y="4250949"/>
+            <a:ext cx="2930525" cy="576262"/>
+          </a:xfrm>
+        </p:spPr>
+        <p:txBody>
+          <a:bodyPr anchor="b">
+            <a:noAutofit/>
+          </a:bodyPr>
+          <a:lstStyle>
+            <a:lvl1pPr marL="0" indent="0">
+              <a:buNone/>
+              <a:defRPr sz="2400" b="0">
+                <a:solidFill>
+                  <a:schemeClr val="bg2">
+                    <a:lumMod val="40000"/>
+                    <a:lumOff val="60000"/>
+                  </a:schemeClr>
+                </a:solidFill>
+              </a:defRPr>
+            </a:lvl1pPr>
+            <a:lvl2pPr marL="457200" indent="0">
+              <a:buNone/>
+              <a:defRPr sz="2000" b="1"/>
+            </a:lvl2pPr>
+            <a:lvl3pPr marL="914400" indent="0">
+              <a:buNone/>
+              <a:defRPr sz="1800" b="1"/>
+            </a:lvl3pPr>
+            <a:lvl4pPr marL="1371600" indent="0">
+              <a:buNone/>
+              <a:defRPr sz="1600" b="1"/>
+            </a:lvl4pPr>
+            <a:lvl5pPr marL="1828800" indent="0">
+              <a:buNone/>
+              <a:defRPr sz="1600" b="1"/>
+            </a:lvl5pPr>
+            <a:lvl6pPr marL="2286000" indent="0">
+              <a:buNone/>
+              <a:defRPr sz="1600" b="1"/>
+            </a:lvl6pPr>
+            <a:lvl7pPr marL="2743200" indent="0">
+              <a:buNone/>
+              <a:defRPr sz="1600" b="1"/>
+            </a:lvl7pPr>
+            <a:lvl8pPr marL="3200400" indent="0">
+              <a:buNone/>
+              <a:defRPr sz="1600" b="1"/>
+            </a:lvl8pPr>
+            <a:lvl9pPr marL="3657600" indent="0">
+              <a:buNone/>
+              <a:defRPr sz="1600" b="1"/>
+            </a:lvl9pPr>
+          </a:lstStyle>
+          <a:p>
+            <a:pPr lvl="0"/>
+            <a:r>
+              <a:rPr lang="en-US" smtClean="0"/>
+              <a:t>Click to edit Master text styles</a:t>
+            </a:r>
+          </a:p>
+        </p:txBody>
+      </p:sp>
+      <p:sp>
+        <p:nvSpPr>
+          <p:cNvPr id="30" name="Picture Placeholder 2"/>
+          <p:cNvSpPr>
+            <a:spLocks noGrp="1" noChangeAspect="1"/>
+          </p:cNvSpPr>
+          <p:nvPr>
+            <p:ph type="pic" idx="21"/>
+          </p:nvPr>
+        </p:nvSpPr>
+        <p:spPr>
+          <a:xfrm>
+            <a:off x="3889374" y="2209800"/>
+            <a:ext cx="2930525" cy="1524000"/>
+          </a:xfrm>
+          <a:prstGeom prst="roundRect">
+            <a:avLst>
+              <a:gd name="adj" fmla="val 1858"/>
+            </a:avLst>
+          </a:prstGeom>
+          <a:effectLst>
+            <a:outerShdw blurRad="50800" dist="50800" dir="5400000" algn="tl" rotWithShape="0">
+              <a:srgbClr val="000000">
+                <a:alpha val="43000"/>
+              </a:srgbClr>
+            </a:outerShdw>
+          </a:effectLst>
+        </p:spPr>
+        <p:txBody>
+          <a:bodyPr anchor="t">
+            <a:normAutofit/>
+          </a:bodyPr>
+          <a:lstStyle>
+            <a:lvl1pPr marL="0" indent="0" algn="ctr">
+              <a:buNone/>
+              <a:defRPr sz="1600"/>
+            </a:lvl1pPr>
+            <a:lvl2pPr marL="457200" indent="0">
+              <a:buNone/>
+              <a:defRPr sz="1600"/>
+            </a:lvl2pPr>
+            <a:lvl3pPr marL="914400" indent="0">
+              <a:buNone/>
+              <a:defRPr sz="1600"/>
+            </a:lvl3pPr>
+            <a:lvl4pPr marL="1371600" indent="0">
+              <a:buNone/>
+              <a:defRPr sz="1600"/>
+            </a:lvl4pPr>
+            <a:lvl5pPr marL="1828800" indent="0">
+              <a:buNone/>
+              <a:defRPr sz="1600"/>
+            </a:lvl5pPr>
+            <a:lvl6pPr marL="2286000" indent="0">
+              <a:buNone/>
+              <a:defRPr sz="1600"/>
+            </a:lvl6pPr>
+            <a:lvl7pPr marL="2743200" indent="0">
+              <a:buNone/>
+              <a:defRPr sz="1600"/>
+            </a:lvl7pPr>
+            <a:lvl8pPr marL="3200400" indent="0">
+              <a:buNone/>
+              <a:defRPr sz="1600"/>
+            </a:lvl8pPr>
+            <a:lvl9pPr marL="3657600" indent="0">
+              <a:buNone/>
+              <a:defRPr sz="1600"/>
+            </a:lvl9pPr>
+          </a:lstStyle>
+          <a:p>
+            <a:r>
+              <a:rPr lang="en-US" smtClean="0"/>
+              <a:t>Click icon to add picture</a:t>
+            </a:r>
+            <a:endParaRPr lang="en-US" dirty="0"/>
+          </a:p>
+        </p:txBody>
+      </p:sp>
+      <p:sp>
+        <p:nvSpPr>
+          <p:cNvPr id="23" name="Text Placeholder 3"/>
+          <p:cNvSpPr>
+            <a:spLocks noGrp="1"/>
+          </p:cNvSpPr>
+          <p:nvPr>
+            <p:ph type="body" sz="half" idx="19"/>
+          </p:nvPr>
+        </p:nvSpPr>
+        <p:spPr>
+          <a:xfrm>
+            <a:off x="3888022" y="4827210"/>
+            <a:ext cx="2934406" cy="659189"/>
+          </a:xfrm>
+        </p:spPr>
+        <p:txBody>
+          <a:bodyPr anchor="t">
+            <a:normAutofit/>
+          </a:bodyPr>
+          <a:lstStyle>
+            <a:lvl1pPr marL="0" indent="0">
+              <a:buNone/>
+              <a:defRPr sz="1400"/>
+            </a:lvl1pPr>
+            <a:lvl2pPr marL="457200" indent="0">
+              <a:buNone/>
+              <a:defRPr sz="1200"/>
+            </a:lvl2pPr>
+            <a:lvl3pPr marL="914400" indent="0">
+              <a:buNone/>
+              <a:defRPr sz="1000"/>
+            </a:lvl3pPr>
+            <a:lvl4pPr marL="1371600" indent="0">
+              <a:buNone/>
+              <a:defRPr sz="900"/>
+            </a:lvl4pPr>
+            <a:lvl5pPr marL="1828800" indent="0">
+              <a:buNone/>
+              <a:defRPr sz="900"/>
+            </a:lvl5pPr>
+            <a:lvl6pPr marL="2286000" indent="0">
+              <a:buNone/>
+              <a:defRPr sz="900"/>
+            </a:lvl6pPr>
+            <a:lvl7pPr marL="2743200" indent="0">
+              <a:buNone/>
+              <a:defRPr sz="900"/>
+            </a:lvl7pPr>
+            <a:lvl8pPr marL="3200400" indent="0">
+              <a:buNone/>
+              <a:defRPr sz="900"/>
+            </a:lvl8pPr>
+            <a:lvl9pPr marL="3657600" indent="0">
+              <a:buNone/>
+              <a:defRPr sz="900"/>
+            </a:lvl9pPr>
+          </a:lstStyle>
+          <a:p>
+            <a:pPr lvl="0"/>
+            <a:r>
+              <a:rPr lang="en-US" smtClean="0"/>
+              <a:t>Click to edit Master text styles</a:t>
+            </a:r>
+          </a:p>
+        </p:txBody>
+      </p:sp>
+      <p:sp>
+        <p:nvSpPr>
+          <p:cNvPr id="14" name="Text Placeholder 4"/>
+          <p:cNvSpPr>
+            <a:spLocks noGrp="1"/>
+          </p:cNvSpPr>
+          <p:nvPr>
+            <p:ph type="body" sz="quarter" idx="13"/>
+          </p:nvPr>
+        </p:nvSpPr>
+        <p:spPr>
+          <a:xfrm>
+            <a:off x="7124700" y="4250949"/>
+            <a:ext cx="2932113" cy="576262"/>
+          </a:xfrm>
+        </p:spPr>
+        <p:txBody>
+          <a:bodyPr anchor="b">
+            <a:noAutofit/>
+          </a:bodyPr>
+          <a:lstStyle>
+            <a:lvl1pPr marL="0" indent="0">
+              <a:buNone/>
+              <a:defRPr sz="2400" b="0">
+                <a:solidFill>
+                  <a:schemeClr val="bg2">
+                    <a:lumMod val="40000"/>
+                    <a:lumOff val="60000"/>
+                  </a:schemeClr>
+                </a:solidFill>
+              </a:defRPr>
+            </a:lvl1pPr>
+            <a:lvl2pPr marL="457200" indent="0">
+              <a:buNone/>
+              <a:defRPr sz="2000" b="1"/>
+            </a:lvl2pPr>
+            <a:lvl3pPr marL="914400" indent="0">
+              <a:buNone/>
+              <a:defRPr sz="1800" b="1"/>
+            </a:lvl3pPr>
+            <a:lvl4pPr marL="1371600" indent="0">
+              <a:buNone/>
+              <a:defRPr sz="1600" b="1"/>
+            </a:lvl4pPr>
+            <a:lvl5pPr marL="1828800" indent="0">
+              <a:buNone/>
+              <a:defRPr sz="1600" b="1"/>
+            </a:lvl5pPr>
+            <a:lvl6pPr marL="2286000" indent="0">
+              <a:buNone/>
+              <a:defRPr sz="1600" b="1"/>
+            </a:lvl6pPr>
+            <a:lvl7pPr marL="2743200" indent="0">
+              <a:buNone/>
+              <a:defRPr sz="1600" b="1"/>
+            </a:lvl7pPr>
+            <a:lvl8pPr marL="3200400" indent="0">
+              <a:buNone/>
+              <a:defRPr sz="1600" b="1"/>
+            </a:lvl8pPr>
+            <a:lvl9pPr marL="3657600" indent="0">
+              <a:buNone/>
+              <a:defRPr sz="1600" b="1"/>
+            </a:lvl9pPr>
+          </a:lstStyle>
+          <a:p>
+            <a:pPr lvl="0"/>
+            <a:r>
+              <a:rPr lang="en-US" smtClean="0"/>
+              <a:t>Click to edit Master text styles</a:t>
+            </a:r>
+          </a:p>
+        </p:txBody>
+      </p:sp>
+      <p:sp>
+        <p:nvSpPr>
+          <p:cNvPr id="31" name="Picture Placeholder 2"/>
+          <p:cNvSpPr>
+            <a:spLocks noGrp="1" noChangeAspect="1"/>
+          </p:cNvSpPr>
+          <p:nvPr>
+            <p:ph type="pic" idx="22"/>
+          </p:nvPr>
+        </p:nvSpPr>
+        <p:spPr>
+          <a:xfrm>
+            <a:off x="7124699" y="2209800"/>
+            <a:ext cx="2932113" cy="1524000"/>
+          </a:xfrm>
+          <a:prstGeom prst="roundRect">
+            <a:avLst>
+              <a:gd name="adj" fmla="val 1858"/>
+            </a:avLst>
+          </a:prstGeom>
+          <a:effectLst>
+            <a:outerShdw blurRad="50800" dist="50800" dir="5400000" algn="tl" rotWithShape="0">
+              <a:srgbClr val="000000">
+                <a:alpha val="43000"/>
+              </a:srgbClr>
+            </a:outerShdw>
+          </a:effectLst>
+        </p:spPr>
+        <p:txBody>
+          <a:bodyPr anchor="t">
+            <a:normAutofit/>
+          </a:bodyPr>
+          <a:lstStyle>
+            <a:lvl1pPr marL="0" indent="0" algn="ctr">
+              <a:buNone/>
+              <a:defRPr sz="1600"/>
+            </a:lvl1pPr>
+            <a:lvl2pPr marL="457200" indent="0">
+              <a:buNone/>
+              <a:defRPr sz="1600"/>
+            </a:lvl2pPr>
+            <a:lvl3pPr marL="914400" indent="0">
+              <a:buNone/>
+              <a:defRPr sz="1600"/>
+            </a:lvl3pPr>
+            <a:lvl4pPr marL="1371600" indent="0">
+              <a:buNone/>
+              <a:defRPr sz="1600"/>
+            </a:lvl4pPr>
+            <a:lvl5pPr marL="1828800" indent="0">
+              <a:buNone/>
+              <a:defRPr sz="1600"/>
+            </a:lvl5pPr>
+            <a:lvl6pPr marL="2286000" indent="0">
+              <a:buNone/>
+              <a:defRPr sz="1600"/>
+            </a:lvl6pPr>
+            <a:lvl7pPr marL="2743200" indent="0">
+              <a:buNone/>
+              <a:defRPr sz="1600"/>
+            </a:lvl7pPr>
+            <a:lvl8pPr marL="3200400" indent="0">
+              <a:buNone/>
+              <a:defRPr sz="1600"/>
+            </a:lvl8pPr>
+            <a:lvl9pPr marL="3657600" indent="0">
+              <a:buNone/>
+              <a:defRPr sz="1600"/>
+            </a:lvl9pPr>
+          </a:lstStyle>
+          <a:p>
+            <a:r>
+              <a:rPr lang="en-US" smtClean="0"/>
+              <a:t>Click icon to add picture</a:t>
+            </a:r>
+            <a:endParaRPr lang="en-US" dirty="0"/>
+          </a:p>
+        </p:txBody>
+      </p:sp>
+      <p:sp>
+        <p:nvSpPr>
+          <p:cNvPr id="24" name="Text Placeholder 3"/>
+          <p:cNvSpPr>
+            <a:spLocks noGrp="1"/>
+          </p:cNvSpPr>
+          <p:nvPr>
+            <p:ph type="body" sz="half" idx="20"/>
+          </p:nvPr>
+        </p:nvSpPr>
+        <p:spPr>
+          <a:xfrm>
+            <a:off x="7124575" y="4827208"/>
+            <a:ext cx="2935997" cy="659189"/>
+          </a:xfrm>
+        </p:spPr>
+        <p:txBody>
+          <a:bodyPr anchor="t">
+            <a:normAutofit/>
+          </a:bodyPr>
+          <a:lstStyle>
+            <a:lvl1pPr marL="0" indent="0">
+              <a:buNone/>
+              <a:defRPr sz="1400"/>
+            </a:lvl1pPr>
+            <a:lvl2pPr marL="457200" indent="0">
+              <a:buNone/>
+              <a:defRPr sz="1200"/>
+            </a:lvl2pPr>
+            <a:lvl3pPr marL="914400" indent="0">
+              <a:buNone/>
+              <a:defRPr sz="1000"/>
+            </a:lvl3pPr>
+            <a:lvl4pPr marL="1371600" indent="0">
+              <a:buNone/>
+              <a:defRPr sz="900"/>
+            </a:lvl4pPr>
+            <a:lvl5pPr marL="1828800" indent="0">
+              <a:buNone/>
+              <a:defRPr sz="900"/>
+            </a:lvl5pPr>
+            <a:lvl6pPr marL="2286000" indent="0">
+              <a:buNone/>
+              <a:defRPr sz="900"/>
+            </a:lvl6pPr>
+            <a:lvl7pPr marL="2743200" indent="0">
+              <a:buNone/>
+              <a:defRPr sz="900"/>
+            </a:lvl7pPr>
+            <a:lvl8pPr marL="3200400" indent="0">
+              <a:buNone/>
+              <a:defRPr sz="900"/>
+            </a:lvl8pPr>
+            <a:lvl9pPr marL="3657600" indent="0">
+              <a:buNone/>
+              <a:defRPr sz="900"/>
+            </a:lvl9pPr>
+          </a:lstStyle>
+          <a:p>
+            <a:pPr lvl="0"/>
+            <a:r>
+              <a:rPr lang="en-US" smtClean="0"/>
+              <a:t>Click to edit Master text styles</a:t>
+            </a:r>
+          </a:p>
+        </p:txBody>
+      </p:sp>
+      <p:cxnSp>
+        <p:nvCxnSpPr>
+          <p:cNvPr id="19" name="Straight Connector 18"/>
+          <p:cNvCxnSpPr/>
+          <p:nvPr/>
+        </p:nvCxnSpPr>
+        <p:spPr>
+          <a:xfrm>
+            <a:off x="3726142" y="2133600"/>
+            <a:ext cx="0" cy="3962400"/>
+          </a:xfrm>
+          <a:prstGeom prst="line">
+            <a:avLst/>
+          </a:prstGeom>
+          <a:ln w="12700" cmpd="sng">
+            <a:solidFill>
+              <a:schemeClr val="bg2">
+                <a:lumMod val="40000"/>
+                <a:lumOff val="60000"/>
+                <a:alpha val="40000"/>
+              </a:schemeClr>
+            </a:solidFill>
+          </a:ln>
+        </p:spPr>
+        <p:style>
+          <a:lnRef idx="2">
+            <a:schemeClr val="accent1"/>
+          </a:lnRef>
+          <a:fillRef idx="0">
+            <a:schemeClr val="accent1"/>
+          </a:fillRef>
+          <a:effectRef idx="1">
+            <a:schemeClr val="accent1"/>
+          </a:effectRef>
+          <a:fontRef idx="minor">
+            <a:schemeClr val="tx1"/>
+          </a:fontRef>
+        </p:style>
+      </p:cxnSp>
+      <p:cxnSp>
+        <p:nvCxnSpPr>
+          <p:cNvPr id="20" name="Straight Connector 19"/>
+          <p:cNvCxnSpPr/>
+          <p:nvPr/>
+        </p:nvCxnSpPr>
+        <p:spPr>
+          <a:xfrm>
+            <a:off x="6962227" y="2133600"/>
+            <a:ext cx="0" cy="3966882"/>
+          </a:xfrm>
+          <a:prstGeom prst="line">
+            <a:avLst/>
+          </a:prstGeom>
+          <a:ln w="12700" cmpd="sng">
+            <a:solidFill>
+              <a:schemeClr val="bg2">
+                <a:lumMod val="40000"/>
+                <a:lumOff val="60000"/>
+                <a:alpha val="40000"/>
+              </a:schemeClr>
+            </a:solidFill>
+          </a:ln>
+        </p:spPr>
+        <p:style>
+          <a:lnRef idx="2">
+            <a:schemeClr val="accent1"/>
+          </a:lnRef>
+          <a:fillRef idx="0">
+            <a:schemeClr val="accent1"/>
+          </a:fillRef>
+          <a:effectRef idx="1">
+            <a:schemeClr val="accent1"/>
+          </a:effectRef>
+          <a:fontRef idx="minor">
+            <a:schemeClr val="tx1"/>
+          </a:fontRef>
+        </p:style>
+      </p:cxnSp>
+      <p:sp>
+        <p:nvSpPr>
+          <p:cNvPr id="7" name="Date Placeholder 3"/>
+          <p:cNvSpPr>
+            <a:spLocks noGrp="1"/>
+          </p:cNvSpPr>
+          <p:nvPr>
+            <p:ph type="dt" sz="half" idx="10"/>
+          </p:nvPr>
+        </p:nvSpPr>
+        <p:spPr/>
+        <p:txBody>
+          <a:bodyPr/>
+          <a:lstStyle/>
+          <a:p>
+            <a:fld id="{E2142342-42DB-494C-ACCA-FC7D78E55948}" type="datetimeFigureOut">
+              <a:rPr lang="en-US" smtClean="0"/>
+              <a:t>4/17/2016</a:t>
+            </a:fld>
+            <a:endParaRPr lang="en-US"/>
+          </a:p>
+        </p:txBody>
+      </p:sp>
+      <p:sp>
+        <p:nvSpPr>
+          <p:cNvPr id="4" name="Footer Placeholder 4"/>
+          <p:cNvSpPr>
+            <a:spLocks noGrp="1"/>
+          </p:cNvSpPr>
+          <p:nvPr>
+            <p:ph type="ftr" sz="quarter" idx="11"/>
+          </p:nvPr>
+        </p:nvSpPr>
+        <p:spPr/>
+        <p:txBody>
+          <a:bodyPr/>
+          <a:lstStyle/>
+          <a:p>
+            <a:endParaRPr lang="en-US"/>
+          </a:p>
+        </p:txBody>
+      </p:sp>
+      <p:sp>
+        <p:nvSpPr>
+          <p:cNvPr id="6" name="Slide Number Placeholder 5"/>
+          <p:cNvSpPr>
+            <a:spLocks noGrp="1"/>
+          </p:cNvSpPr>
+          <p:nvPr>
+            <p:ph type="sldNum" sz="quarter" idx="12"/>
+          </p:nvPr>
+        </p:nvSpPr>
+        <p:spPr/>
+        <p:txBody>
+          <a:bodyPr/>
+          <a:lstStyle/>
+          <a:p>
+            <a:fld id="{8806B2D3-2E0E-46BD-9FD9-4DD987055ADE}" type="slidenum">
+              <a:rPr lang="en-US" smtClean="0"/>
+              <a:t>‹#›</a:t>
+            </a:fld>
+            <a:endParaRPr lang="en-US"/>
+          </a:p>
+        </p:txBody>
+      </p:sp>
+    </p:spTree>
+    <p:extLst>
+      <p:ext uri="{BB962C8B-B14F-4D97-AF65-F5344CB8AC3E}">
+        <p14:creationId xmlns:p14="http://schemas.microsoft.com/office/powerpoint/2010/main" val="1115968096"/>
+      </p:ext>
+    </p:extLst>
+  </p:cSld>
+  <p:clrMapOvr>
+    <a:masterClrMapping/>
+  </p:clrMapOvr>
+</p:sldLayout>
+</file>
+
+<file path=ppt/slideLayouts/slideLayout27.xml><?xml version="1.0" encoding="utf-8"?>
+<p:sldLayout xmlns:a="http://schemas.openxmlformats.org/drawingml/2006/main" xmlns:r="http://schemas.openxmlformats.org/officeDocument/2006/relationships" xmlns:p="http://schemas.openxmlformats.org/presentationml/2006/main" type="vertTx" preserve="1">
+  <p:cSld name="Title and Vertical Text">
+    <p:spTree>
+      <p:nvGrpSpPr>
+        <p:cNvPr id="1" name=""/>
+        <p:cNvGrpSpPr/>
+        <p:nvPr/>
+      </p:nvGrpSpPr>
+      <p:grpSpPr>
+        <a:xfrm>
+          <a:off x="0" y="0"/>
+          <a:ext cx="0" cy="0"/>
+          <a:chOff x="0" y="0"/>
+          <a:chExt cx="0" cy="0"/>
+        </a:xfrm>
+      </p:grpSpPr>
+      <p:sp>
+        <p:nvSpPr>
+          <p:cNvPr id="2" name="Title 1"/>
+          <p:cNvSpPr>
+            <a:spLocks noGrp="1"/>
+          </p:cNvSpPr>
+          <p:nvPr>
+            <p:ph type="title"/>
+          </p:nvPr>
+        </p:nvSpPr>
+        <p:spPr/>
+        <p:txBody>
+          <a:bodyPr/>
+          <a:lstStyle/>
+          <a:p>
+            <a:r>
+              <a:rPr lang="en-US" smtClean="0"/>
+              <a:t>Click to edit Master title style</a:t>
+            </a:r>
+            <a:endParaRPr lang="en-US" dirty="0"/>
+          </a:p>
+        </p:txBody>
+      </p:sp>
+      <p:sp>
+        <p:nvSpPr>
+          <p:cNvPr id="3" name="Vertical Text Placeholder 2"/>
+          <p:cNvSpPr>
+            <a:spLocks noGrp="1"/>
+          </p:cNvSpPr>
+          <p:nvPr>
+            <p:ph type="body" orient="vert" idx="1"/>
+          </p:nvPr>
+        </p:nvSpPr>
+        <p:spPr/>
+        <p:txBody>
+          <a:bodyPr vert="eaVert" anchor="t" anchorCtr="0"/>
+          <a:lstStyle/>
+          <a:p>
+            <a:pPr lvl="0"/>
+            <a:r>
+              <a:rPr lang="en-US" smtClean="0"/>
+              <a:t>Click to edit Master text styles</a:t>
+            </a:r>
+          </a:p>
+          <a:p>
+            <a:pPr lvl="1"/>
+            <a:r>
+              <a:rPr lang="en-US" smtClean="0"/>
+              <a:t>Second level</a:t>
+            </a:r>
+          </a:p>
+          <a:p>
+            <a:pPr lvl="2"/>
+            <a:r>
+              <a:rPr lang="en-US" smtClean="0"/>
+              <a:t>Third level</a:t>
+            </a:r>
+          </a:p>
+          <a:p>
+            <a:pPr lvl="3"/>
+            <a:r>
+              <a:rPr lang="en-US" smtClean="0"/>
+              <a:t>Fourth level</a:t>
+            </a:r>
+          </a:p>
+          <a:p>
+            <a:pPr lvl="4"/>
+            <a:r>
+              <a:rPr lang="en-US" smtClean="0"/>
+              <a:t>Fifth level</a:t>
+            </a:r>
+            <a:endParaRPr lang="en-US" dirty="0"/>
+          </a:p>
+        </p:txBody>
+      </p:sp>
+      <p:sp>
+        <p:nvSpPr>
+          <p:cNvPr id="4" name="Date Placeholder 3"/>
+          <p:cNvSpPr>
+            <a:spLocks noGrp="1"/>
+          </p:cNvSpPr>
+          <p:nvPr>
+            <p:ph type="dt" sz="half" idx="10"/>
+          </p:nvPr>
+        </p:nvSpPr>
+        <p:spPr/>
+        <p:txBody>
+          <a:bodyPr/>
+          <a:lstStyle/>
+          <a:p>
+            <a:fld id="{E2142342-42DB-494C-ACCA-FC7D78E55948}" type="datetimeFigureOut">
+              <a:rPr lang="en-US" smtClean="0"/>
+              <a:t>4/17/2016</a:t>
+            </a:fld>
+            <a:endParaRPr lang="en-US"/>
+          </a:p>
+        </p:txBody>
+      </p:sp>
+      <p:sp>
+        <p:nvSpPr>
+          <p:cNvPr id="5" name="Footer Placeholder 4"/>
+          <p:cNvSpPr>
+            <a:spLocks noGrp="1"/>
+          </p:cNvSpPr>
+          <p:nvPr>
+            <p:ph type="ftr" sz="quarter" idx="11"/>
+          </p:nvPr>
+        </p:nvSpPr>
+        <p:spPr/>
+        <p:txBody>
+          <a:bodyPr/>
+          <a:lstStyle/>
+          <a:p>
+            <a:endParaRPr lang="en-US"/>
+          </a:p>
+        </p:txBody>
+      </p:sp>
+      <p:sp>
+        <p:nvSpPr>
+          <p:cNvPr id="6" name="Slide Number Placeholder 5"/>
+          <p:cNvSpPr>
+            <a:spLocks noGrp="1"/>
+          </p:cNvSpPr>
+          <p:nvPr>
+            <p:ph type="sldNum" sz="quarter" idx="12"/>
+          </p:nvPr>
+        </p:nvSpPr>
+        <p:spPr/>
+        <p:txBody>
+          <a:bodyPr/>
+          <a:lstStyle/>
+          <a:p>
+            <a:fld id="{8806B2D3-2E0E-46BD-9FD9-4DD987055ADE}" type="slidenum">
+              <a:rPr lang="en-US" smtClean="0"/>
+              <a:t>‹#›</a:t>
+            </a:fld>
+            <a:endParaRPr lang="en-US"/>
+          </a:p>
+        </p:txBody>
+      </p:sp>
+    </p:spTree>
+    <p:extLst>
+      <p:ext uri="{BB962C8B-B14F-4D97-AF65-F5344CB8AC3E}">
+        <p14:creationId xmlns:p14="http://schemas.microsoft.com/office/powerpoint/2010/main" val="3838318913"/>
+      </p:ext>
+    </p:extLst>
+  </p:cSld>
+  <p:clrMapOvr>
+    <a:masterClrMapping/>
+  </p:clrMapOvr>
+</p:sldLayout>
+</file>
+
+<file path=ppt/slideLayouts/slideLayout28.xml><?xml version="1.0" encoding="utf-8"?>
+<p:sldLayout xmlns:a="http://schemas.openxmlformats.org/drawingml/2006/main" xmlns:r="http://schemas.openxmlformats.org/officeDocument/2006/relationships" xmlns:p="http://schemas.openxmlformats.org/presentationml/2006/main" type="vertTitleAndTx" preserve="1">
+  <p:cSld name="Vertical Title and Text">
+    <p:spTree>
+      <p:nvGrpSpPr>
+        <p:cNvPr id="1" name=""/>
+        <p:cNvGrpSpPr/>
+        <p:nvPr/>
+      </p:nvGrpSpPr>
+      <p:grpSpPr>
+        <a:xfrm>
+          <a:off x="0" y="0"/>
+          <a:ext cx="0" cy="0"/>
+          <a:chOff x="0" y="0"/>
+          <a:chExt cx="0" cy="0"/>
+        </a:xfrm>
+      </p:grpSpPr>
+      <p:sp>
+        <p:nvSpPr>
+          <p:cNvPr id="2" name="Vertical Title 1"/>
+          <p:cNvSpPr>
+            <a:spLocks noGrp="1"/>
+          </p:cNvSpPr>
+          <p:nvPr>
+            <p:ph type="title" orient="vert"/>
+          </p:nvPr>
+        </p:nvSpPr>
+        <p:spPr>
+          <a:xfrm>
+            <a:off x="8304212" y="430213"/>
+            <a:ext cx="1752601" cy="5826125"/>
+          </a:xfrm>
+        </p:spPr>
+        <p:txBody>
+          <a:bodyPr vert="eaVert" anchor="b" anchorCtr="0"/>
+          <a:lstStyle/>
+          <a:p>
+            <a:r>
+              <a:rPr lang="en-US" smtClean="0"/>
+              <a:t>Click to edit Master title style</a:t>
+            </a:r>
+            <a:endParaRPr lang="en-US" dirty="0"/>
+          </a:p>
+        </p:txBody>
+      </p:sp>
+      <p:sp>
+        <p:nvSpPr>
+          <p:cNvPr id="3" name="Vertical Text Placeholder 2"/>
+          <p:cNvSpPr>
+            <a:spLocks noGrp="1"/>
+          </p:cNvSpPr>
+          <p:nvPr>
+            <p:ph type="body" orient="vert" idx="1"/>
+          </p:nvPr>
+        </p:nvSpPr>
+        <p:spPr>
+          <a:xfrm>
+            <a:off x="652463" y="887414"/>
+            <a:ext cx="7423149" cy="5368924"/>
+          </a:xfrm>
+        </p:spPr>
+        <p:txBody>
+          <a:bodyPr vert="eaVert"/>
+          <a:lstStyle/>
+          <a:p>
+            <a:pPr lvl="0"/>
+            <a:r>
+              <a:rPr lang="en-US" smtClean="0"/>
+              <a:t>Click to edit Master text styles</a:t>
+            </a:r>
+          </a:p>
+          <a:p>
+            <a:pPr lvl="1"/>
+            <a:r>
+              <a:rPr lang="en-US" smtClean="0"/>
+              <a:t>Second level</a:t>
+            </a:r>
+          </a:p>
+          <a:p>
+            <a:pPr lvl="2"/>
+            <a:r>
+              <a:rPr lang="en-US" smtClean="0"/>
+              <a:t>Third level</a:t>
+            </a:r>
+          </a:p>
+          <a:p>
+            <a:pPr lvl="3"/>
+            <a:r>
+              <a:rPr lang="en-US" smtClean="0"/>
+              <a:t>Fourth level</a:t>
+            </a:r>
+          </a:p>
+          <a:p>
+            <a:pPr lvl="4"/>
+            <a:r>
+              <a:rPr lang="en-US" smtClean="0"/>
+              <a:t>Fifth level</a:t>
+            </a:r>
+            <a:endParaRPr lang="en-US" dirty="0"/>
+          </a:p>
+        </p:txBody>
+      </p:sp>
+      <p:sp>
+        <p:nvSpPr>
+          <p:cNvPr id="4" name="Date Placeholder 3"/>
+          <p:cNvSpPr>
+            <a:spLocks noGrp="1"/>
+          </p:cNvSpPr>
+          <p:nvPr>
+            <p:ph type="dt" sz="half" idx="10"/>
+          </p:nvPr>
+        </p:nvSpPr>
+        <p:spPr/>
+        <p:txBody>
+          <a:bodyPr/>
+          <a:lstStyle/>
+          <a:p>
+            <a:fld id="{E2142342-42DB-494C-ACCA-FC7D78E55948}" type="datetimeFigureOut">
+              <a:rPr lang="en-US" smtClean="0"/>
+              <a:t>4/17/2016</a:t>
+            </a:fld>
+            <a:endParaRPr lang="en-US"/>
+          </a:p>
+        </p:txBody>
+      </p:sp>
+      <p:sp>
+        <p:nvSpPr>
+          <p:cNvPr id="5" name="Footer Placeholder 4"/>
+          <p:cNvSpPr>
+            <a:spLocks noGrp="1"/>
+          </p:cNvSpPr>
+          <p:nvPr>
+            <p:ph type="ftr" sz="quarter" idx="11"/>
+          </p:nvPr>
+        </p:nvSpPr>
+        <p:spPr/>
+        <p:txBody>
+          <a:bodyPr/>
+          <a:lstStyle/>
+          <a:p>
+            <a:endParaRPr lang="en-US"/>
+          </a:p>
+        </p:txBody>
+      </p:sp>
+      <p:sp>
+        <p:nvSpPr>
+          <p:cNvPr id="6" name="Slide Number Placeholder 5"/>
+          <p:cNvSpPr>
+            <a:spLocks noGrp="1"/>
+          </p:cNvSpPr>
+          <p:nvPr>
+            <p:ph type="sldNum" sz="quarter" idx="12"/>
+          </p:nvPr>
+        </p:nvSpPr>
+        <p:spPr/>
+        <p:txBody>
+          <a:bodyPr/>
+          <a:lstStyle/>
+          <a:p>
+            <a:fld id="{8806B2D3-2E0E-46BD-9FD9-4DD987055ADE}" type="slidenum">
+              <a:rPr lang="en-US" smtClean="0"/>
+              <a:t>‹#›</a:t>
+            </a:fld>
+            <a:endParaRPr lang="en-US"/>
+          </a:p>
+        </p:txBody>
+      </p:sp>
+    </p:spTree>
+    <p:extLst>
+      <p:ext uri="{BB962C8B-B14F-4D97-AF65-F5344CB8AC3E}">
+        <p14:creationId xmlns:p14="http://schemas.microsoft.com/office/powerpoint/2010/main" val="999784729"/>
+      </p:ext>
+    </p:extLst>
+  </p:cSld>
+  <p:clrMapOvr>
+    <a:masterClrMapping/>
+  </p:clrMapOvr>
+</p:sldLayout>
+</file>
+
+<file path=ppt/slideLayouts/slideLayout3.xml><?xml version="1.0" encoding="utf-8"?>
+<p:sldLayout xmlns:a="http://schemas.openxmlformats.org/drawingml/2006/main" xmlns:r="http://schemas.openxmlformats.org/officeDocument/2006/relationships" xmlns:p="http://schemas.openxmlformats.org/presentationml/2006/main" type="secHead" preserve="1">
+  <p:cSld name="Section Header">
+    <p:spTree>
+      <p:nvGrpSpPr>
+        <p:cNvPr id="1" name=""/>
+        <p:cNvGrpSpPr/>
+        <p:nvPr/>
+      </p:nvGrpSpPr>
+      <p:grpSpPr>
+        <a:xfrm>
+          <a:off x="0" y="0"/>
+          <a:ext cx="0" cy="0"/>
+          <a:chOff x="0" y="0"/>
+          <a:chExt cx="0" cy="0"/>
+        </a:xfrm>
+      </p:grpSpPr>
+      <p:sp>
+        <p:nvSpPr>
+          <p:cNvPr id="2" name="Title 1"/>
+          <p:cNvSpPr>
+            <a:spLocks noGrp="1"/>
+          </p:cNvSpPr>
+          <p:nvPr>
+            <p:ph type="title"/>
+          </p:nvPr>
+        </p:nvSpPr>
+        <p:spPr>
+          <a:xfrm>
+            <a:off x="831850" y="1712423"/>
+            <a:ext cx="10515600" cy="2851208"/>
+          </a:xfrm>
+        </p:spPr>
+        <p:txBody>
+          <a:bodyPr anchor="b">
+            <a:normAutofit/>
+          </a:bodyPr>
+          <a:lstStyle>
+            <a:lvl1pPr>
+              <a:defRPr sz="6000" b="0"/>
+            </a:lvl1pPr>
+          </a:lstStyle>
+          <a:p>
+            <a:r>
+              <a:rPr lang="en-US" smtClean="0"/>
+              <a:t>Click to edit Master title style</a:t>
+            </a:r>
+            <a:endParaRPr lang="en-US" dirty="0"/>
+          </a:p>
+        </p:txBody>
+      </p:sp>
+      <p:sp>
+        <p:nvSpPr>
+          <p:cNvPr id="3" name="Text Placeholder 2"/>
+          <p:cNvSpPr>
+            <a:spLocks noGrp="1"/>
+          </p:cNvSpPr>
+          <p:nvPr>
+            <p:ph type="body" idx="1"/>
+          </p:nvPr>
+        </p:nvSpPr>
+        <p:spPr>
+          <a:xfrm>
+            <a:off x="831850" y="4552633"/>
+            <a:ext cx="10515600" cy="1500187"/>
+          </a:xfrm>
+        </p:spPr>
+        <p:txBody>
+          <a:bodyPr anchor="t">
+            <a:normAutofit/>
+          </a:bodyPr>
+          <a:lstStyle>
+            <a:lvl1pPr marL="0" indent="0">
+              <a:buNone/>
+              <a:defRPr sz="2400">
+                <a:solidFill>
+                  <a:schemeClr val="tx1">
+                    <a:lumMod val="75000"/>
+                    <a:lumOff val="25000"/>
+                  </a:schemeClr>
+                </a:solidFill>
+              </a:defRPr>
+            </a:lvl1pPr>
+            <a:lvl2pPr marL="457200" indent="0">
+              <a:buNone/>
+              <a:defRPr sz="1800">
+                <a:solidFill>
+                  <a:schemeClr val="tx1">
+                    <a:tint val="75000"/>
+                  </a:schemeClr>
+                </a:solidFill>
+              </a:defRPr>
+            </a:lvl2pPr>
+            <a:lvl3pPr marL="914400" indent="0">
+              <a:buNone/>
+              <a:defRPr sz="1600">
+                <a:solidFill>
+                  <a:schemeClr val="tx1">
+                    <a:tint val="75000"/>
+                  </a:schemeClr>
+                </a:solidFill>
+              </a:defRPr>
+            </a:lvl3pPr>
+            <a:lvl4pPr marL="1371600" indent="0">
+              <a:buNone/>
+              <a:defRPr sz="1400">
+                <a:solidFill>
+                  <a:schemeClr val="tx1">
+                    <a:tint val="75000"/>
+                  </a:schemeClr>
+                </a:solidFill>
+              </a:defRPr>
+            </a:lvl4pPr>
+            <a:lvl5pPr marL="1828800" indent="0">
+              <a:buNone/>
+              <a:defRPr sz="1400">
+                <a:solidFill>
+                  <a:schemeClr val="tx1">
+                    <a:tint val="75000"/>
+                  </a:schemeClr>
+                </a:solidFill>
+              </a:defRPr>
+            </a:lvl5pPr>
+            <a:lvl6pPr marL="2286000" indent="0">
+              <a:buNone/>
+              <a:defRPr sz="1400">
+                <a:solidFill>
+                  <a:schemeClr val="tx1">
+                    <a:tint val="75000"/>
+                  </a:schemeClr>
+                </a:solidFill>
+              </a:defRPr>
+            </a:lvl6pPr>
+            <a:lvl7pPr marL="2743200" indent="0">
+              <a:buNone/>
+              <a:defRPr sz="1400">
+                <a:solidFill>
+                  <a:schemeClr val="tx1">
+                    <a:tint val="75000"/>
+                  </a:schemeClr>
+                </a:solidFill>
+              </a:defRPr>
+            </a:lvl7pPr>
+            <a:lvl8pPr marL="3200400" indent="0">
+              <a:buNone/>
+              <a:defRPr sz="1400">
+                <a:solidFill>
+                  <a:schemeClr val="tx1">
+                    <a:tint val="75000"/>
+                  </a:schemeClr>
+                </a:solidFill>
+              </a:defRPr>
+            </a:lvl8pPr>
+            <a:lvl9pPr marL="3657600" indent="0">
+              <a:buNone/>
+              <a:defRPr sz="1400">
+                <a:solidFill>
+                  <a:schemeClr val="tx1">
+                    <a:tint val="75000"/>
+                  </a:schemeClr>
+                </a:solidFill>
+              </a:defRPr>
+            </a:lvl9pPr>
+          </a:lstStyle>
+          <a:p>
+            <a:pPr lvl="0"/>
+            <a:r>
+              <a:rPr lang="en-US" smtClean="0"/>
+              <a:t>Click to edit Master text styles</a:t>
+            </a:r>
+          </a:p>
+        </p:txBody>
+      </p:sp>
+      <p:sp>
+        <p:nvSpPr>
+          <p:cNvPr id="4" name="Date Placeholder 3"/>
+          <p:cNvSpPr>
+            <a:spLocks noGrp="1"/>
+          </p:cNvSpPr>
+          <p:nvPr>
+            <p:ph type="dt" sz="half" idx="10"/>
+          </p:nvPr>
+        </p:nvSpPr>
+        <p:spPr/>
+        <p:txBody>
+          <a:bodyPr/>
+          <a:lstStyle/>
+          <a:p>
+            <a:fld id="{E2142342-42DB-494C-ACCA-FC7D78E55948}" type="datetimeFigureOut">
+              <a:rPr lang="en-US" smtClean="0"/>
+              <a:t>4/17/2016</a:t>
+            </a:fld>
+            <a:endParaRPr lang="en-US"/>
+          </a:p>
+        </p:txBody>
+      </p:sp>
+      <p:sp>
+        <p:nvSpPr>
+          <p:cNvPr id="5" name="Footer Placeholder 4"/>
+          <p:cNvSpPr>
+            <a:spLocks noGrp="1"/>
+          </p:cNvSpPr>
+          <p:nvPr>
+            <p:ph type="ftr" sz="quarter" idx="11"/>
+          </p:nvPr>
+        </p:nvSpPr>
+        <p:spPr/>
+        <p:txBody>
+          <a:bodyPr/>
+          <a:lstStyle/>
+          <a:p>
+            <a:endParaRPr lang="en-US"/>
+          </a:p>
+        </p:txBody>
+      </p:sp>
+      <p:sp>
+        <p:nvSpPr>
+          <p:cNvPr id="6" name="Slide Number Placeholder 5"/>
+          <p:cNvSpPr>
+            <a:spLocks noGrp="1"/>
+          </p:cNvSpPr>
+          <p:nvPr>
+            <p:ph type="sldNum" sz="quarter" idx="12"/>
+          </p:nvPr>
+        </p:nvSpPr>
+        <p:spPr/>
+        <p:txBody>
+          <a:bodyPr/>
+          <a:lstStyle/>
+          <a:p>
+            <a:fld id="{8806B2D3-2E0E-46BD-9FD9-4DD987055ADE}" type="slidenum">
+              <a:rPr lang="en-US" smtClean="0"/>
+              <a:t>‹#›</a:t>
+            </a:fld>
+            <a:endParaRPr lang="en-US"/>
+          </a:p>
+        </p:txBody>
+      </p:sp>
+    </p:spTree>
+    <p:extLst>
+      <p:ext uri="{BB962C8B-B14F-4D97-AF65-F5344CB8AC3E}">
+        <p14:creationId xmlns:p14="http://schemas.microsoft.com/office/powerpoint/2010/main" val="3011713230"/>
+      </p:ext>
+    </p:extLst>
+  </p:cSld>
+  <p:clrMapOvr>
+    <a:masterClrMapping/>
+  </p:clrMapOvr>
+</p:sldLayout>
+</file>
+
+<file path=ppt/slideLayouts/slideLayout4.xml><?xml version="1.0" encoding="utf-8"?>
+<p:sldLayout xmlns:a="http://schemas.openxmlformats.org/drawingml/2006/main" xmlns:r="http://schemas.openxmlformats.org/officeDocument/2006/relationships" xmlns:p="http://schemas.openxmlformats.org/presentationml/2006/main" type="twoObj" preserve="1">
+  <p:cSld name="Two Content">
+    <p:spTree>
+      <p:nvGrpSpPr>
+        <p:cNvPr id="1" name=""/>
+        <p:cNvGrpSpPr/>
+        <p:nvPr/>
+      </p:nvGrpSpPr>
+      <p:grpSpPr>
+        <a:xfrm>
+          <a:off x="0" y="0"/>
+          <a:ext cx="0" cy="0"/>
+          <a:chOff x="0" y="0"/>
+          <a:chExt cx="0" cy="0"/>
+        </a:xfrm>
+      </p:grpSpPr>
+      <p:sp>
+        <p:nvSpPr>
+          <p:cNvPr id="2" name="Title 1"/>
+          <p:cNvSpPr>
+            <a:spLocks noGrp="1"/>
+          </p:cNvSpPr>
+          <p:nvPr>
+            <p:ph type="title"/>
+          </p:nvPr>
+        </p:nvSpPr>
+        <p:spPr/>
+        <p:txBody>
+          <a:bodyPr/>
+          <a:lstStyle/>
+          <a:p>
+            <a:r>
+              <a:rPr lang="en-US" smtClean="0"/>
+              <a:t>Click to edit Master title style</a:t>
+            </a:r>
+            <a:endParaRPr lang="en-US" dirty="0"/>
+          </a:p>
+        </p:txBody>
+      </p:sp>
+      <p:sp>
+        <p:nvSpPr>
+          <p:cNvPr id="3" name="Content Placeholder 2"/>
+          <p:cNvSpPr>
+            <a:spLocks noGrp="1"/>
+          </p:cNvSpPr>
+          <p:nvPr>
+            <p:ph sz="half" idx="1"/>
+          </p:nvPr>
+        </p:nvSpPr>
+        <p:spPr>
+          <a:xfrm>
+            <a:off x="845127" y="1828800"/>
+            <a:ext cx="5181600" cy="4351337"/>
+          </a:xfrm>
+        </p:spPr>
+        <p:txBody>
+          <a:bodyPr/>
+          <a:lstStyle/>
+          <a:p>
+            <a:pPr lvl="0"/>
+            <a:r>
+              <a:rPr lang="en-US" smtClean="0"/>
+              <a:t>Click to edit Master text styles</a:t>
+            </a:r>
+          </a:p>
+          <a:p>
+            <a:pPr lvl="1"/>
+            <a:r>
+              <a:rPr lang="en-US" smtClean="0"/>
+              <a:t>Second level</a:t>
+            </a:r>
+          </a:p>
+          <a:p>
+            <a:pPr lvl="2"/>
+            <a:r>
+              <a:rPr lang="en-US" smtClean="0"/>
+              <a:t>Third level</a:t>
+            </a:r>
+          </a:p>
+          <a:p>
+            <a:pPr lvl="3"/>
+            <a:r>
+              <a:rPr lang="en-US" smtClean="0"/>
+              <a:t>Fourth level</a:t>
+            </a:r>
+          </a:p>
+          <a:p>
+            <a:pPr lvl="4"/>
+            <a:r>
+              <a:rPr lang="en-US" smtClean="0"/>
+              <a:t>Fifth level</a:t>
+            </a:r>
+            <a:endParaRPr lang="en-US" dirty="0"/>
+          </a:p>
+        </p:txBody>
+      </p:sp>
+      <p:sp>
+        <p:nvSpPr>
+          <p:cNvPr id="4" name="Content Placeholder 3"/>
+          <p:cNvSpPr>
+            <a:spLocks noGrp="1"/>
+          </p:cNvSpPr>
+          <p:nvPr>
+            <p:ph sz="half" idx="2"/>
+          </p:nvPr>
+        </p:nvSpPr>
+        <p:spPr>
+          <a:xfrm>
+            <a:off x="6172200" y="1828800"/>
+            <a:ext cx="5181600" cy="4351337"/>
+          </a:xfrm>
+        </p:spPr>
+        <p:txBody>
+          <a:bodyPr/>
+          <a:lstStyle/>
+          <a:p>
+            <a:pPr lvl="0"/>
+            <a:r>
+              <a:rPr lang="en-US" smtClean="0"/>
+              <a:t>Click to edit Master text styles</a:t>
+            </a:r>
+          </a:p>
+          <a:p>
+            <a:pPr lvl="1"/>
+            <a:r>
+              <a:rPr lang="en-US" smtClean="0"/>
+              <a:t>Second level</a:t>
+            </a:r>
+          </a:p>
+          <a:p>
+            <a:pPr lvl="2"/>
+            <a:r>
+              <a:rPr lang="en-US" smtClean="0"/>
+              <a:t>Third level</a:t>
+            </a:r>
+          </a:p>
+          <a:p>
+            <a:pPr lvl="3"/>
+            <a:r>
+              <a:rPr lang="en-US" smtClean="0"/>
+              <a:t>Fourth level</a:t>
+            </a:r>
+          </a:p>
+          <a:p>
+            <a:pPr lvl="4"/>
+            <a:r>
+              <a:rPr lang="en-US" smtClean="0"/>
+              <a:t>Fifth level</a:t>
+            </a:r>
+            <a:endParaRPr lang="en-US" dirty="0"/>
+          </a:p>
+        </p:txBody>
+      </p:sp>
+      <p:sp>
+        <p:nvSpPr>
+          <p:cNvPr id="5" name="Date Placeholder 4"/>
+          <p:cNvSpPr>
+            <a:spLocks noGrp="1"/>
+          </p:cNvSpPr>
+          <p:nvPr>
+            <p:ph type="dt" sz="half" idx="10"/>
+          </p:nvPr>
+        </p:nvSpPr>
+        <p:spPr/>
+        <p:txBody>
+          <a:bodyPr/>
+          <a:lstStyle/>
+          <a:p>
+            <a:fld id="{E2142342-42DB-494C-ACCA-FC7D78E55948}" type="datetimeFigureOut">
+              <a:rPr lang="en-US" smtClean="0"/>
+              <a:t>4/17/2016</a:t>
+            </a:fld>
+            <a:endParaRPr lang="en-US"/>
+          </a:p>
+        </p:txBody>
+      </p:sp>
+      <p:sp>
+        <p:nvSpPr>
+          <p:cNvPr id="6" name="Footer Placeholder 5"/>
+          <p:cNvSpPr>
+            <a:spLocks noGrp="1"/>
+          </p:cNvSpPr>
+          <p:nvPr>
+            <p:ph type="ftr" sz="quarter" idx="11"/>
+          </p:nvPr>
+        </p:nvSpPr>
+        <p:spPr/>
+        <p:txBody>
+          <a:bodyPr/>
+          <a:lstStyle/>
+          <a:p>
+            <a:endParaRPr lang="en-US"/>
+          </a:p>
+        </p:txBody>
+      </p:sp>
+      <p:sp>
+        <p:nvSpPr>
+          <p:cNvPr id="7" name="Slide Number Placeholder 6"/>
+          <p:cNvSpPr>
+            <a:spLocks noGrp="1"/>
+          </p:cNvSpPr>
+          <p:nvPr>
+            <p:ph type="sldNum" sz="quarter" idx="12"/>
+          </p:nvPr>
+        </p:nvSpPr>
+        <p:spPr/>
+        <p:txBody>
+          <a:bodyPr/>
+          <a:lstStyle/>
+          <a:p>
+            <a:fld id="{8806B2D3-2E0E-46BD-9FD9-4DD987055ADE}" type="slidenum">
+              <a:rPr lang="en-US" smtClean="0"/>
+              <a:t>‹#›</a:t>
+            </a:fld>
+            <a:endParaRPr lang="en-US"/>
+          </a:p>
+        </p:txBody>
+      </p:sp>
+    </p:spTree>
+    <p:extLst>
+      <p:ext uri="{BB962C8B-B14F-4D97-AF65-F5344CB8AC3E}">
+        <p14:creationId xmlns:p14="http://schemas.microsoft.com/office/powerpoint/2010/main" val="3535848197"/>
+      </p:ext>
+    </p:extLst>
+  </p:cSld>
+  <p:clrMapOvr>
+    <a:masterClrMapping/>
+  </p:clrMapOvr>
+</p:sldLayout>
+</file>
+
+<file path=ppt/slideLayouts/slideLayout5.xml><?xml version="1.0" encoding="utf-8"?>
+<p:sldLayout xmlns:a="http://schemas.openxmlformats.org/drawingml/2006/main" xmlns:r="http://schemas.openxmlformats.org/officeDocument/2006/relationships" xmlns:p="http://schemas.openxmlformats.org/presentationml/2006/main" preserve="1">
+  <p:cSld name="Comparison">
+    <p:spTree>
+      <p:nvGrpSpPr>
+        <p:cNvPr id="1" name=""/>
+        <p:cNvGrpSpPr/>
+        <p:nvPr/>
+      </p:nvGrpSpPr>
+      <p:grpSpPr>
+        <a:xfrm>
+          <a:off x="0" y="0"/>
+          <a:ext cx="0" cy="0"/>
+          <a:chOff x="0" y="0"/>
+          <a:chExt cx="0" cy="0"/>
+        </a:xfrm>
+      </p:grpSpPr>
+      <p:sp>
+        <p:nvSpPr>
+          <p:cNvPr id="3" name="Text Placeholder 2"/>
+          <p:cNvSpPr>
+            <a:spLocks noGrp="1"/>
+          </p:cNvSpPr>
+          <p:nvPr>
+            <p:ph type="body" idx="1"/>
+          </p:nvPr>
+        </p:nvSpPr>
+        <p:spPr>
+          <a:xfrm>
+            <a:off x="845127" y="1681850"/>
+            <a:ext cx="5156200" cy="825699"/>
+          </a:xfrm>
+        </p:spPr>
+        <p:txBody>
+          <a:bodyPr anchor="b">
+            <a:normAutofit/>
+          </a:bodyPr>
+          <a:lstStyle>
+            <a:lvl1pPr marL="0" indent="0">
+              <a:spcBef>
+                <a:spcPts val="0"/>
+              </a:spcBef>
+              <a:buNone/>
+              <a:defRPr sz="2400" b="1"/>
+            </a:lvl1pPr>
+            <a:lvl2pPr marL="457200" indent="0">
+              <a:buNone/>
+              <a:defRPr sz="2000" b="1"/>
+            </a:lvl2pPr>
+            <a:lvl3pPr marL="914400" indent="0">
+              <a:buNone/>
+              <a:defRPr sz="1800" b="1"/>
+            </a:lvl3pPr>
+            <a:lvl4pPr marL="1371600" indent="0">
+              <a:buNone/>
+              <a:defRPr sz="1600" b="1"/>
+            </a:lvl4pPr>
+            <a:lvl5pPr marL="1828800" indent="0">
+              <a:buNone/>
+              <a:defRPr sz="1600" b="1"/>
+            </a:lvl5pPr>
+            <a:lvl6pPr marL="2286000" indent="0">
+              <a:buNone/>
+              <a:defRPr sz="1600" b="1"/>
+            </a:lvl6pPr>
+            <a:lvl7pPr marL="2743200" indent="0">
+              <a:buNone/>
+              <a:defRPr sz="1600" b="1"/>
+            </a:lvl7pPr>
+            <a:lvl8pPr marL="3200400" indent="0">
+              <a:buNone/>
+              <a:defRPr sz="1600" b="1"/>
+            </a:lvl8pPr>
+            <a:lvl9pPr marL="3657600" indent="0">
+              <a:buNone/>
+              <a:defRPr sz="1600" b="1"/>
+            </a:lvl9pPr>
+          </a:lstStyle>
+          <a:p>
+            <a:pPr lvl="0"/>
+            <a:r>
+              <a:rPr lang="en-US" smtClean="0"/>
+              <a:t>Click to edit Master text styles</a:t>
+            </a:r>
+          </a:p>
+        </p:txBody>
+      </p:sp>
+      <p:sp>
+        <p:nvSpPr>
+          <p:cNvPr id="4" name="Content Placeholder 3"/>
+          <p:cNvSpPr>
+            <a:spLocks noGrp="1"/>
+          </p:cNvSpPr>
+          <p:nvPr>
+            <p:ph sz="half" idx="2"/>
+          </p:nvPr>
+        </p:nvSpPr>
+        <p:spPr>
+          <a:xfrm>
+            <a:off x="845127" y="2507550"/>
+            <a:ext cx="5156200" cy="3680525"/>
+          </a:xfrm>
+        </p:spPr>
+        <p:txBody>
+          <a:bodyPr/>
+          <a:lstStyle/>
+          <a:p>
+            <a:pPr lvl="0"/>
+            <a:r>
+              <a:rPr lang="en-US" smtClean="0"/>
+              <a:t>Click to edit Master text styles</a:t>
+            </a:r>
+          </a:p>
+          <a:p>
+            <a:pPr lvl="1"/>
+            <a:r>
+              <a:rPr lang="en-US" smtClean="0"/>
+              <a:t>Second level</a:t>
+            </a:r>
+          </a:p>
+          <a:p>
+            <a:pPr lvl="2"/>
+            <a:r>
+              <a:rPr lang="en-US" smtClean="0"/>
+              <a:t>Third level</a:t>
+            </a:r>
+          </a:p>
+          <a:p>
+            <a:pPr lvl="3"/>
+            <a:r>
+              <a:rPr lang="en-US" smtClean="0"/>
+              <a:t>Fourth level</a:t>
+            </a:r>
+          </a:p>
+          <a:p>
+            <a:pPr lvl="4"/>
+            <a:r>
+              <a:rPr lang="en-US" smtClean="0"/>
+              <a:t>Fifth level</a:t>
+            </a:r>
+            <a:endParaRPr lang="en-US" dirty="0"/>
+          </a:p>
+        </p:txBody>
+      </p:sp>
+      <p:sp>
+        <p:nvSpPr>
+          <p:cNvPr id="5" name="Text Placeholder 4"/>
+          <p:cNvSpPr>
+            <a:spLocks noGrp="1"/>
+          </p:cNvSpPr>
+          <p:nvPr>
+            <p:ph type="body" sz="quarter" idx="3"/>
+          </p:nvPr>
+        </p:nvSpPr>
+        <p:spPr>
+          <a:xfrm>
+            <a:off x="6172200" y="1681851"/>
+            <a:ext cx="5181601" cy="825698"/>
+          </a:xfrm>
+        </p:spPr>
+        <p:txBody>
+          <a:bodyPr anchor="b"/>
+          <a:lstStyle>
+            <a:lvl1pPr marL="0" indent="0">
+              <a:spcBef>
+                <a:spcPts val="0"/>
+              </a:spcBef>
+              <a:buNone/>
+              <a:defRPr sz="2400" b="1"/>
+            </a:lvl1pPr>
+            <a:lvl2pPr marL="457200" indent="0">
+              <a:buNone/>
+              <a:defRPr sz="2000" b="1"/>
+            </a:lvl2pPr>
+            <a:lvl3pPr marL="914400" indent="0">
+              <a:buNone/>
+              <a:defRPr sz="1800" b="1"/>
+            </a:lvl3pPr>
+            <a:lvl4pPr marL="1371600" indent="0">
+              <a:buNone/>
+              <a:defRPr sz="1600" b="1"/>
+            </a:lvl4pPr>
+            <a:lvl5pPr marL="1828800" indent="0">
+              <a:buNone/>
+              <a:defRPr sz="1600" b="1"/>
+            </a:lvl5pPr>
+            <a:lvl6pPr marL="2286000" indent="0">
+              <a:buNone/>
+              <a:defRPr sz="1600" b="1"/>
+            </a:lvl6pPr>
+            <a:lvl7pPr marL="2743200" indent="0">
+              <a:buNone/>
+              <a:defRPr sz="1600" b="1"/>
+            </a:lvl7pPr>
+            <a:lvl8pPr marL="3200400" indent="0">
+              <a:buNone/>
+              <a:defRPr sz="1600" b="1"/>
+            </a:lvl8pPr>
+            <a:lvl9pPr marL="3657600" indent="0">
+              <a:buNone/>
+              <a:defRPr sz="1600" b="1"/>
+            </a:lvl9pPr>
+          </a:lstStyle>
+          <a:p>
+            <a:pPr lvl="0"/>
+            <a:r>
+              <a:rPr lang="en-US" smtClean="0"/>
+              <a:t>Click to edit Master text styles</a:t>
+            </a:r>
+          </a:p>
+        </p:txBody>
+      </p:sp>
+      <p:sp>
+        <p:nvSpPr>
+          <p:cNvPr id="6" name="Content Placeholder 5"/>
+          <p:cNvSpPr>
+            <a:spLocks noGrp="1"/>
+          </p:cNvSpPr>
+          <p:nvPr>
+            <p:ph sz="quarter" idx="4"/>
+          </p:nvPr>
+        </p:nvSpPr>
+        <p:spPr>
+          <a:xfrm>
+            <a:off x="6172200" y="2507550"/>
+            <a:ext cx="5181601" cy="3680525"/>
+          </a:xfrm>
+        </p:spPr>
+        <p:txBody>
+          <a:bodyPr/>
+          <a:lstStyle/>
+          <a:p>
+            <a:pPr lvl="0"/>
+            <a:r>
+              <a:rPr lang="en-US" smtClean="0"/>
+              <a:t>Click to edit Master text styles</a:t>
+            </a:r>
+          </a:p>
+          <a:p>
+            <a:pPr lvl="1"/>
+            <a:r>
+              <a:rPr lang="en-US" smtClean="0"/>
+              <a:t>Second level</a:t>
+            </a:r>
+          </a:p>
+          <a:p>
+            <a:pPr lvl="2"/>
+            <a:r>
+              <a:rPr lang="en-US" smtClean="0"/>
+              <a:t>Third level</a:t>
+            </a:r>
+          </a:p>
+          <a:p>
+            <a:pPr lvl="3"/>
+            <a:r>
+              <a:rPr lang="en-US" smtClean="0"/>
+              <a:t>Fourth level</a:t>
+            </a:r>
+          </a:p>
+          <a:p>
+            <a:pPr lvl="4"/>
+            <a:r>
+              <a:rPr lang="en-US" smtClean="0"/>
+              <a:t>Fifth level</a:t>
+            </a:r>
+            <a:endParaRPr lang="en-US"/>
+          </a:p>
+        </p:txBody>
+      </p:sp>
+      <p:sp>
+        <p:nvSpPr>
+          <p:cNvPr id="7" name="Date Placeholder 6"/>
+          <p:cNvSpPr>
+            <a:spLocks noGrp="1"/>
+          </p:cNvSpPr>
+          <p:nvPr>
+            <p:ph type="dt" sz="half" idx="10"/>
+          </p:nvPr>
+        </p:nvSpPr>
+        <p:spPr/>
+        <p:txBody>
+          <a:bodyPr/>
+          <a:lstStyle/>
+          <a:p>
+            <a:fld id="{E2142342-42DB-494C-ACCA-FC7D78E55948}" type="datetimeFigureOut">
+              <a:rPr lang="en-US" smtClean="0"/>
+              <a:t>4/17/2016</a:t>
+            </a:fld>
+            <a:endParaRPr lang="en-US"/>
+          </a:p>
+        </p:txBody>
+      </p:sp>
+      <p:sp>
+        <p:nvSpPr>
+          <p:cNvPr id="8" name="Footer Placeholder 7"/>
+          <p:cNvSpPr>
+            <a:spLocks noGrp="1"/>
+          </p:cNvSpPr>
+          <p:nvPr>
+            <p:ph type="ftr" sz="quarter" idx="11"/>
+          </p:nvPr>
+        </p:nvSpPr>
+        <p:spPr/>
+        <p:txBody>
+          <a:bodyPr/>
+          <a:lstStyle/>
+          <a:p>
+            <a:endParaRPr lang="en-US"/>
+          </a:p>
+        </p:txBody>
+      </p:sp>
+      <p:sp>
+        <p:nvSpPr>
+          <p:cNvPr id="9" name="Slide Number Placeholder 8"/>
+          <p:cNvSpPr>
+            <a:spLocks noGrp="1"/>
+          </p:cNvSpPr>
+          <p:nvPr>
+            <p:ph type="sldNum" sz="quarter" idx="12"/>
+          </p:nvPr>
+        </p:nvSpPr>
+        <p:spPr/>
+        <p:txBody>
+          <a:bodyPr/>
+          <a:lstStyle/>
+          <a:p>
+            <a:fld id="{8806B2D3-2E0E-46BD-9FD9-4DD987055ADE}" type="slidenum">
+              <a:rPr lang="en-US" smtClean="0"/>
+              <a:t>‹#›</a:t>
+            </a:fld>
+            <a:endParaRPr lang="en-US"/>
+          </a:p>
+        </p:txBody>
+      </p:sp>
+      <p:sp>
+        <p:nvSpPr>
+          <p:cNvPr id="10" name="Title 9"/>
+          <p:cNvSpPr>
+            <a:spLocks noGrp="1"/>
+          </p:cNvSpPr>
+          <p:nvPr>
+            <p:ph type="title"/>
+          </p:nvPr>
+        </p:nvSpPr>
+        <p:spPr/>
+        <p:txBody>
+          <a:bodyPr/>
+          <a:lstStyle/>
+          <a:p>
+            <a:r>
+              <a:rPr lang="en-US" smtClean="0"/>
+              <a:t>Click to edit Master title style</a:t>
+            </a:r>
+            <a:endParaRPr lang="en-US" dirty="0"/>
+          </a:p>
+        </p:txBody>
+      </p:sp>
+    </p:spTree>
+    <p:extLst>
+      <p:ext uri="{BB962C8B-B14F-4D97-AF65-F5344CB8AC3E}">
+        <p14:creationId xmlns:p14="http://schemas.microsoft.com/office/powerpoint/2010/main" val="1132665855"/>
+      </p:ext>
+    </p:extLst>
+  </p:cSld>
+  <p:clrMapOvr>
+    <a:masterClrMapping/>
+  </p:clrMapOvr>
+</p:sldLayout>
+</file>
+
+<file path=ppt/slideLayouts/slideLayout6.xml><?xml version="1.0" encoding="utf-8"?>
+<p:sldLayout xmlns:a="http://schemas.openxmlformats.org/drawingml/2006/main" xmlns:r="http://schemas.openxmlformats.org/officeDocument/2006/relationships" xmlns:p="http://schemas.openxmlformats.org/presentationml/2006/main" preserve="1">
+  <p:cSld name="Title Only">
+    <p:spTree>
+      <p:nvGrpSpPr>
+        <p:cNvPr id="1" name=""/>
+        <p:cNvGrpSpPr/>
+        <p:nvPr/>
+      </p:nvGrpSpPr>
+      <p:grpSpPr>
+        <a:xfrm>
+          <a:off x="0" y="0"/>
+          <a:ext cx="0" cy="0"/>
+          <a:chOff x="0" y="0"/>
+          <a:chExt cx="0" cy="0"/>
+        </a:xfrm>
+      </p:grpSpPr>
+      <p:sp>
+        <p:nvSpPr>
+          <p:cNvPr id="3" name="Date Placeholder 2"/>
+          <p:cNvSpPr>
+            <a:spLocks noGrp="1"/>
+          </p:cNvSpPr>
+          <p:nvPr>
+            <p:ph type="dt" sz="half" idx="10"/>
+          </p:nvPr>
+        </p:nvSpPr>
+        <p:spPr/>
+        <p:txBody>
+          <a:bodyPr/>
+          <a:lstStyle/>
+          <a:p>
+            <a:fld id="{E2142342-42DB-494C-ACCA-FC7D78E55948}" type="datetimeFigureOut">
+              <a:rPr lang="en-US" smtClean="0"/>
+              <a:t>4/17/2016</a:t>
+            </a:fld>
+            <a:endParaRPr lang="en-US"/>
+          </a:p>
+        </p:txBody>
+      </p:sp>
+      <p:sp>
+        <p:nvSpPr>
+          <p:cNvPr id="4" name="Footer Placeholder 3"/>
+          <p:cNvSpPr>
+            <a:spLocks noGrp="1"/>
+          </p:cNvSpPr>
+          <p:nvPr>
+            <p:ph type="ftr" sz="quarter" idx="11"/>
+          </p:nvPr>
+        </p:nvSpPr>
+        <p:spPr/>
+        <p:txBody>
+          <a:bodyPr/>
+          <a:lstStyle/>
+          <a:p>
+            <a:endParaRPr lang="en-US"/>
+          </a:p>
+        </p:txBody>
+      </p:sp>
+      <p:sp>
+        <p:nvSpPr>
+          <p:cNvPr id="5" name="Slide Number Placeholder 4"/>
+          <p:cNvSpPr>
+            <a:spLocks noGrp="1"/>
+          </p:cNvSpPr>
+          <p:nvPr>
+            <p:ph type="sldNum" sz="quarter" idx="12"/>
+          </p:nvPr>
+        </p:nvSpPr>
+        <p:spPr/>
+        <p:txBody>
+          <a:bodyPr/>
+          <a:lstStyle/>
+          <a:p>
+            <a:fld id="{8806B2D3-2E0E-46BD-9FD9-4DD987055ADE}" type="slidenum">
+              <a:rPr lang="en-US" smtClean="0"/>
+              <a:t>‹#›</a:t>
+            </a:fld>
+            <a:endParaRPr lang="en-US"/>
+          </a:p>
+        </p:txBody>
+      </p:sp>
+      <p:sp>
+        <p:nvSpPr>
+          <p:cNvPr id="6" name="Title 5"/>
+          <p:cNvSpPr>
+            <a:spLocks noGrp="1"/>
+          </p:cNvSpPr>
+          <p:nvPr>
+            <p:ph type="title"/>
+          </p:nvPr>
+        </p:nvSpPr>
+        <p:spPr/>
+        <p:txBody>
+          <a:bodyPr/>
+          <a:lstStyle/>
+          <a:p>
+            <a:r>
+              <a:rPr lang="en-US" smtClean="0"/>
+              <a:t>Click to edit Master title style</a:t>
+            </a:r>
+            <a:endParaRPr lang="en-US"/>
+          </a:p>
+        </p:txBody>
+      </p:sp>
+    </p:spTree>
+    <p:extLst>
+      <p:ext uri="{BB962C8B-B14F-4D97-AF65-F5344CB8AC3E}">
+        <p14:creationId xmlns:p14="http://schemas.microsoft.com/office/powerpoint/2010/main" val="3014222026"/>
+      </p:ext>
+    </p:extLst>
+  </p:cSld>
+  <p:clrMapOvr>
+    <a:masterClrMapping/>
+  </p:clrMapOvr>
+</p:sldLayout>
+</file>
+
+<file path=ppt/slideLayouts/slideLayout7.xml><?xml version="1.0" encoding="utf-8"?>
+<p:sldLayout xmlns:a="http://schemas.openxmlformats.org/drawingml/2006/main" xmlns:r="http://schemas.openxmlformats.org/officeDocument/2006/relationships" xmlns:p="http://schemas.openxmlformats.org/presentationml/2006/main" type="blank" preserve="1">
+  <p:cSld name="Blank">
+    <p:spTree>
+      <p:nvGrpSpPr>
+        <p:cNvPr id="1" name=""/>
+        <p:cNvGrpSpPr/>
+        <p:nvPr/>
+      </p:nvGrpSpPr>
+      <p:grpSpPr>
+        <a:xfrm>
+          <a:off x="0" y="0"/>
+          <a:ext cx="0" cy="0"/>
+          <a:chOff x="0" y="0"/>
+          <a:chExt cx="0" cy="0"/>
+        </a:xfrm>
+      </p:grpSpPr>
+      <p:sp>
+        <p:nvSpPr>
+          <p:cNvPr id="2" name="Date Placeholder 1"/>
+          <p:cNvSpPr>
+            <a:spLocks noGrp="1"/>
+          </p:cNvSpPr>
+          <p:nvPr>
+            <p:ph type="dt" sz="half" idx="10"/>
+          </p:nvPr>
+        </p:nvSpPr>
+        <p:spPr/>
+        <p:txBody>
+          <a:bodyPr/>
+          <a:lstStyle/>
+          <a:p>
+            <a:fld id="{E2142342-42DB-494C-ACCA-FC7D78E55948}" type="datetimeFigureOut">
+              <a:rPr lang="en-US" smtClean="0"/>
+              <a:t>4/17/2016</a:t>
+            </a:fld>
+            <a:endParaRPr lang="en-US"/>
+          </a:p>
+        </p:txBody>
+      </p:sp>
+      <p:sp>
+        <p:nvSpPr>
+          <p:cNvPr id="3" name="Footer Placeholder 2"/>
+          <p:cNvSpPr>
+            <a:spLocks noGrp="1"/>
+          </p:cNvSpPr>
+          <p:nvPr>
+            <p:ph type="ftr" sz="quarter" idx="11"/>
+          </p:nvPr>
+        </p:nvSpPr>
+        <p:spPr/>
+        <p:txBody>
+          <a:bodyPr/>
+          <a:lstStyle/>
+          <a:p>
+            <a:endParaRPr lang="en-US"/>
+          </a:p>
+        </p:txBody>
+      </p:sp>
+      <p:sp>
+        <p:nvSpPr>
+          <p:cNvPr id="4" name="Slide Number Placeholder 3"/>
+          <p:cNvSpPr>
+            <a:spLocks noGrp="1"/>
+          </p:cNvSpPr>
+          <p:nvPr>
+            <p:ph type="sldNum" sz="quarter" idx="12"/>
+          </p:nvPr>
+        </p:nvSpPr>
+        <p:spPr/>
+        <p:txBody>
+          <a:bodyPr/>
+          <a:lstStyle/>
+          <a:p>
+            <a:fld id="{8806B2D3-2E0E-46BD-9FD9-4DD987055ADE}" type="slidenum">
+              <a:rPr lang="en-US" smtClean="0"/>
+              <a:t>‹#›</a:t>
+            </a:fld>
+            <a:endParaRPr lang="en-US"/>
+          </a:p>
+        </p:txBody>
+      </p:sp>
+    </p:spTree>
+    <p:extLst>
+      <p:ext uri="{BB962C8B-B14F-4D97-AF65-F5344CB8AC3E}">
+        <p14:creationId xmlns:p14="http://schemas.microsoft.com/office/powerpoint/2010/main" val="1219472173"/>
+      </p:ext>
+    </p:extLst>
+  </p:cSld>
+  <p:clrMapOvr>
+    <a:masterClrMapping/>
+  </p:clrMapOvr>
+</p:sldLayout>
+</file>
+
+<file path=ppt/slideLayouts/slideLayout8.xml><?xml version="1.0" encoding="utf-8"?>
+<p:sldLayout xmlns:a="http://schemas.openxmlformats.org/drawingml/2006/main" xmlns:r="http://schemas.openxmlformats.org/officeDocument/2006/relationships" xmlns:p="http://schemas.openxmlformats.org/presentationml/2006/main" type="objTx" preserve="1">
+  <p:cSld name="Content with Caption">
+    <p:spTree>
+      <p:nvGrpSpPr>
+        <p:cNvPr id="1" name=""/>
+        <p:cNvGrpSpPr/>
+        <p:nvPr/>
+      </p:nvGrpSpPr>
+      <p:grpSpPr>
+        <a:xfrm>
+          <a:off x="0" y="0"/>
+          <a:ext cx="0" cy="0"/>
+          <a:chOff x="0" y="0"/>
+          <a:chExt cx="0" cy="0"/>
+        </a:xfrm>
+      </p:grpSpPr>
+      <p:sp>
+        <p:nvSpPr>
+          <p:cNvPr id="2" name="Title 1"/>
+          <p:cNvSpPr>
+            <a:spLocks noGrp="1"/>
+          </p:cNvSpPr>
+          <p:nvPr>
+            <p:ph type="title"/>
+          </p:nvPr>
+        </p:nvSpPr>
+        <p:spPr>
+          <a:xfrm>
+            <a:off x="841248" y="457200"/>
+            <a:ext cx="3931920" cy="1600197"/>
+          </a:xfrm>
+        </p:spPr>
+        <p:txBody>
+          <a:bodyPr anchor="b">
+            <a:normAutofit/>
+          </a:bodyPr>
+          <a:lstStyle>
+            <a:lvl1pPr>
+              <a:defRPr sz="3200" b="0"/>
+            </a:lvl1pPr>
+          </a:lstStyle>
+          <a:p>
+            <a:r>
+              <a:rPr lang="en-US" smtClean="0"/>
+              <a:t>Click to edit Master title style</a:t>
+            </a:r>
+            <a:endParaRPr lang="en-US" dirty="0"/>
+          </a:p>
+        </p:txBody>
+      </p:sp>
+      <p:sp>
+        <p:nvSpPr>
+          <p:cNvPr id="3" name="Content Placeholder 2"/>
+          <p:cNvSpPr>
+            <a:spLocks noGrp="1"/>
+          </p:cNvSpPr>
+          <p:nvPr>
+            <p:ph idx="1"/>
+          </p:nvPr>
+        </p:nvSpPr>
+        <p:spPr>
+          <a:xfrm>
+            <a:off x="5181600" y="990600"/>
+            <a:ext cx="6172200" cy="4876800"/>
+          </a:xfrm>
+        </p:spPr>
+        <p:txBody>
+          <a:bodyPr/>
+          <a:lstStyle>
+            <a:lvl1pPr>
+              <a:defRPr sz="3200"/>
+            </a:lvl1pPr>
+            <a:lvl2pPr>
+              <a:defRPr sz="2800"/>
+            </a:lvl2pPr>
+            <a:lvl3pPr>
+              <a:defRPr sz="2400"/>
+            </a:lvl3pPr>
+            <a:lvl4pPr>
+              <a:defRPr sz="2000"/>
+            </a:lvl4pPr>
+            <a:lvl5pPr>
+              <a:defRPr sz="2000"/>
+            </a:lvl5pPr>
+            <a:lvl6pPr>
+              <a:defRPr sz="2000"/>
+            </a:lvl6pPr>
+            <a:lvl7pPr>
+              <a:defRPr sz="2000"/>
+            </a:lvl7pPr>
+            <a:lvl8pPr>
+              <a:defRPr sz="2000"/>
+            </a:lvl8pPr>
+            <a:lvl9pPr>
+              <a:defRPr sz="2000"/>
+            </a:lvl9pPr>
+          </a:lstStyle>
+          <a:p>
+            <a:pPr lvl="0"/>
+            <a:r>
+              <a:rPr lang="en-US" smtClean="0"/>
+              <a:t>Click to edit Master text styles</a:t>
+            </a:r>
+          </a:p>
+          <a:p>
+            <a:pPr lvl="1"/>
+            <a:r>
+              <a:rPr lang="en-US" smtClean="0"/>
+              <a:t>Second level</a:t>
+            </a:r>
+          </a:p>
+          <a:p>
+            <a:pPr lvl="2"/>
+            <a:r>
+              <a:rPr lang="en-US" smtClean="0"/>
+              <a:t>Third level</a:t>
+            </a:r>
+          </a:p>
+          <a:p>
+            <a:pPr lvl="3"/>
+            <a:r>
+              <a:rPr lang="en-US" smtClean="0"/>
+              <a:t>Fourth level</a:t>
+            </a:r>
+          </a:p>
+          <a:p>
+            <a:pPr lvl="4"/>
+            <a:r>
+              <a:rPr lang="en-US" smtClean="0"/>
+              <a:t>Fifth level</a:t>
+            </a:r>
+            <a:endParaRPr lang="en-US" dirty="0"/>
+          </a:p>
+        </p:txBody>
+      </p:sp>
+      <p:sp>
+        <p:nvSpPr>
+          <p:cNvPr id="4" name="Text Placeholder 3"/>
+          <p:cNvSpPr>
+            <a:spLocks noGrp="1"/>
+          </p:cNvSpPr>
+          <p:nvPr>
+            <p:ph type="body" sz="half" idx="2"/>
+          </p:nvPr>
+        </p:nvSpPr>
+        <p:spPr>
+          <a:xfrm>
+            <a:off x="841248" y="2057399"/>
+            <a:ext cx="3931920" cy="3810001"/>
           </a:xfrm>
         </p:spPr>
         <p:txBody>
@@ -2323,13 +7145,10 @@
           <a:lstStyle>
             <a:lvl1pPr marL="0" indent="0">
               <a:lnSpc>
-                <a:spcPct val="114000"/>
+                <a:spcPct val="90000"/>
               </a:lnSpc>
-              <a:spcBef>
-                <a:spcPts val="800"/>
-              </a:spcBef>
-              <a:buNone/>
-              <a:defRPr sz="1300"/>
+              <a:buNone/>
+              <a:defRPr sz="1600"/>
             </a:lvl1pPr>
             <a:lvl2pPr marL="457200" indent="0">
               <a:buNone/>
@@ -2441,7 +7260,7 @@
     </p:spTree>
     <p:extLst>
       <p:ext uri="{BB962C8B-B14F-4D97-AF65-F5344CB8AC3E}">
-        <p14:creationId xmlns:p14="http://schemas.microsoft.com/office/powerpoint/2010/main" val="1669300245"/>
+        <p14:creationId xmlns:p14="http://schemas.microsoft.com/office/powerpoint/2010/main" val="3675056459"/>
       </p:ext>
     </p:extLst>
   </p:cSld>
@@ -2470,56 +7289,18 @@
       </p:grpSpPr>
       <p:sp>
         <p:nvSpPr>
-          <p:cNvPr id="8" name="Rectangle 7"/>
-          <p:cNvSpPr/>
-          <p:nvPr/>
+          <p:cNvPr id="2" name="Title 1"/>
+          <p:cNvSpPr>
+            <a:spLocks noGrp="1"/>
+          </p:cNvSpPr>
+          <p:nvPr>
+            <p:ph type="title"/>
+          </p:nvPr>
         </p:nvSpPr>
         <p:spPr>
           <a:xfrm>
-            <a:off x="0" y="5105400"/>
-            <a:ext cx="11292840" cy="1752600"/>
-          </a:xfrm>
-          <a:prstGeom prst="rect">
-            <a:avLst/>
-          </a:prstGeom>
-          <a:solidFill>
-            <a:srgbClr val="000000"/>
-          </a:solidFill>
-          <a:ln>
-            <a:noFill/>
-          </a:ln>
-        </p:spPr>
-        <p:style>
-          <a:lnRef idx="2">
-            <a:schemeClr val="accent1">
-              <a:shade val="50000"/>
-            </a:schemeClr>
-          </a:lnRef>
-          <a:fillRef idx="1">
-            <a:schemeClr val="accent1"/>
-          </a:fillRef>
-          <a:effectRef idx="0">
-            <a:schemeClr val="accent1"/>
-          </a:effectRef>
-          <a:fontRef idx="minor">
-            <a:schemeClr val="lt1"/>
-          </a:fontRef>
-        </p:style>
-      </p:sp>
-      <p:sp>
-        <p:nvSpPr>
-          <p:cNvPr id="2" name="Title 1"/>
-          <p:cNvSpPr>
-            <a:spLocks noGrp="1"/>
-          </p:cNvSpPr>
-          <p:nvPr>
-            <p:ph type="title"/>
-          </p:nvPr>
-        </p:nvSpPr>
-        <p:spPr>
-          <a:xfrm>
-            <a:off x="914400" y="5257800"/>
-            <a:ext cx="9982200" cy="914400"/>
+            <a:off x="841248" y="457200"/>
+            <a:ext cx="3931920" cy="1600200"/>
           </a:xfrm>
         </p:spPr>
         <p:txBody>
@@ -2528,11 +7309,7 @@
           </a:bodyPr>
           <a:lstStyle>
             <a:lvl1pPr>
-              <a:defRPr sz="2800" b="0">
-                <a:solidFill>
-                  <a:schemeClr val="bg1"/>
-                </a:solidFill>
-              </a:defRPr>
+              <a:defRPr sz="3200" b="0"/>
             </a:lvl1pPr>
           </a:lstStyle>
           <a:p>
@@ -2548,7 +7325,7 @@
         <p:nvSpPr>
           <p:cNvPr id="3" name="Picture Placeholder 2"/>
           <p:cNvSpPr>
-            <a:spLocks noGrp="1" noChangeAspect="1"/>
+            <a:spLocks noGrp="1"/>
           </p:cNvSpPr>
           <p:nvPr>
             <p:ph type="pic" idx="1"/>
@@ -2556,23 +7333,16 @@
         </p:nvSpPr>
         <p:spPr>
           <a:xfrm>
-            <a:off x="0" y="0"/>
-            <a:ext cx="11292840" cy="5128923"/>
+            <a:off x="5181600" y="990600"/>
+            <a:ext cx="6172200" cy="4876800"/>
           </a:xfrm>
-          <a:solidFill>
-            <a:schemeClr val="accent1"/>
-          </a:solidFill>
         </p:spPr>
         <p:txBody>
-          <a:bodyPr anchor="t"/>
+          <a:bodyPr/>
           <a:lstStyle>
             <a:lvl1pPr marL="0" indent="0">
               <a:buNone/>
-              <a:defRPr sz="3200">
-                <a:solidFill>
-                  <a:schemeClr val="bg1"/>
-                </a:solidFill>
-              </a:defRPr>
+              <a:defRPr sz="3200"/>
             </a:lvl1pPr>
             <a:lvl2pPr marL="457200" indent="0">
               <a:buNone/>
@@ -2628,8 +7398,8 @@
         </p:nvSpPr>
         <p:spPr>
           <a:xfrm>
-            <a:off x="914400" y="6108589"/>
-            <a:ext cx="9982200" cy="597011"/>
+            <a:off x="841248" y="2057400"/>
+            <a:ext cx="3931920" cy="3810000"/>
           </a:xfrm>
         </p:spPr>
         <p:txBody>
@@ -2639,19 +7409,10 @@
           <a:lstStyle>
             <a:lvl1pPr marL="0" indent="0">
               <a:lnSpc>
-                <a:spcPct val="100000"/>
+                <a:spcPct val="90000"/>
               </a:lnSpc>
-              <a:spcBef>
-                <a:spcPts val="800"/>
-              </a:spcBef>
-              <a:buNone/>
-              <a:defRPr sz="1300">
-                <a:solidFill>
-                  <a:schemeClr val="bg1">
-                    <a:lumMod val="85000"/>
-                  </a:schemeClr>
-                </a:solidFill>
-              </a:defRPr>
+              <a:buNone/>
+              <a:defRPr sz="1600"/>
             </a:lvl1pPr>
             <a:lvl2pPr marL="457200" indent="0">
               <a:buNone/>
@@ -2763,7 +7524,7 @@
     </p:spTree>
     <p:extLst>
       <p:ext uri="{BB962C8B-B14F-4D97-AF65-F5344CB8AC3E}">
-        <p14:creationId xmlns:p14="http://schemas.microsoft.com/office/powerpoint/2010/main" val="2166115214"/>
+        <p14:creationId xmlns:p14="http://schemas.microsoft.com/office/powerpoint/2010/main" val="2291377742"/>
       </p:ext>
     </p:extLst>
   </p:cSld>
@@ -2774,7 +7535,7 @@
 </file>
 
 <file path=ppt/slideMasters/slideMaster1.xml><?xml version="1.0" encoding="utf-8"?>
-<p:sldMaster xmlns:a="http://schemas.openxmlformats.org/drawingml/2006/main" xmlns:r="http://schemas.openxmlformats.org/officeDocument/2006/relationships" xmlns:p="http://schemas.openxmlformats.org/presentationml/2006/main">
+<p:sldMaster xmlns:a="http://schemas.openxmlformats.org/drawingml/2006/main" xmlns:r="http://schemas.openxmlformats.org/officeDocument/2006/relationships" xmlns:p="http://schemas.openxmlformats.org/presentationml/2006/main" preserve="1">
   <p:cSld>
     <p:bg>
       <p:bgRef idx="1001">
@@ -2797,65 +7558,25 @@
       </p:grpSpPr>
       <p:sp>
         <p:nvSpPr>
-          <p:cNvPr id="7" name="Rectangle 6"/>
-          <p:cNvSpPr/>
-          <p:nvPr/>
+          <p:cNvPr id="2" name="Title Placeholder 1"/>
+          <p:cNvSpPr>
+            <a:spLocks noGrp="1"/>
+          </p:cNvSpPr>
+          <p:nvPr>
+            <p:ph type="title"/>
+          </p:nvPr>
         </p:nvSpPr>
         <p:spPr>
           <a:xfrm>
-            <a:off x="11292840" y="0"/>
-            <a:ext cx="914400" cy="6858000"/>
-          </a:xfrm>
-          <a:prstGeom prst="rect">
-            <a:avLst/>
-          </a:prstGeom>
-          <a:solidFill>
-            <a:schemeClr val="tx2">
-              <a:lumMod val="75000"/>
-            </a:schemeClr>
-          </a:solidFill>
-          <a:ln>
-            <a:noFill/>
-          </a:ln>
-        </p:spPr>
-        <p:style>
-          <a:lnRef idx="2">
-            <a:schemeClr val="accent1">
-              <a:shade val="50000"/>
-            </a:schemeClr>
-          </a:lnRef>
-          <a:fillRef idx="1">
-            <a:schemeClr val="accent1"/>
-          </a:fillRef>
-          <a:effectRef idx="0">
-            <a:schemeClr val="accent1"/>
-          </a:effectRef>
-          <a:fontRef idx="minor">
-            <a:schemeClr val="lt1"/>
-          </a:fontRef>
-        </p:style>
-      </p:sp>
-      <p:sp>
-        <p:nvSpPr>
-          <p:cNvPr id="2" name="Title Placeholder 1"/>
-          <p:cNvSpPr>
-            <a:spLocks noGrp="1"/>
-          </p:cNvSpPr>
-          <p:nvPr>
-            <p:ph type="title"/>
-          </p:nvPr>
-        </p:nvSpPr>
-        <p:spPr>
-          <a:xfrm>
-            <a:off x="1261872" y="365760"/>
-            <a:ext cx="9692640" cy="1325562"/>
+            <a:off x="845127" y="365760"/>
+            <a:ext cx="10515600" cy="1325562"/>
           </a:xfrm>
           <a:prstGeom prst="rect">
             <a:avLst/>
           </a:prstGeom>
         </p:spPr>
         <p:txBody>
-          <a:bodyPr vert="horz" lIns="91440" tIns="45720" rIns="91440" bIns="45720" rtlCol="0" anchor="b">
+          <a:bodyPr vert="horz" lIns="91440" tIns="45720" rIns="91440" bIns="45720" rtlCol="0" anchor="ctr">
             <a:normAutofit/>
           </a:bodyPr>
           <a:lstStyle/>
@@ -2880,8 +7601,8 @@
         </p:nvSpPr>
         <p:spPr>
           <a:xfrm>
-            <a:off x="1261872" y="1828800"/>
-            <a:ext cx="8595360" cy="4351337"/>
+            <a:off x="845127" y="1828800"/>
+            <a:ext cx="10515600" cy="4351337"/>
           </a:xfrm>
           <a:prstGeom prst="rect">
             <a:avLst/>
@@ -2941,9 +7662,9 @@
           </p:nvPr>
         </p:nvSpPr>
         <p:spPr>
-          <a:xfrm rot="16200000">
-            <a:off x="10797542" y="998537"/>
-            <a:ext cx="1904999" cy="365125"/>
+          <a:xfrm>
+            <a:off x="838200" y="6356350"/>
+            <a:ext cx="2743200" cy="365125"/>
           </a:xfrm>
           <a:prstGeom prst="rect">
             <a:avLst/>
@@ -2952,12 +7673,12 @@
         <p:txBody>
           <a:bodyPr vert="horz" lIns="91440" tIns="45720" rIns="91440" bIns="45720" rtlCol="0" anchor="ctr"/>
           <a:lstStyle>
-            <a:lvl1pPr algn="r">
-              <a:defRPr sz="1050" b="0">
+            <a:lvl1pPr algn="l">
+              <a:defRPr sz="1100">
                 <a:solidFill>
-                  <a:schemeClr val="tx2">
-                    <a:lumMod val="20000"/>
-                    <a:lumOff val="80000"/>
+                  <a:schemeClr val="tx1">
+                    <a:lumMod val="65000"/>
+                    <a:lumOff val="35000"/>
                   </a:schemeClr>
                 </a:solidFill>
               </a:defRPr>
@@ -2983,9 +7704,9 @@
           </p:nvPr>
         </p:nvSpPr>
         <p:spPr>
-          <a:xfrm rot="16200000">
-            <a:off x="9959341" y="4046537"/>
-            <a:ext cx="3581400" cy="365125"/>
+          <a:xfrm>
+            <a:off x="4038600" y="6356350"/>
+            <a:ext cx="4114800" cy="365125"/>
           </a:xfrm>
           <a:prstGeom prst="rect">
             <a:avLst/>
@@ -2994,12 +7715,12 @@
         <p:txBody>
           <a:bodyPr vert="horz" lIns="91440" tIns="45720" rIns="91440" bIns="45720" rtlCol="0" anchor="ctr"/>
           <a:lstStyle>
-            <a:lvl1pPr algn="l">
-              <a:defRPr sz="1050">
+            <a:lvl1pPr algn="ctr">
+              <a:defRPr sz="1100">
                 <a:solidFill>
-                  <a:schemeClr val="tx2">
-                    <a:lumMod val="20000"/>
-                    <a:lumOff val="80000"/>
+                  <a:schemeClr val="tx1">
+                    <a:lumMod val="65000"/>
+                    <a:lumOff val="35000"/>
                   </a:schemeClr>
                 </a:solidFill>
               </a:defRPr>
@@ -3022,24 +7743,21 @@
         </p:nvSpPr>
         <p:spPr>
           <a:xfrm>
-            <a:off x="11292840" y="6172200"/>
-            <a:ext cx="914400" cy="593725"/>
+            <a:off x="8617527" y="6356350"/>
+            <a:ext cx="2743200" cy="365125"/>
           </a:xfrm>
           <a:prstGeom prst="rect">
             <a:avLst/>
           </a:prstGeom>
         </p:spPr>
         <p:txBody>
-          <a:bodyPr vert="horz" lIns="45720" tIns="45720" rIns="45720" bIns="45720" rtlCol="0" anchor="ctr">
-            <a:normAutofit/>
-          </a:bodyPr>
+          <a:bodyPr vert="horz" lIns="91440" tIns="45720" rIns="91440" bIns="45720" rtlCol="0" anchor="ctr"/>
           <a:lstStyle>
-            <a:lvl1pPr algn="ctr">
-              <a:defRPr sz="3600">
+            <a:lvl1pPr algn="r">
+              <a:defRPr sz="1100">
                 <a:solidFill>
-                  <a:schemeClr val="tx2">
-                    <a:lumMod val="60000"/>
-                    <a:lumOff val="40000"/>
+                  <a:schemeClr val="tx1">
+                    <a:tint val="75000"/>
                   </a:schemeClr>
                 </a:solidFill>
               </a:defRPr>
@@ -3057,23 +7775,23 @@
     </p:spTree>
     <p:extLst>
       <p:ext uri="{BB962C8B-B14F-4D97-AF65-F5344CB8AC3E}">
-        <p14:creationId xmlns:p14="http://schemas.microsoft.com/office/powerpoint/2010/main" val="1568631734"/>
+        <p14:creationId xmlns:p14="http://schemas.microsoft.com/office/powerpoint/2010/main" val="890068806"/>
       </p:ext>
     </p:extLst>
   </p:cSld>
   <p:clrMap bg1="lt1" tx1="dk1" bg2="lt2" tx2="dk2" accent1="accent1" accent2="accent2" accent3="accent3" accent4="accent4" accent5="accent5" accent6="accent6" hlink="hlink" folHlink="folHlink"/>
   <p:sldLayoutIdLst>
-    <p:sldLayoutId id="2147483673" r:id="rId1"/>
-    <p:sldLayoutId id="2147483674" r:id="rId2"/>
-    <p:sldLayoutId id="2147483675" r:id="rId3"/>
-    <p:sldLayoutId id="2147483676" r:id="rId4"/>
-    <p:sldLayoutId id="2147483677" r:id="rId5"/>
-    <p:sldLayoutId id="2147483678" r:id="rId6"/>
-    <p:sldLayoutId id="2147483679" r:id="rId7"/>
-    <p:sldLayoutId id="2147483680" r:id="rId8"/>
-    <p:sldLayoutId id="2147483681" r:id="rId9"/>
-    <p:sldLayoutId id="2147483682" r:id="rId10"/>
-    <p:sldLayoutId id="2147483683" r:id="rId11"/>
+    <p:sldLayoutId id="2147483700" r:id="rId1"/>
+    <p:sldLayoutId id="2147483701" r:id="rId2"/>
+    <p:sldLayoutId id="2147483702" r:id="rId3"/>
+    <p:sldLayoutId id="2147483703" r:id="rId4"/>
+    <p:sldLayoutId id="2147483704" r:id="rId5"/>
+    <p:sldLayoutId id="2147483705" r:id="rId6"/>
+    <p:sldLayoutId id="2147483706" r:id="rId7"/>
+    <p:sldLayoutId id="2147483707" r:id="rId8"/>
+    <p:sldLayoutId id="2147483708" r:id="rId9"/>
+    <p:sldLayoutId id="2147483709" r:id="rId10"/>
+    <p:sldLayoutId id="2147483710" r:id="rId11"/>
   </p:sldLayoutIdLst>
   <p:txStyles>
     <p:titleStyle>
@@ -3085,7 +7803,7 @@
           <a:spcPct val="0"/>
         </a:spcBef>
         <a:buNone/>
-        <a:defRPr sz="4400" kern="1200" spc="-50" baseline="0">
+        <a:defRPr sz="4400" kern="1200">
           <a:solidFill>
             <a:schemeClr val="tx1"/>
           </a:solidFill>
@@ -3096,23 +7814,16 @@
       </a:lvl1pPr>
     </p:titleStyle>
     <p:bodyStyle>
-      <a:lvl1pPr marL="182880" indent="-182880" algn="l" defTabSz="914400" rtl="0" eaLnBrk="1" latinLnBrk="0" hangingPunct="1">
+      <a:lvl1pPr marL="228600" indent="-228600" algn="l" defTabSz="914400" rtl="0" eaLnBrk="1" latinLnBrk="0" hangingPunct="1">
         <a:lnSpc>
-          <a:spcPct val="95000"/>
+          <a:spcPct val="90000"/>
         </a:lnSpc>
         <a:spcBef>
-          <a:spcPts val="1400"/>
+          <a:spcPts val="1000"/>
         </a:spcBef>
-        <a:spcAft>
-          <a:spcPts val="200"/>
-        </a:spcAft>
-        <a:buClr>
-          <a:schemeClr val="accent1"/>
-        </a:buClr>
-        <a:buSzPct val="80000"/>
-        <a:buFont typeface="Arial" pitchFamily="34" charset="0"/>
-        <a:buChar char="•"/>
-        <a:defRPr sz="1800" kern="1200" spc="10" baseline="0">
+        <a:buFont typeface="Wingdings 2" pitchFamily="18" charset="2"/>
+        <a:buChar char=""/>
+        <a:defRPr sz="2800" kern="1200">
           <a:solidFill>
             <a:schemeClr val="tx1"/>
           </a:solidFill>
@@ -3121,216 +7832,132 @@
           <a:cs typeface="+mn-cs"/>
         </a:defRPr>
       </a:lvl1pPr>
-      <a:lvl2pPr marL="457200" indent="-182880" algn="l" defTabSz="914400" rtl="0" eaLnBrk="1" latinLnBrk="0" hangingPunct="1">
+      <a:lvl2pPr marL="685800" indent="-228600" algn="l" defTabSz="914400" rtl="0" eaLnBrk="1" latinLnBrk="0" hangingPunct="1">
         <a:lnSpc>
           <a:spcPct val="90000"/>
         </a:lnSpc>
         <a:spcBef>
-          <a:spcPts val="300"/>
+          <a:spcPts val="500"/>
         </a:spcBef>
-        <a:spcAft>
-          <a:spcPts val="300"/>
-        </a:spcAft>
-        <a:buClr>
-          <a:schemeClr val="accent1"/>
-        </a:buClr>
         <a:buFont typeface="Wingdings 2" pitchFamily="18" charset="2"/>
         <a:buChar char=""/>
-        <a:defRPr sz="1600" kern="1200">
+        <a:defRPr sz="2400" kern="1200">
           <a:solidFill>
-            <a:schemeClr val="tx1">
-              <a:lumMod val="85000"/>
-              <a:lumOff val="15000"/>
-            </a:schemeClr>
+            <a:schemeClr val="tx1"/>
           </a:solidFill>
           <a:latin typeface="+mn-lt"/>
           <a:ea typeface="+mn-ea"/>
           <a:cs typeface="+mn-cs"/>
         </a:defRPr>
       </a:lvl2pPr>
-      <a:lvl3pPr marL="731520" indent="-182880" algn="l" defTabSz="914400" rtl="0" eaLnBrk="1" latinLnBrk="0" hangingPunct="1">
+      <a:lvl3pPr marL="1143000" indent="-228600" algn="l" defTabSz="914400" rtl="0" eaLnBrk="1" latinLnBrk="0" hangingPunct="1">
         <a:lnSpc>
           <a:spcPct val="90000"/>
         </a:lnSpc>
         <a:spcBef>
-          <a:spcPts val="300"/>
+          <a:spcPts val="500"/>
         </a:spcBef>
-        <a:spcAft>
-          <a:spcPts val="300"/>
-        </a:spcAft>
-        <a:buClr>
-          <a:schemeClr val="accent1"/>
-        </a:buClr>
         <a:buFont typeface="Wingdings 2" pitchFamily="18" charset="2"/>
         <a:buChar char=""/>
-        <a:defRPr sz="1400" kern="1200">
+        <a:defRPr sz="2000" kern="1200">
           <a:solidFill>
-            <a:schemeClr val="tx1">
-              <a:lumMod val="85000"/>
-              <a:lumOff val="15000"/>
-            </a:schemeClr>
+            <a:schemeClr val="tx1"/>
           </a:solidFill>
           <a:latin typeface="+mn-lt"/>
           <a:ea typeface="+mn-ea"/>
           <a:cs typeface="+mn-cs"/>
         </a:defRPr>
       </a:lvl3pPr>
-      <a:lvl4pPr marL="1005840" indent="-182880" algn="l" defTabSz="914400" rtl="0" eaLnBrk="1" latinLnBrk="0" hangingPunct="1">
+      <a:lvl4pPr marL="1600200" indent="-228600" algn="l" defTabSz="914400" rtl="0" eaLnBrk="1" latinLnBrk="0" hangingPunct="1">
         <a:lnSpc>
           <a:spcPct val="90000"/>
         </a:lnSpc>
         <a:spcBef>
-          <a:spcPts val="300"/>
+          <a:spcPts val="500"/>
         </a:spcBef>
-        <a:spcAft>
-          <a:spcPts val="300"/>
-        </a:spcAft>
-        <a:buClr>
-          <a:schemeClr val="accent1"/>
-        </a:buClr>
         <a:buFont typeface="Wingdings 2" pitchFamily="18" charset="2"/>
         <a:buChar char=""/>
-        <a:defRPr sz="1400" kern="1200">
+        <a:defRPr sz="1800" kern="1200">
           <a:solidFill>
-            <a:schemeClr val="tx1">
-              <a:lumMod val="85000"/>
-              <a:lumOff val="15000"/>
-            </a:schemeClr>
+            <a:schemeClr val="tx1"/>
           </a:solidFill>
           <a:latin typeface="+mn-lt"/>
           <a:ea typeface="+mn-ea"/>
           <a:cs typeface="+mn-cs"/>
         </a:defRPr>
       </a:lvl4pPr>
-      <a:lvl5pPr marL="1280160" indent="-182880" algn="l" defTabSz="914400" rtl="0" eaLnBrk="1" latinLnBrk="0" hangingPunct="1">
+      <a:lvl5pPr marL="2057400" indent="-228600" algn="l" defTabSz="914400" rtl="0" eaLnBrk="1" latinLnBrk="0" hangingPunct="1">
         <a:lnSpc>
           <a:spcPct val="90000"/>
         </a:lnSpc>
         <a:spcBef>
-          <a:spcPts val="300"/>
+          <a:spcPts val="500"/>
         </a:spcBef>
-        <a:spcAft>
-          <a:spcPts val="300"/>
-        </a:spcAft>
-        <a:buClr>
-          <a:schemeClr val="accent1"/>
-        </a:buClr>
         <a:buFont typeface="Wingdings 2" pitchFamily="18" charset="2"/>
         <a:buChar char=""/>
-        <a:defRPr sz="1400" kern="1200">
+        <a:defRPr sz="1800" kern="1200">
           <a:solidFill>
-            <a:schemeClr val="tx1">
-              <a:lumMod val="85000"/>
-              <a:lumOff val="15000"/>
-            </a:schemeClr>
+            <a:schemeClr val="tx1"/>
           </a:solidFill>
           <a:latin typeface="+mn-lt"/>
           <a:ea typeface="+mn-ea"/>
           <a:cs typeface="+mn-cs"/>
         </a:defRPr>
       </a:lvl5pPr>
-      <a:lvl6pPr marL="1600000" indent="-228600" algn="l" defTabSz="914400" rtl="0" eaLnBrk="1" latinLnBrk="0" hangingPunct="1">
-        <a:lnSpc>
-          <a:spcPct val="90000"/>
-        </a:lnSpc>
+      <a:lvl6pPr marL="2514600" indent="-228600" algn="l" defTabSz="914400" rtl="0" eaLnBrk="1" latinLnBrk="0" hangingPunct="1">
         <a:spcBef>
-          <a:spcPts val="300"/>
+          <a:spcPct val="20000"/>
         </a:spcBef>
-        <a:spcAft>
-          <a:spcPts val="300"/>
-        </a:spcAft>
-        <a:buClr>
-          <a:schemeClr val="accent1"/>
-        </a:buClr>
         <a:buFont typeface="Wingdings 2" pitchFamily="18" charset="2"/>
         <a:buChar char=""/>
-        <a:defRPr sz="1400" kern="1200">
+        <a:defRPr sz="1800" kern="1200">
           <a:solidFill>
-            <a:schemeClr val="tx1">
-              <a:lumMod val="85000"/>
-              <a:lumOff val="15000"/>
-            </a:schemeClr>
+            <a:schemeClr val="tx1"/>
           </a:solidFill>
           <a:latin typeface="+mn-lt"/>
           <a:ea typeface="+mn-ea"/>
           <a:cs typeface="+mn-cs"/>
         </a:defRPr>
       </a:lvl6pPr>
-      <a:lvl7pPr marL="1900000" indent="-228600" algn="l" defTabSz="914400" rtl="0" eaLnBrk="1" latinLnBrk="0" hangingPunct="1">
-        <a:lnSpc>
-          <a:spcPct val="90000"/>
-        </a:lnSpc>
+      <a:lvl7pPr marL="2971800" indent="-228600" algn="l" defTabSz="914400" rtl="0" eaLnBrk="1" latinLnBrk="0" hangingPunct="1">
         <a:spcBef>
-          <a:spcPts val="300"/>
+          <a:spcPct val="20000"/>
         </a:spcBef>
-        <a:spcAft>
-          <a:spcPts val="300"/>
-        </a:spcAft>
-        <a:buClr>
-          <a:schemeClr val="accent1"/>
-        </a:buClr>
         <a:buFont typeface="Wingdings 2" pitchFamily="18" charset="2"/>
         <a:buChar char=""/>
-        <a:defRPr sz="1400" kern="1200">
+        <a:defRPr sz="1800" kern="1200">
           <a:solidFill>
-            <a:schemeClr val="tx1">
-              <a:lumMod val="85000"/>
-              <a:lumOff val="15000"/>
-            </a:schemeClr>
+            <a:schemeClr val="tx1"/>
           </a:solidFill>
           <a:latin typeface="+mn-lt"/>
           <a:ea typeface="+mn-ea"/>
           <a:cs typeface="+mn-cs"/>
         </a:defRPr>
       </a:lvl7pPr>
-      <a:lvl8pPr marL="2200000" indent="-228600" algn="l" defTabSz="914400" rtl="0" eaLnBrk="1" latinLnBrk="0" hangingPunct="1">
-        <a:lnSpc>
-          <a:spcPct val="90000"/>
-        </a:lnSpc>
+      <a:lvl8pPr marL="3429000" indent="-228600" algn="l" defTabSz="914400" rtl="0" eaLnBrk="1" latinLnBrk="0" hangingPunct="1">
         <a:spcBef>
-          <a:spcPts val="300"/>
+          <a:spcPct val="20000"/>
         </a:spcBef>
-        <a:spcAft>
-          <a:spcPts val="300"/>
-        </a:spcAft>
-        <a:buClr>
-          <a:schemeClr val="accent1"/>
-        </a:buClr>
         <a:buFont typeface="Wingdings 2" pitchFamily="18" charset="2"/>
         <a:buChar char=""/>
-        <a:defRPr sz="1400" kern="1200">
+        <a:defRPr sz="1800" kern="1200">
           <a:solidFill>
-            <a:schemeClr val="tx1">
-              <a:lumMod val="85000"/>
-              <a:lumOff val="15000"/>
-            </a:schemeClr>
+            <a:schemeClr val="tx1"/>
           </a:solidFill>
           <a:latin typeface="+mn-lt"/>
           <a:ea typeface="+mn-ea"/>
           <a:cs typeface="+mn-cs"/>
         </a:defRPr>
       </a:lvl8pPr>
-      <a:lvl9pPr marL="2500000" indent="-228600" algn="l" defTabSz="914400" rtl="0" eaLnBrk="1" latinLnBrk="0" hangingPunct="1">
-        <a:lnSpc>
-          <a:spcPct val="90000"/>
-        </a:lnSpc>
+      <a:lvl9pPr marL="3886200" indent="-228600" algn="l" defTabSz="914400" rtl="0" eaLnBrk="1" latinLnBrk="0" hangingPunct="1">
         <a:spcBef>
-          <a:spcPts val="300"/>
+          <a:spcPct val="20000"/>
         </a:spcBef>
-        <a:spcAft>
-          <a:spcPts val="300"/>
-        </a:spcAft>
-        <a:buClr>
-          <a:schemeClr val="accent1"/>
-        </a:buClr>
         <a:buFont typeface="Wingdings 2" pitchFamily="18" charset="2"/>
         <a:buChar char=""/>
-        <a:defRPr sz="1400" kern="1200">
+        <a:defRPr sz="1800" kern="1200">
           <a:solidFill>
-            <a:schemeClr val="tx1">
-              <a:lumMod val="85000"/>
-              <a:lumOff val="15000"/>
-            </a:schemeClr>
+            <a:schemeClr val="tx1"/>
           </a:solidFill>
           <a:latin typeface="+mn-lt"/>
           <a:ea typeface="+mn-ea"/>
@@ -3442,6 +8069,890 @@
 </p:sldMaster>
 </file>
 
+<file path=ppt/slideMasters/slideMaster2.xml><?xml version="1.0" encoding="utf-8"?>
+<p:sldMaster xmlns:a="http://schemas.openxmlformats.org/drawingml/2006/main" xmlns:r="http://schemas.openxmlformats.org/officeDocument/2006/relationships" xmlns:p="http://schemas.openxmlformats.org/presentationml/2006/main">
+  <p:cSld>
+    <p:bg>
+      <p:bgRef idx="1003">
+        <a:schemeClr val="bg2"/>
+      </p:bgRef>
+    </p:bg>
+    <p:spTree>
+      <p:nvGrpSpPr>
+        <p:cNvPr id="1" name=""/>
+        <p:cNvGrpSpPr/>
+        <p:nvPr/>
+      </p:nvGrpSpPr>
+      <p:grpSpPr>
+        <a:xfrm>
+          <a:off x="0" y="0"/>
+          <a:ext cx="0" cy="0"/>
+          <a:chOff x="0" y="0"/>
+          <a:chExt cx="0" cy="0"/>
+        </a:xfrm>
+      </p:grpSpPr>
+      <p:pic>
+        <p:nvPicPr>
+          <p:cNvPr id="8" name="Picture 7"/>
+          <p:cNvPicPr>
+            <a:picLocks noChangeAspect="1"/>
+          </p:cNvPicPr>
+          <p:nvPr/>
+        </p:nvPicPr>
+        <p:blipFill rotWithShape="1">
+          <a:blip r:embed="rId19">
+            <a:extLst>
+              <a:ext uri="{28A0092B-C50C-407E-A947-70E740481C1C}">
+                <a14:useLocalDpi xmlns:a14="http://schemas.microsoft.com/office/drawing/2010/main" val="0"/>
+              </a:ext>
+            </a:extLst>
+          </a:blip>
+          <a:srcRect l="3613"/>
+          <a:stretch/>
+        </p:blipFill>
+        <p:spPr>
+          <a:xfrm>
+            <a:off x="0" y="2669685"/>
+            <a:ext cx="4037012" cy="4188315"/>
+          </a:xfrm>
+          <a:prstGeom prst="rect">
+            <a:avLst/>
+          </a:prstGeom>
+        </p:spPr>
+      </p:pic>
+      <p:pic>
+        <p:nvPicPr>
+          <p:cNvPr id="7" name="Picture 6"/>
+          <p:cNvPicPr>
+            <a:picLocks noChangeAspect="1"/>
+          </p:cNvPicPr>
+          <p:nvPr/>
+        </p:nvPicPr>
+        <p:blipFill rotWithShape="1">
+          <a:blip r:embed="rId20">
+            <a:extLst>
+              <a:ext uri="{28A0092B-C50C-407E-A947-70E740481C1C}">
+                <a14:useLocalDpi xmlns:a14="http://schemas.microsoft.com/office/drawing/2010/main" val="0"/>
+              </a:ext>
+            </a:extLst>
+          </a:blip>
+          <a:srcRect l="35640"/>
+          <a:stretch/>
+        </p:blipFill>
+        <p:spPr>
+          <a:xfrm>
+            <a:off x="0" y="2892347"/>
+            <a:ext cx="1522412" cy="2365453"/>
+          </a:xfrm>
+          <a:prstGeom prst="rect">
+            <a:avLst/>
+          </a:prstGeom>
+        </p:spPr>
+      </p:pic>
+      <p:sp>
+        <p:nvSpPr>
+          <p:cNvPr id="16" name="Oval 15"/>
+          <p:cNvSpPr/>
+          <p:nvPr/>
+        </p:nvSpPr>
+        <p:spPr>
+          <a:xfrm>
+            <a:off x="8609012" y="1676400"/>
+            <a:ext cx="2819400" cy="2819400"/>
+          </a:xfrm>
+          <a:prstGeom prst="ellipse">
+            <a:avLst/>
+          </a:prstGeom>
+          <a:gradFill flip="none" rotWithShape="1">
+            <a:gsLst>
+              <a:gs pos="0">
+                <a:schemeClr val="bg2">
+                  <a:lumMod val="60000"/>
+                  <a:lumOff val="40000"/>
+                  <a:alpha val="7000"/>
+                </a:schemeClr>
+              </a:gs>
+              <a:gs pos="69000">
+                <a:schemeClr val="bg2">
+                  <a:lumMod val="60000"/>
+                  <a:lumOff val="40000"/>
+                  <a:alpha val="0"/>
+                </a:schemeClr>
+              </a:gs>
+              <a:gs pos="36000">
+                <a:schemeClr val="bg2">
+                  <a:lumMod val="60000"/>
+                  <a:lumOff val="40000"/>
+                  <a:alpha val="6000"/>
+                </a:schemeClr>
+              </a:gs>
+            </a:gsLst>
+            <a:path path="circle">
+              <a:fillToRect l="50000" t="50000" r="50000" b="50000"/>
+            </a:path>
+            <a:tileRect/>
+          </a:gradFill>
+          <a:ln>
+            <a:noFill/>
+          </a:ln>
+          <a:effectLst/>
+        </p:spPr>
+        <p:style>
+          <a:lnRef idx="1">
+            <a:schemeClr val="accent1"/>
+          </a:lnRef>
+          <a:fillRef idx="3">
+            <a:schemeClr val="accent1"/>
+          </a:fillRef>
+          <a:effectRef idx="2">
+            <a:schemeClr val="accent1"/>
+          </a:effectRef>
+          <a:fontRef idx="minor">
+            <a:schemeClr val="lt1"/>
+          </a:fontRef>
+        </p:style>
+      </p:sp>
+      <p:pic>
+        <p:nvPicPr>
+          <p:cNvPr id="9" name="Picture 8"/>
+          <p:cNvPicPr>
+            <a:picLocks noChangeAspect="1"/>
+          </p:cNvPicPr>
+          <p:nvPr/>
+        </p:nvPicPr>
+        <p:blipFill rotWithShape="1">
+          <a:blip r:embed="rId21">
+            <a:extLst>
+              <a:ext uri="{28A0092B-C50C-407E-A947-70E740481C1C}">
+                <a14:useLocalDpi xmlns:a14="http://schemas.microsoft.com/office/drawing/2010/main" val="0"/>
+              </a:ext>
+            </a:extLst>
+          </a:blip>
+          <a:srcRect t="28813"/>
+          <a:stretch/>
+        </p:blipFill>
+        <p:spPr>
+          <a:xfrm>
+            <a:off x="7999412" y="0"/>
+            <a:ext cx="1603387" cy="1141407"/>
+          </a:xfrm>
+          <a:prstGeom prst="rect">
+            <a:avLst/>
+          </a:prstGeom>
+        </p:spPr>
+      </p:pic>
+      <p:pic>
+        <p:nvPicPr>
+          <p:cNvPr id="10" name="Picture 9"/>
+          <p:cNvPicPr>
+            <a:picLocks noChangeAspect="1"/>
+          </p:cNvPicPr>
+          <p:nvPr/>
+        </p:nvPicPr>
+        <p:blipFill rotWithShape="1">
+          <a:blip r:embed="rId22">
+            <a:extLst>
+              <a:ext uri="{28A0092B-C50C-407E-A947-70E740481C1C}">
+                <a14:useLocalDpi xmlns:a14="http://schemas.microsoft.com/office/drawing/2010/main" val="0"/>
+              </a:ext>
+            </a:extLst>
+          </a:blip>
+          <a:srcRect b="23320"/>
+          <a:stretch/>
+        </p:blipFill>
+        <p:spPr>
+          <a:xfrm>
+            <a:off x="8605878" y="6096000"/>
+            <a:ext cx="993734" cy="762000"/>
+          </a:xfrm>
+          <a:prstGeom prst="rect">
+            <a:avLst/>
+          </a:prstGeom>
+        </p:spPr>
+      </p:pic>
+      <p:sp>
+        <p:nvSpPr>
+          <p:cNvPr id="14" name="Rectangle 13"/>
+          <p:cNvSpPr/>
+          <p:nvPr/>
+        </p:nvSpPr>
+        <p:spPr>
+          <a:xfrm>
+            <a:off x="10437812" y="0"/>
+            <a:ext cx="685800" cy="1143000"/>
+          </a:xfrm>
+          <a:prstGeom prst="rect">
+            <a:avLst/>
+          </a:prstGeom>
+          <a:solidFill>
+            <a:schemeClr val="accent1"/>
+          </a:solidFill>
+          <a:ln>
+            <a:noFill/>
+          </a:ln>
+        </p:spPr>
+        <p:style>
+          <a:lnRef idx="1">
+            <a:schemeClr val="accent1"/>
+          </a:lnRef>
+          <a:fillRef idx="3">
+            <a:schemeClr val="accent1"/>
+          </a:fillRef>
+          <a:effectRef idx="2">
+            <a:schemeClr val="accent1"/>
+          </a:effectRef>
+          <a:fontRef idx="minor">
+            <a:schemeClr val="lt1"/>
+          </a:fontRef>
+        </p:style>
+      </p:sp>
+      <p:sp>
+        <p:nvSpPr>
+          <p:cNvPr id="2" name="Title Placeholder 1"/>
+          <p:cNvSpPr>
+            <a:spLocks noGrp="1"/>
+          </p:cNvSpPr>
+          <p:nvPr>
+            <p:ph type="title"/>
+          </p:nvPr>
+        </p:nvSpPr>
+        <p:spPr>
+          <a:xfrm>
+            <a:off x="646111" y="452718"/>
+            <a:ext cx="9404723" cy="1400530"/>
+          </a:xfrm>
+          <a:prstGeom prst="rect">
+            <a:avLst/>
+          </a:prstGeom>
+        </p:spPr>
+        <p:txBody>
+          <a:bodyPr vert="horz" lIns="91440" tIns="45720" rIns="91440" bIns="45720" rtlCol="0" anchor="t">
+            <a:noAutofit/>
+          </a:bodyPr>
+          <a:lstStyle/>
+          <a:p>
+            <a:r>
+              <a:rPr lang="en-US" smtClean="0"/>
+              <a:t>Click to edit Master title style</a:t>
+            </a:r>
+            <a:endParaRPr lang="en-US" dirty="0"/>
+          </a:p>
+        </p:txBody>
+      </p:sp>
+      <p:sp>
+        <p:nvSpPr>
+          <p:cNvPr id="3" name="Text Placeholder 2"/>
+          <p:cNvSpPr>
+            <a:spLocks noGrp="1"/>
+          </p:cNvSpPr>
+          <p:nvPr>
+            <p:ph type="body" idx="1"/>
+          </p:nvPr>
+        </p:nvSpPr>
+        <p:spPr>
+          <a:xfrm>
+            <a:off x="1103312" y="2052918"/>
+            <a:ext cx="8946541" cy="4195481"/>
+          </a:xfrm>
+          <a:prstGeom prst="rect">
+            <a:avLst/>
+          </a:prstGeom>
+        </p:spPr>
+        <p:txBody>
+          <a:bodyPr vert="horz" lIns="91440" tIns="45720" rIns="91440" bIns="45720" rtlCol="0">
+            <a:normAutofit/>
+          </a:bodyPr>
+          <a:lstStyle/>
+          <a:p>
+            <a:pPr lvl="0"/>
+            <a:r>
+              <a:rPr lang="en-US" smtClean="0"/>
+              <a:t>Click to edit Master text styles</a:t>
+            </a:r>
+          </a:p>
+          <a:p>
+            <a:pPr lvl="1"/>
+            <a:r>
+              <a:rPr lang="en-US" smtClean="0"/>
+              <a:t>Second level</a:t>
+            </a:r>
+          </a:p>
+          <a:p>
+            <a:pPr lvl="2"/>
+            <a:r>
+              <a:rPr lang="en-US" smtClean="0"/>
+              <a:t>Third level</a:t>
+            </a:r>
+          </a:p>
+          <a:p>
+            <a:pPr lvl="3"/>
+            <a:r>
+              <a:rPr lang="en-US" smtClean="0"/>
+              <a:t>Fourth level</a:t>
+            </a:r>
+          </a:p>
+          <a:p>
+            <a:pPr lvl="4"/>
+            <a:r>
+              <a:rPr lang="en-US" smtClean="0"/>
+              <a:t>Fifth level</a:t>
+            </a:r>
+            <a:endParaRPr lang="en-US" dirty="0"/>
+          </a:p>
+        </p:txBody>
+      </p:sp>
+      <p:sp>
+        <p:nvSpPr>
+          <p:cNvPr id="4" name="Date Placeholder 3"/>
+          <p:cNvSpPr>
+            <a:spLocks noGrp="1"/>
+          </p:cNvSpPr>
+          <p:nvPr>
+            <p:ph type="dt" sz="half" idx="2"/>
+          </p:nvPr>
+        </p:nvSpPr>
+        <p:spPr>
+          <a:xfrm rot="5400000">
+            <a:off x="10155639" y="1790701"/>
+            <a:ext cx="990599" cy="304799"/>
+          </a:xfrm>
+          <a:prstGeom prst="rect">
+            <a:avLst/>
+          </a:prstGeom>
+        </p:spPr>
+        <p:txBody>
+          <a:bodyPr vert="horz" lIns="91440" tIns="45720" rIns="91440" bIns="45720" rtlCol="0" anchor="t"/>
+          <a:lstStyle>
+            <a:lvl1pPr algn="l">
+              <a:defRPr sz="1100" b="0" i="0">
+                <a:solidFill>
+                  <a:schemeClr val="tx1">
+                    <a:tint val="75000"/>
+                    <a:alpha val="60000"/>
+                  </a:schemeClr>
+                </a:solidFill>
+              </a:defRPr>
+            </a:lvl1pPr>
+          </a:lstStyle>
+          <a:p>
+            <a:fld id="{E2142342-42DB-494C-ACCA-FC7D78E55948}" type="datetimeFigureOut">
+              <a:rPr lang="en-US" smtClean="0"/>
+              <a:t>4/17/2016</a:t>
+            </a:fld>
+            <a:endParaRPr lang="en-US"/>
+          </a:p>
+        </p:txBody>
+      </p:sp>
+      <p:sp>
+        <p:nvSpPr>
+          <p:cNvPr id="5" name="Footer Placeholder 4"/>
+          <p:cNvSpPr>
+            <a:spLocks noGrp="1"/>
+          </p:cNvSpPr>
+          <p:nvPr>
+            <p:ph type="ftr" sz="quarter" idx="3"/>
+          </p:nvPr>
+        </p:nvSpPr>
+        <p:spPr>
+          <a:xfrm rot="5400000">
+            <a:off x="8951573" y="3225297"/>
+            <a:ext cx="3859795" cy="304801"/>
+          </a:xfrm>
+          <a:prstGeom prst="rect">
+            <a:avLst/>
+          </a:prstGeom>
+        </p:spPr>
+        <p:txBody>
+          <a:bodyPr vert="horz" lIns="91440" tIns="45720" rIns="91440" bIns="45720" rtlCol="0" anchor="b"/>
+          <a:lstStyle>
+            <a:lvl1pPr algn="l">
+              <a:defRPr sz="1100" b="0" i="0">
+                <a:solidFill>
+                  <a:schemeClr val="tx1">
+                    <a:tint val="75000"/>
+                    <a:alpha val="60000"/>
+                  </a:schemeClr>
+                </a:solidFill>
+              </a:defRPr>
+            </a:lvl1pPr>
+          </a:lstStyle>
+          <a:p>
+            <a:endParaRPr lang="en-US"/>
+          </a:p>
+        </p:txBody>
+      </p:sp>
+      <p:sp>
+        <p:nvSpPr>
+          <p:cNvPr id="6" name="Slide Number Placeholder 5"/>
+          <p:cNvSpPr>
+            <a:spLocks noGrp="1"/>
+          </p:cNvSpPr>
+          <p:nvPr>
+            <p:ph type="sldNum" sz="quarter" idx="4"/>
+          </p:nvPr>
+        </p:nvSpPr>
+        <p:spPr bwMode="gray">
+          <a:xfrm>
+            <a:off x="10352540" y="295729"/>
+            <a:ext cx="838199" cy="767687"/>
+          </a:xfrm>
+          <a:prstGeom prst="rect">
+            <a:avLst/>
+          </a:prstGeom>
+        </p:spPr>
+        <p:txBody>
+          <a:bodyPr vert="horz" lIns="91440" tIns="45720" rIns="91440" bIns="45720" rtlCol="0" anchor="b"/>
+          <a:lstStyle>
+            <a:lvl1pPr algn="ctr">
+              <a:defRPr sz="2800" b="0" i="0">
+                <a:solidFill>
+                  <a:schemeClr val="tx1">
+                    <a:tint val="75000"/>
+                  </a:schemeClr>
+                </a:solidFill>
+              </a:defRPr>
+            </a:lvl1pPr>
+          </a:lstStyle>
+          <a:p>
+            <a:fld id="{8806B2D3-2E0E-46BD-9FD9-4DD987055ADE}" type="slidenum">
+              <a:rPr lang="en-US" smtClean="0"/>
+              <a:t>‹#›</a:t>
+            </a:fld>
+            <a:endParaRPr lang="en-US"/>
+          </a:p>
+        </p:txBody>
+      </p:sp>
+    </p:spTree>
+    <p:extLst>
+      <p:ext uri="{BB962C8B-B14F-4D97-AF65-F5344CB8AC3E}">
+        <p14:creationId xmlns:p14="http://schemas.microsoft.com/office/powerpoint/2010/main" val="4006620416"/>
+      </p:ext>
+    </p:extLst>
+  </p:cSld>
+  <p:clrMap bg1="dk1" tx1="lt1" bg2="dk2" tx2="lt2" accent1="accent1" accent2="accent2" accent3="accent3" accent4="accent4" accent5="accent5" accent6="accent6" hlink="hlink" folHlink="folHlink"/>
+  <p:sldLayoutIdLst>
+    <p:sldLayoutId id="2147483754" r:id="rId1"/>
+    <p:sldLayoutId id="2147483755" r:id="rId2"/>
+    <p:sldLayoutId id="2147483756" r:id="rId3"/>
+    <p:sldLayoutId id="2147483757" r:id="rId4"/>
+    <p:sldLayoutId id="2147483758" r:id="rId5"/>
+    <p:sldLayoutId id="2147483759" r:id="rId6"/>
+    <p:sldLayoutId id="2147483760" r:id="rId7"/>
+    <p:sldLayoutId id="2147483761" r:id="rId8"/>
+    <p:sldLayoutId id="2147483762" r:id="rId9"/>
+    <p:sldLayoutId id="2147483763" r:id="rId10"/>
+    <p:sldLayoutId id="2147483764" r:id="rId11"/>
+    <p:sldLayoutId id="2147483765" r:id="rId12"/>
+    <p:sldLayoutId id="2147483766" r:id="rId13"/>
+    <p:sldLayoutId id="2147483767" r:id="rId14"/>
+    <p:sldLayoutId id="2147483768" r:id="rId15"/>
+    <p:sldLayoutId id="2147483769" r:id="rId16"/>
+    <p:sldLayoutId id="2147483770" r:id="rId17"/>
+  </p:sldLayoutIdLst>
+  <p:txStyles>
+    <p:titleStyle>
+      <a:lvl1pPr algn="l" defTabSz="457200" rtl="0" eaLnBrk="1" latinLnBrk="0" hangingPunct="1">
+        <a:spcBef>
+          <a:spcPct val="0"/>
+        </a:spcBef>
+        <a:buNone/>
+        <a:defRPr sz="4200" b="0" i="0" kern="1200">
+          <a:solidFill>
+            <a:schemeClr val="tx2"/>
+          </a:solidFill>
+          <a:latin typeface="+mj-lt"/>
+          <a:ea typeface="+mj-ea"/>
+          <a:cs typeface="+mj-cs"/>
+        </a:defRPr>
+      </a:lvl1pPr>
+      <a:lvl2pPr eaLnBrk="1" hangingPunct="1">
+        <a:defRPr>
+          <a:solidFill>
+            <a:schemeClr val="tx2"/>
+          </a:solidFill>
+        </a:defRPr>
+      </a:lvl2pPr>
+      <a:lvl3pPr eaLnBrk="1" hangingPunct="1">
+        <a:defRPr>
+          <a:solidFill>
+            <a:schemeClr val="tx2"/>
+          </a:solidFill>
+        </a:defRPr>
+      </a:lvl3pPr>
+      <a:lvl4pPr eaLnBrk="1" hangingPunct="1">
+        <a:defRPr>
+          <a:solidFill>
+            <a:schemeClr val="tx2"/>
+          </a:solidFill>
+        </a:defRPr>
+      </a:lvl4pPr>
+      <a:lvl5pPr eaLnBrk="1" hangingPunct="1">
+        <a:defRPr>
+          <a:solidFill>
+            <a:schemeClr val="tx2"/>
+          </a:solidFill>
+        </a:defRPr>
+      </a:lvl5pPr>
+      <a:lvl6pPr eaLnBrk="1" hangingPunct="1">
+        <a:defRPr>
+          <a:solidFill>
+            <a:schemeClr val="tx2"/>
+          </a:solidFill>
+        </a:defRPr>
+      </a:lvl6pPr>
+      <a:lvl7pPr eaLnBrk="1" hangingPunct="1">
+        <a:defRPr>
+          <a:solidFill>
+            <a:schemeClr val="tx2"/>
+          </a:solidFill>
+        </a:defRPr>
+      </a:lvl7pPr>
+      <a:lvl8pPr eaLnBrk="1" hangingPunct="1">
+        <a:defRPr>
+          <a:solidFill>
+            <a:schemeClr val="tx2"/>
+          </a:solidFill>
+        </a:defRPr>
+      </a:lvl8pPr>
+      <a:lvl9pPr eaLnBrk="1" hangingPunct="1">
+        <a:defRPr>
+          <a:solidFill>
+            <a:schemeClr val="tx2"/>
+          </a:solidFill>
+        </a:defRPr>
+      </a:lvl9pPr>
+    </p:titleStyle>
+    <p:bodyStyle>
+      <a:lvl1pPr marL="342900" indent="-342900" algn="l" defTabSz="457200" rtl="0" eaLnBrk="1" latinLnBrk="0" hangingPunct="1">
+        <a:spcBef>
+          <a:spcPts val="1000"/>
+        </a:spcBef>
+        <a:spcAft>
+          <a:spcPts val="0"/>
+        </a:spcAft>
+        <a:buClr>
+          <a:schemeClr val="bg2">
+            <a:lumMod val="40000"/>
+            <a:lumOff val="60000"/>
+          </a:schemeClr>
+        </a:buClr>
+        <a:buSzPct val="80000"/>
+        <a:buFont typeface="Wingdings 3" charset="2"/>
+        <a:buChar char=""/>
+        <a:defRPr sz="2000" b="0" i="0" kern="1200">
+          <a:solidFill>
+            <a:schemeClr val="tx1"/>
+          </a:solidFill>
+          <a:latin typeface="+mj-lt"/>
+          <a:ea typeface="+mj-ea"/>
+          <a:cs typeface="+mj-cs"/>
+        </a:defRPr>
+      </a:lvl1pPr>
+      <a:lvl2pPr marL="742950" indent="-285750" algn="l" defTabSz="457200" rtl="0" eaLnBrk="1" latinLnBrk="0" hangingPunct="1">
+        <a:spcBef>
+          <a:spcPts val="1000"/>
+        </a:spcBef>
+        <a:spcAft>
+          <a:spcPts val="0"/>
+        </a:spcAft>
+        <a:buClr>
+          <a:schemeClr val="bg2">
+            <a:lumMod val="40000"/>
+            <a:lumOff val="60000"/>
+          </a:schemeClr>
+        </a:buClr>
+        <a:buSzPct val="80000"/>
+        <a:buFont typeface="Wingdings 3" charset="2"/>
+        <a:buChar char=""/>
+        <a:defRPr sz="1800" b="0" i="0" kern="1200">
+          <a:solidFill>
+            <a:schemeClr val="tx1"/>
+          </a:solidFill>
+          <a:latin typeface="+mj-lt"/>
+          <a:ea typeface="+mj-ea"/>
+          <a:cs typeface="+mj-cs"/>
+        </a:defRPr>
+      </a:lvl2pPr>
+      <a:lvl3pPr marL="1143000" indent="-228600" algn="l" defTabSz="457200" rtl="0" eaLnBrk="1" latinLnBrk="0" hangingPunct="1">
+        <a:spcBef>
+          <a:spcPts val="1000"/>
+        </a:spcBef>
+        <a:spcAft>
+          <a:spcPts val="0"/>
+        </a:spcAft>
+        <a:buClr>
+          <a:schemeClr val="bg2">
+            <a:lumMod val="40000"/>
+            <a:lumOff val="60000"/>
+          </a:schemeClr>
+        </a:buClr>
+        <a:buSzPct val="80000"/>
+        <a:buFont typeface="Wingdings 3" charset="2"/>
+        <a:buChar char=""/>
+        <a:defRPr sz="1600" b="0" i="0" kern="1200">
+          <a:solidFill>
+            <a:schemeClr val="tx1"/>
+          </a:solidFill>
+          <a:latin typeface="+mj-lt"/>
+          <a:ea typeface="+mj-ea"/>
+          <a:cs typeface="+mj-cs"/>
+        </a:defRPr>
+      </a:lvl3pPr>
+      <a:lvl4pPr marL="1600200" indent="-228600" algn="l" defTabSz="457200" rtl="0" eaLnBrk="1" latinLnBrk="0" hangingPunct="1">
+        <a:spcBef>
+          <a:spcPts val="1000"/>
+        </a:spcBef>
+        <a:spcAft>
+          <a:spcPts val="0"/>
+        </a:spcAft>
+        <a:buClr>
+          <a:schemeClr val="bg2">
+            <a:lumMod val="40000"/>
+            <a:lumOff val="60000"/>
+          </a:schemeClr>
+        </a:buClr>
+        <a:buSzPct val="80000"/>
+        <a:buFont typeface="Wingdings 3" charset="2"/>
+        <a:buChar char=""/>
+        <a:defRPr sz="1400" b="0" i="0" kern="1200">
+          <a:solidFill>
+            <a:schemeClr val="tx1"/>
+          </a:solidFill>
+          <a:latin typeface="+mj-lt"/>
+          <a:ea typeface="+mj-ea"/>
+          <a:cs typeface="+mj-cs"/>
+        </a:defRPr>
+      </a:lvl4pPr>
+      <a:lvl5pPr marL="2057400" indent="-228600" algn="l" defTabSz="457200" rtl="0" eaLnBrk="1" latinLnBrk="0" hangingPunct="1">
+        <a:spcBef>
+          <a:spcPts val="1000"/>
+        </a:spcBef>
+        <a:spcAft>
+          <a:spcPts val="0"/>
+        </a:spcAft>
+        <a:buClr>
+          <a:schemeClr val="bg2">
+            <a:lumMod val="40000"/>
+            <a:lumOff val="60000"/>
+          </a:schemeClr>
+        </a:buClr>
+        <a:buSzPct val="80000"/>
+        <a:buFont typeface="Wingdings 3" charset="2"/>
+        <a:buChar char=""/>
+        <a:defRPr sz="1400" b="0" i="0" kern="1200">
+          <a:solidFill>
+            <a:schemeClr val="tx1"/>
+          </a:solidFill>
+          <a:latin typeface="+mj-lt"/>
+          <a:ea typeface="+mj-ea"/>
+          <a:cs typeface="+mj-cs"/>
+        </a:defRPr>
+      </a:lvl5pPr>
+      <a:lvl6pPr marL="2506000" indent="-228600" algn="l" defTabSz="457200" rtl="0" eaLnBrk="1" latinLnBrk="0" hangingPunct="1">
+        <a:spcBef>
+          <a:spcPts val="1000"/>
+        </a:spcBef>
+        <a:spcAft>
+          <a:spcPts val="0"/>
+        </a:spcAft>
+        <a:buClr>
+          <a:schemeClr val="bg2">
+            <a:lumMod val="40000"/>
+            <a:lumOff val="60000"/>
+          </a:schemeClr>
+        </a:buClr>
+        <a:buSzPct val="80000"/>
+        <a:buFont typeface="Wingdings 3" charset="2"/>
+        <a:buChar char=""/>
+        <a:defRPr sz="1400" b="0" i="0" kern="1200">
+          <a:solidFill>
+            <a:schemeClr val="tx1"/>
+          </a:solidFill>
+          <a:latin typeface="+mj-lt"/>
+          <a:ea typeface="+mj-ea"/>
+          <a:cs typeface="+mj-cs"/>
+        </a:defRPr>
+      </a:lvl6pPr>
+      <a:lvl7pPr marL="2971800" indent="-228600" algn="l" defTabSz="457200" rtl="0" eaLnBrk="1" latinLnBrk="0" hangingPunct="1">
+        <a:spcBef>
+          <a:spcPts val="1000"/>
+        </a:spcBef>
+        <a:spcAft>
+          <a:spcPts val="0"/>
+        </a:spcAft>
+        <a:buClr>
+          <a:schemeClr val="bg2">
+            <a:lumMod val="40000"/>
+            <a:lumOff val="60000"/>
+          </a:schemeClr>
+        </a:buClr>
+        <a:buSzPct val="80000"/>
+        <a:buFont typeface="Wingdings 3" charset="2"/>
+        <a:buChar char=""/>
+        <a:defRPr sz="1400" b="0" i="0" kern="1200">
+          <a:solidFill>
+            <a:schemeClr val="tx1"/>
+          </a:solidFill>
+          <a:latin typeface="+mj-lt"/>
+          <a:ea typeface="+mj-ea"/>
+          <a:cs typeface="+mj-cs"/>
+        </a:defRPr>
+      </a:lvl7pPr>
+      <a:lvl8pPr marL="3429000" indent="-228600" algn="l" defTabSz="457200" rtl="0" eaLnBrk="1" latinLnBrk="0" hangingPunct="1">
+        <a:spcBef>
+          <a:spcPts val="1000"/>
+        </a:spcBef>
+        <a:spcAft>
+          <a:spcPts val="0"/>
+        </a:spcAft>
+        <a:buClr>
+          <a:schemeClr val="bg2">
+            <a:lumMod val="40000"/>
+            <a:lumOff val="60000"/>
+          </a:schemeClr>
+        </a:buClr>
+        <a:buSzPct val="80000"/>
+        <a:buFont typeface="Wingdings 3" charset="2"/>
+        <a:buChar char=""/>
+        <a:defRPr sz="1400" b="0" i="0" kern="1200">
+          <a:solidFill>
+            <a:schemeClr val="tx1"/>
+          </a:solidFill>
+          <a:latin typeface="+mj-lt"/>
+          <a:ea typeface="+mj-ea"/>
+          <a:cs typeface="+mj-cs"/>
+        </a:defRPr>
+      </a:lvl8pPr>
+      <a:lvl9pPr marL="3886200" indent="-228600" algn="l" defTabSz="457200" rtl="0" eaLnBrk="1" latinLnBrk="0" hangingPunct="1">
+        <a:spcBef>
+          <a:spcPts val="1000"/>
+        </a:spcBef>
+        <a:spcAft>
+          <a:spcPts val="0"/>
+        </a:spcAft>
+        <a:buClr>
+          <a:schemeClr val="bg2">
+            <a:lumMod val="40000"/>
+            <a:lumOff val="60000"/>
+          </a:schemeClr>
+        </a:buClr>
+        <a:buSzPct val="80000"/>
+        <a:buFont typeface="Wingdings 3" charset="2"/>
+        <a:buChar char=""/>
+        <a:defRPr sz="1400" b="0" i="0" kern="1200">
+          <a:solidFill>
+            <a:schemeClr val="tx1"/>
+          </a:solidFill>
+          <a:latin typeface="+mj-lt"/>
+          <a:ea typeface="+mj-ea"/>
+          <a:cs typeface="+mj-cs"/>
+        </a:defRPr>
+      </a:lvl9pPr>
+    </p:bodyStyle>
+    <p:otherStyle>
+      <a:defPPr>
+        <a:defRPr lang="en-US"/>
+      </a:defPPr>
+      <a:lvl1pPr marL="0" algn="l" defTabSz="457200" rtl="0" eaLnBrk="1" latinLnBrk="0" hangingPunct="1">
+        <a:defRPr sz="1800" kern="1200">
+          <a:solidFill>
+            <a:schemeClr val="tx1"/>
+          </a:solidFill>
+          <a:latin typeface="+mn-lt"/>
+          <a:ea typeface="+mn-ea"/>
+          <a:cs typeface="+mn-cs"/>
+        </a:defRPr>
+      </a:lvl1pPr>
+      <a:lvl2pPr marL="457200" algn="l" defTabSz="457200" rtl="0" eaLnBrk="1" latinLnBrk="0" hangingPunct="1">
+        <a:defRPr sz="1800" kern="1200">
+          <a:solidFill>
+            <a:schemeClr val="tx1"/>
+          </a:solidFill>
+          <a:latin typeface="+mn-lt"/>
+          <a:ea typeface="+mn-ea"/>
+          <a:cs typeface="+mn-cs"/>
+        </a:defRPr>
+      </a:lvl2pPr>
+      <a:lvl3pPr marL="914400" algn="l" defTabSz="457200" rtl="0" eaLnBrk="1" latinLnBrk="0" hangingPunct="1">
+        <a:defRPr sz="1800" kern="1200">
+          <a:solidFill>
+            <a:schemeClr val="tx1"/>
+          </a:solidFill>
+          <a:latin typeface="+mn-lt"/>
+          <a:ea typeface="+mn-ea"/>
+          <a:cs typeface="+mn-cs"/>
+        </a:defRPr>
+      </a:lvl3pPr>
+      <a:lvl4pPr marL="1371600" algn="l" defTabSz="457200" rtl="0" eaLnBrk="1" latinLnBrk="0" hangingPunct="1">
+        <a:defRPr sz="1800" kern="1200">
+          <a:solidFill>
+            <a:schemeClr val="tx1"/>
+          </a:solidFill>
+          <a:latin typeface="+mn-lt"/>
+          <a:ea typeface="+mn-ea"/>
+          <a:cs typeface="+mn-cs"/>
+        </a:defRPr>
+      </a:lvl4pPr>
+      <a:lvl5pPr marL="1828800" algn="l" defTabSz="457200" rtl="0" eaLnBrk="1" latinLnBrk="0" hangingPunct="1">
+        <a:defRPr sz="1800" kern="1200">
+          <a:solidFill>
+            <a:schemeClr val="tx1"/>
+          </a:solidFill>
+          <a:latin typeface="+mn-lt"/>
+          <a:ea typeface="+mn-ea"/>
+          <a:cs typeface="+mn-cs"/>
+        </a:defRPr>
+      </a:lvl5pPr>
+      <a:lvl6pPr marL="2286000" algn="l" defTabSz="457200" rtl="0" eaLnBrk="1" latinLnBrk="0" hangingPunct="1">
+        <a:defRPr sz="1800" kern="1200">
+          <a:solidFill>
+            <a:schemeClr val="tx1"/>
+          </a:solidFill>
+          <a:latin typeface="+mn-lt"/>
+          <a:ea typeface="+mn-ea"/>
+          <a:cs typeface="+mn-cs"/>
+        </a:defRPr>
+      </a:lvl6pPr>
+      <a:lvl7pPr marL="2743200" algn="l" defTabSz="457200" rtl="0" eaLnBrk="1" latinLnBrk="0" hangingPunct="1">
+        <a:defRPr sz="1800" kern="1200">
+          <a:solidFill>
+            <a:schemeClr val="tx1"/>
+          </a:solidFill>
+          <a:latin typeface="+mn-lt"/>
+          <a:ea typeface="+mn-ea"/>
+          <a:cs typeface="+mn-cs"/>
+        </a:defRPr>
+      </a:lvl7pPr>
+      <a:lvl8pPr marL="3200400" algn="l" defTabSz="457200" rtl="0" eaLnBrk="1" latinLnBrk="0" hangingPunct="1">
+        <a:defRPr sz="1800" kern="1200">
+          <a:solidFill>
+            <a:schemeClr val="tx1"/>
+          </a:solidFill>
+          <a:latin typeface="+mn-lt"/>
+          <a:ea typeface="+mn-ea"/>
+          <a:cs typeface="+mn-cs"/>
+        </a:defRPr>
+      </a:lvl8pPr>
+      <a:lvl9pPr marL="3657600" algn="l" defTabSz="457200" rtl="0" eaLnBrk="1" latinLnBrk="0" hangingPunct="1">
+        <a:defRPr sz="1800" kern="1200">
+          <a:solidFill>
+            <a:schemeClr val="tx1"/>
+          </a:solidFill>
+          <a:latin typeface="+mn-lt"/>
+          <a:ea typeface="+mn-ea"/>
+          <a:cs typeface="+mn-cs"/>
+        </a:defRPr>
+      </a:lvl9pPr>
+    </p:otherStyle>
+  </p:txStyles>
+  <p:extLst>
+    <p:ext uri="{27BBF7A9-308A-43DC-89C8-2F10F3537804}">
+      <p15:sldGuideLst xmlns:p15="http://schemas.microsoft.com/office/powerpoint/2012/main"/>
+    </p:ext>
+  </p:extLst>
+</p:sldMaster>
+</file>
+
 <file path=ppt/slides/slide1.xml><?xml version="1.0" encoding="utf-8"?>
 <p:sld xmlns:a="http://schemas.openxmlformats.org/drawingml/2006/main" xmlns:r="http://schemas.openxmlformats.org/officeDocument/2006/relationships" xmlns:p="http://schemas.openxmlformats.org/presentationml/2006/main">
   <p:cSld>
@@ -3529,6 +9040,30 @@
           </a:p>
         </p:txBody>
       </p:sp>
+      <p:pic>
+        <p:nvPicPr>
+          <p:cNvPr id="5" name="Picture 4"/>
+          <p:cNvPicPr>
+            <a:picLocks noChangeAspect="1"/>
+          </p:cNvPicPr>
+          <p:nvPr/>
+        </p:nvPicPr>
+        <p:blipFill>
+          <a:blip r:embed="rId2"/>
+          <a:stretch>
+            <a:fillRect/>
+          </a:stretch>
+        </p:blipFill>
+        <p:spPr>
+          <a:xfrm>
+            <a:off x="5163375" y="1578927"/>
+            <a:ext cx="1926209" cy="1926209"/>
+          </a:xfrm>
+          <a:prstGeom prst="rect">
+            <a:avLst/>
+          </a:prstGeom>
+        </p:spPr>
+      </p:pic>
     </p:spTree>
     <p:extLst>
       <p:ext uri="{BB962C8B-B14F-4D97-AF65-F5344CB8AC3E}">
@@ -3719,10 +9254,10 @@
           <a:lstStyle/>
           <a:p>
             <a:r>
-              <a:rPr lang="en-US" smtClean="0"/>
+              <a:rPr lang="en-US" dirty="0" smtClean="0"/>
               <a:t>Backend</a:t>
             </a:r>
-            <a:endParaRPr lang="en-US"/>
+            <a:endParaRPr lang="en-US" dirty="0"/>
           </a:p>
         </p:txBody>
       </p:sp>
@@ -3775,6 +9310,29 @@
           <a:chExt cx="0" cy="0"/>
         </a:xfrm>
       </p:grpSpPr>
+      <p:pic>
+        <p:nvPicPr>
+          <p:cNvPr id="4" name="Picture 3"/>
+          <p:cNvPicPr>
+            <a:picLocks noChangeAspect="1"/>
+          </p:cNvPicPr>
+          <p:nvPr/>
+        </p:nvPicPr>
+        <p:blipFill rotWithShape="1">
+          <a:blip r:embed="rId2"/>
+          <a:srcRect l="26779" t="206" r="28161"/>
+          <a:stretch/>
+        </p:blipFill>
+        <p:spPr>
+          <a:xfrm>
+            <a:off x="10030119" y="2173753"/>
+            <a:ext cx="1649690" cy="3803715"/>
+          </a:xfrm>
+          <a:prstGeom prst="rect">
+            <a:avLst/>
+          </a:prstGeom>
+        </p:spPr>
+      </p:pic>
       <p:sp>
         <p:nvSpPr>
           <p:cNvPr id="2" name="Title 1"/>
@@ -3812,6 +9370,12 @@
         <p:txBody>
           <a:bodyPr/>
           <a:lstStyle/>
+          <a:p>
+            <a:r>
+              <a:rPr lang="en-US" sz="2400" dirty="0" smtClean="0"/>
+              <a:t>Speech processing to create interactive experience with the app</a:t>
+            </a:r>
+          </a:p>
           <a:p>
             <a:endParaRPr lang="en-US" dirty="0"/>
           </a:p>
@@ -4005,58 +9569,93 @@
 </file>
 
 <file path=ppt/theme/theme1.xml><?xml version="1.0" encoding="utf-8"?>
-<a:theme xmlns:a="http://schemas.openxmlformats.org/drawingml/2006/main" name="View">
+<a:theme xmlns:a="http://schemas.openxmlformats.org/drawingml/2006/main" name="HDOfficeLightV0">
   <a:themeElements>
-    <a:clrScheme name="View">
+    <a:clrScheme name="Office">
       <a:dk1>
-        <a:srgbClr val="000000"/>
+        <a:sysClr val="windowText" lastClr="000000"/>
       </a:dk1>
       <a:lt1>
-        <a:srgbClr val="FFFFFF"/>
+        <a:sysClr val="window" lastClr="FFFFFF"/>
       </a:lt1>
       <a:dk2>
-        <a:srgbClr val="46464A"/>
+        <a:srgbClr val="44546A"/>
       </a:dk2>
       <a:lt2>
-        <a:srgbClr val="D6D3CC"/>
+        <a:srgbClr val="E7E6E6"/>
       </a:lt2>
       <a:accent1>
-        <a:srgbClr val="6F6F74"/>
+        <a:srgbClr val="5B9BD5"/>
       </a:accent1>
       <a:accent2>
-        <a:srgbClr val="92A9B9"/>
+        <a:srgbClr val="ED7D31"/>
       </a:accent2>
       <a:accent3>
-        <a:srgbClr val="A7B789"/>
+        <a:srgbClr val="A5A5A5"/>
       </a:accent3>
       <a:accent4>
-        <a:srgbClr val="B9A489"/>
+        <a:srgbClr val="FFC000"/>
       </a:accent4>
       <a:accent5>
-        <a:srgbClr val="8D6374"/>
+        <a:srgbClr val="4472C4"/>
       </a:accent5>
       <a:accent6>
-        <a:srgbClr val="9B7362"/>
+        <a:srgbClr val="70AD47"/>
       </a:accent6>
       <a:hlink>
-        <a:srgbClr val="67AABF"/>
+        <a:srgbClr val="0563C1"/>
       </a:hlink>
       <a:folHlink>
-        <a:srgbClr val="ABAFA5"/>
+        <a:srgbClr val="954F72"/>
       </a:folHlink>
     </a:clrScheme>
-    <a:fontScheme name="View">
+    <a:fontScheme name="Office">
       <a:majorFont>
-        <a:latin typeface="Century Schoolbook" panose="02040604050505020304"/>
+        <a:latin typeface="Calibri Light"/>
         <a:ea typeface=""/>
         <a:cs typeface=""/>
-        <a:font script="Jpan" typeface="ＭＳ ゴシック"/>
+        <a:font script="Jpan" typeface="ＭＳ Ｐゴシック"/>
         <a:font script="Hang" typeface="맑은 고딕"/>
         <a:font script="Hans" typeface="宋体"/>
         <a:font script="Hant" typeface="新細明體"/>
-        <a:font script="Arab" typeface="Tahoma"/>
-        <a:font script="Hebr" typeface="Gisha"/>
-        <a:font script="Thai" typeface="DilleniaUPC"/>
+        <a:font script="Arab" typeface="Times New Roman"/>
+        <a:font script="Hebr" typeface="Times New Roman"/>
+        <a:font script="Thai" typeface="Angsana New"/>
+        <a:font script="Ethi" typeface="Nyala"/>
+        <a:font script="Beng" typeface="Vrinda"/>
+        <a:font script="Gujr" typeface="Shruti"/>
+        <a:font script="Khmr" typeface="MoolBoran"/>
+        <a:font script="Knda" typeface="Tunga"/>
+        <a:font script="Guru" typeface="Raavi"/>
+        <a:font script="Cans" typeface="Euphemia"/>
+        <a:font script="Cher" typeface="Plantagenet Cherokee"/>
+        <a:font script="Yiii" typeface="Microsoft Yi Baiti"/>
+        <a:font script="Tibt" typeface="Microsoft Himalaya"/>
+        <a:font script="Thaa" typeface="MV Boli"/>
+        <a:font script="Deva" typeface="Mangal"/>
+        <a:font script="Telu" typeface="Gautami"/>
+        <a:font script="Taml" typeface="Latha"/>
+        <a:font script="Syrc" typeface="Estrangelo Edessa"/>
+        <a:font script="Orya" typeface="Kalinga"/>
+        <a:font script="Mlym" typeface="Kartika"/>
+        <a:font script="Laoo" typeface="DokChampa"/>
+        <a:font script="Sinh" typeface="Iskoola Pota"/>
+        <a:font script="Mong" typeface="Mongolian Baiti"/>
+        <a:font script="Viet" typeface="Times New Roman"/>
+        <a:font script="Uigh" typeface="Microsoft Uighur"/>
+        <a:font script="Geor" typeface="Sylfaen"/>
+      </a:majorFont>
+      <a:minorFont>
+        <a:latin typeface="Calibri"/>
+        <a:ea typeface=""/>
+        <a:cs typeface=""/>
+        <a:font script="Jpan" typeface="ＭＳ Ｐゴシック"/>
+        <a:font script="Hang" typeface="맑은 고딕"/>
+        <a:font script="Hans" typeface="宋体"/>
+        <a:font script="Hant" typeface="新細明體"/>
+        <a:font script="Arab" typeface="Arial"/>
+        <a:font script="Hebr" typeface="Arial"/>
+        <a:font script="Thai" typeface="Cordia New"/>
         <a:font script="Ethi" typeface="Nyala"/>
         <a:font script="Beng" typeface="Vrinda"/>
         <a:font script="Gujr" typeface="Shruti"/>
@@ -4077,21 +9676,239 @@
         <a:font script="Laoo" typeface="DokChampa"/>
         <a:font script="Sinh" typeface="Iskoola Pota"/>
         <a:font script="Mong" typeface="Mongolian Baiti"/>
-        <a:font script="Viet" typeface="Tahoma"/>
+        <a:font script="Viet" typeface="Arial"/>
+        <a:font script="Uigh" typeface="Microsoft Uighur"/>
+        <a:font script="Geor" typeface="Sylfaen"/>
+      </a:minorFont>
+    </a:fontScheme>
+    <a:fmtScheme name="Office">
+      <a:fillStyleLst>
+        <a:solidFill>
+          <a:schemeClr val="phClr"/>
+        </a:solidFill>
+        <a:gradFill rotWithShape="1">
+          <a:gsLst>
+            <a:gs pos="0">
+              <a:schemeClr val="phClr">
+                <a:tint val="67000"/>
+                <a:satMod val="105000"/>
+                <a:lumMod val="110000"/>
+              </a:schemeClr>
+            </a:gs>
+            <a:gs pos="50000">
+              <a:schemeClr val="phClr">
+                <a:tint val="73000"/>
+                <a:satMod val="103000"/>
+                <a:lumMod val="105000"/>
+              </a:schemeClr>
+            </a:gs>
+            <a:gs pos="100000">
+              <a:schemeClr val="phClr">
+                <a:tint val="81000"/>
+                <a:satMod val="109000"/>
+                <a:lumMod val="105000"/>
+              </a:schemeClr>
+            </a:gs>
+          </a:gsLst>
+          <a:lin ang="5400000" scaled="0"/>
+        </a:gradFill>
+        <a:gradFill rotWithShape="1">
+          <a:gsLst>
+            <a:gs pos="0">
+              <a:schemeClr val="phClr">
+                <a:tint val="94000"/>
+                <a:satMod val="103000"/>
+                <a:lumMod val="102000"/>
+              </a:schemeClr>
+            </a:gs>
+            <a:gs pos="50000">
+              <a:schemeClr val="phClr">
+                <a:shade val="100000"/>
+                <a:satMod val="110000"/>
+                <a:lumMod val="100000"/>
+              </a:schemeClr>
+            </a:gs>
+            <a:gs pos="100000">
+              <a:schemeClr val="phClr">
+                <a:shade val="78000"/>
+                <a:satMod val="120000"/>
+                <a:lumMod val="99000"/>
+              </a:schemeClr>
+            </a:gs>
+          </a:gsLst>
+          <a:lin ang="5400000" scaled="0"/>
+        </a:gradFill>
+      </a:fillStyleLst>
+      <a:lnStyleLst>
+        <a:ln w="6350" cap="flat" cmpd="sng" algn="ctr">
+          <a:solidFill>
+            <a:schemeClr val="phClr"/>
+          </a:solidFill>
+          <a:prstDash val="solid"/>
+        </a:ln>
+        <a:ln w="12700" cap="flat" cmpd="sng" algn="ctr">
+          <a:solidFill>
+            <a:schemeClr val="phClr"/>
+          </a:solidFill>
+          <a:prstDash val="solid"/>
+        </a:ln>
+        <a:ln w="19050" cap="flat" cmpd="sng" algn="ctr">
+          <a:solidFill>
+            <a:schemeClr val="phClr"/>
+          </a:solidFill>
+          <a:prstDash val="solid"/>
+        </a:ln>
+      </a:lnStyleLst>
+      <a:effectStyleLst>
+        <a:effectStyle>
+          <a:effectLst/>
+        </a:effectStyle>
+        <a:effectStyle>
+          <a:effectLst/>
+        </a:effectStyle>
+        <a:effectStyle>
+          <a:effectLst>
+            <a:outerShdw blurRad="57150" dist="19050" dir="5400000" algn="ctr" rotWithShape="0">
+              <a:srgbClr val="000000">
+                <a:alpha val="63000"/>
+              </a:srgbClr>
+            </a:outerShdw>
+          </a:effectLst>
+        </a:effectStyle>
+      </a:effectStyleLst>
+      <a:bgFillStyleLst>
+        <a:solidFill>
+          <a:schemeClr val="phClr"/>
+        </a:solidFill>
+        <a:solidFill>
+          <a:schemeClr val="phClr">
+            <a:tint val="95000"/>
+            <a:satMod val="170000"/>
+          </a:schemeClr>
+        </a:solidFill>
+        <a:gradFill rotWithShape="1">
+          <a:gsLst>
+            <a:gs pos="0">
+              <a:schemeClr val="phClr">
+                <a:tint val="93000"/>
+                <a:shade val="98000"/>
+                <a:satMod val="150000"/>
+                <a:lumMod val="102000"/>
+              </a:schemeClr>
+            </a:gs>
+            <a:gs pos="50000">
+              <a:schemeClr val="phClr">
+                <a:tint val="98000"/>
+                <a:shade val="90000"/>
+                <a:satMod val="130000"/>
+                <a:lumMod val="103000"/>
+              </a:schemeClr>
+            </a:gs>
+            <a:gs pos="100000">
+              <a:schemeClr val="phClr">
+                <a:shade val="63000"/>
+                <a:satMod val="120000"/>
+              </a:schemeClr>
+            </a:gs>
+          </a:gsLst>
+          <a:lin ang="5400000" scaled="0"/>
+        </a:gradFill>
+      </a:bgFillStyleLst>
+    </a:fmtScheme>
+  </a:themeElements>
+  <a:objectDefaults/>
+  <a:extraClrSchemeLst/>
+</a:theme>
+</file>
+
+<file path=ppt/theme/theme2.xml><?xml version="1.0" encoding="utf-8"?>
+<a:theme xmlns:a="http://schemas.openxmlformats.org/drawingml/2006/main" name="Ion">
+  <a:themeElements>
+    <a:clrScheme name="Ion">
+      <a:dk1>
+        <a:sysClr val="windowText" lastClr="000000"/>
+      </a:dk1>
+      <a:lt1>
+        <a:sysClr val="window" lastClr="FFFFFF"/>
+      </a:lt1>
+      <a:dk2>
+        <a:srgbClr val="1E5155"/>
+      </a:dk2>
+      <a:lt2>
+        <a:srgbClr val="EBEBEB"/>
+      </a:lt2>
+      <a:accent1>
+        <a:srgbClr val="B01513"/>
+      </a:accent1>
+      <a:accent2>
+        <a:srgbClr val="EA6312"/>
+      </a:accent2>
+      <a:accent3>
+        <a:srgbClr val="E6B729"/>
+      </a:accent3>
+      <a:accent4>
+        <a:srgbClr val="6AAC90"/>
+      </a:accent4>
+      <a:accent5>
+        <a:srgbClr val="54849A"/>
+      </a:accent5>
+      <a:accent6>
+        <a:srgbClr val="9E5E9B"/>
+      </a:accent6>
+      <a:hlink>
+        <a:srgbClr val="58C1BA"/>
+      </a:hlink>
+      <a:folHlink>
+        <a:srgbClr val="9DFFCB"/>
+      </a:folHlink>
+    </a:clrScheme>
+    <a:fontScheme name="Ion">
+      <a:majorFont>
+        <a:latin typeface="Century Gothic" panose="020B0502020202020204"/>
+        <a:ea typeface=""/>
+        <a:cs typeface=""/>
+        <a:font script="Jpan" typeface="メイリオ"/>
+        <a:font script="Hang" typeface="맑은 고딕"/>
+        <a:font script="Hans" typeface="宋体"/>
+        <a:font script="Hant" typeface="新細明體"/>
+        <a:font script="Arab" typeface="Times New Roman"/>
+        <a:font script="Hebr" typeface="Times New Roman"/>
+        <a:font script="Thai" typeface="Angsana New"/>
+        <a:font script="Ethi" typeface="Nyala"/>
+        <a:font script="Beng" typeface="Vrinda"/>
+        <a:font script="Gujr" typeface="Shruti"/>
+        <a:font script="Khmr" typeface="MoolBoran"/>
+        <a:font script="Knda" typeface="Tunga"/>
+        <a:font script="Guru" typeface="Raavi"/>
+        <a:font script="Cans" typeface="Euphemia"/>
+        <a:font script="Cher" typeface="Plantagenet Cherokee"/>
+        <a:font script="Yiii" typeface="Microsoft Yi Baiti"/>
+        <a:font script="Tibt" typeface="Microsoft Himalaya"/>
+        <a:font script="Thaa" typeface="MV Boli"/>
+        <a:font script="Deva" typeface="Mangal"/>
+        <a:font script="Telu" typeface="Gautami"/>
+        <a:font script="Taml" typeface="Latha"/>
+        <a:font script="Syrc" typeface="Estrangelo Edessa"/>
+        <a:font script="Orya" typeface="Kalinga"/>
+        <a:font script="Mlym" typeface="Kartika"/>
+        <a:font script="Laoo" typeface="DokChampa"/>
+        <a:font script="Sinh" typeface="Iskoola Pota"/>
+        <a:font script="Mong" typeface="Mongolian Baiti"/>
+        <a:font script="Viet" typeface="Times New Roman"/>
         <a:font script="Uigh" typeface="Microsoft Uighur"/>
         <a:font script="Geor" typeface="Sylfaen"/>
       </a:majorFont>
       <a:minorFont>
-        <a:latin typeface="Century Schoolbook" panose="02040604050505020304"/>
+        <a:latin typeface="Century Gothic" panose="020B0502020202020204"/>
         <a:ea typeface=""/>
         <a:cs typeface=""/>
-        <a:font script="Jpan" typeface="ＭＳ ゴシック"/>
+        <a:font script="Jpan" typeface="メイリオ"/>
         <a:font script="Hang" typeface="맑은 고딕"/>
         <a:font script="Hans" typeface="宋体"/>
         <a:font script="Hant" typeface="新細明體"/>
-        <a:font script="Arab" typeface="Tahoma"/>
-        <a:font script="Hebr" typeface="Gisha"/>
-        <a:font script="Thai" typeface="DilleniaUPC"/>
+        <a:font script="Arab" typeface="Arial"/>
+        <a:font script="Hebr" typeface="Arial"/>
+        <a:font script="Thai" typeface="Cordia New"/>
         <a:font script="Ethi" typeface="Nyala"/>
         <a:font script="Beng" typeface="Vrinda"/>
         <a:font script="Gujr" typeface="Shruti"/>
@@ -4112,49 +9929,68 @@
         <a:font script="Laoo" typeface="DokChampa"/>
         <a:font script="Sinh" typeface="Iskoola Pota"/>
         <a:font script="Mong" typeface="Mongolian Baiti"/>
-        <a:font script="Viet" typeface="Verdana"/>
+        <a:font script="Viet" typeface="Arial"/>
         <a:font script="Uigh" typeface="Microsoft Uighur"/>
         <a:font script="Geor" typeface="Sylfaen"/>
       </a:minorFont>
     </a:fontScheme>
-    <a:fmtScheme name="View">
+    <a:fmtScheme name="Ion">
       <a:fillStyleLst>
         <a:solidFill>
           <a:schemeClr val="phClr"/>
         </a:solidFill>
-        <a:solidFill>
-          <a:schemeClr val="phClr">
-            <a:tint val="60000"/>
-            <a:satMod val="120000"/>
-          </a:schemeClr>
-        </a:solidFill>
-        <a:solidFill>
-          <a:schemeClr val="phClr">
-            <a:shade val="75000"/>
-            <a:satMod val="160000"/>
-          </a:schemeClr>
-        </a:solidFill>
+        <a:gradFill rotWithShape="1">
+          <a:gsLst>
+            <a:gs pos="0">
+              <a:schemeClr val="phClr">
+                <a:tint val="64000"/>
+                <a:lumMod val="118000"/>
+              </a:schemeClr>
+            </a:gs>
+            <a:gs pos="100000">
+              <a:schemeClr val="phClr">
+                <a:tint val="92000"/>
+                <a:alpha val="100000"/>
+                <a:lumMod val="110000"/>
+              </a:schemeClr>
+            </a:gs>
+          </a:gsLst>
+          <a:lin ang="5400000" scaled="0"/>
+        </a:gradFill>
+        <a:gradFill rotWithShape="1">
+          <a:gsLst>
+            <a:gs pos="0">
+              <a:schemeClr val="phClr">
+                <a:tint val="98000"/>
+                <a:lumMod val="114000"/>
+              </a:schemeClr>
+            </a:gs>
+            <a:gs pos="100000">
+              <a:schemeClr val="phClr">
+                <a:shade val="90000"/>
+                <a:lumMod val="84000"/>
+              </a:schemeClr>
+            </a:gs>
+          </a:gsLst>
+          <a:lin ang="5400000" scaled="0"/>
+        </a:gradFill>
       </a:fillStyleLst>
       <a:lnStyleLst>
-        <a:ln w="9525" cap="flat" cmpd="sng" algn="ctr">
+        <a:ln w="9525" cap="rnd" cmpd="sng" algn="ctr">
           <a:solidFill>
             <a:schemeClr val="phClr"/>
           </a:solidFill>
           <a:prstDash val="solid"/>
         </a:ln>
-        <a:ln w="13970" cap="flat" cmpd="sng" algn="ctr">
+        <a:ln w="19050" cap="rnd" cmpd="sng" algn="ctr">
           <a:solidFill>
             <a:schemeClr val="phClr"/>
           </a:solidFill>
           <a:prstDash val="solid"/>
         </a:ln>
-        <a:ln w="17145" cap="flat" cmpd="sng" algn="ctr">
+        <a:ln w="28575" cap="rnd" cmpd="sng" algn="ctr">
           <a:solidFill>
-            <a:schemeClr val="phClr">
-              <a:shade val="95000"/>
-              <a:alpha val="95000"/>
-              <a:satMod val="150000"/>
-            </a:schemeClr>
+            <a:schemeClr val="phClr"/>
           </a:solidFill>
           <a:prstDash val="solid"/>
         </a:ln>
@@ -4165,9 +10001,18 @@
         </a:effectStyle>
         <a:effectStyle>
           <a:effectLst>
-            <a:outerShdw blurRad="50800" dist="15240" dir="5400000" algn="tl" rotWithShape="0">
+            <a:outerShdw blurRad="38100" dist="25400" dir="5400000" rotWithShape="0">
               <a:srgbClr val="000000">
-                <a:alpha val="75000"/>
+                <a:alpha val="45000"/>
+              </a:srgbClr>
+            </a:outerShdw>
+          </a:effectLst>
+        </a:effectStyle>
+        <a:effectStyle>
+          <a:effectLst>
+            <a:outerShdw blurRad="63500" dist="38100" dir="5400000" rotWithShape="0">
+              <a:srgbClr val="000000">
+                <a:alpha val="60000"/>
               </a:srgbClr>
             </a:outerShdw>
           </a:effectLst>
@@ -4175,40 +10020,10 @@
             <a:camera prst="orthographicFront">
               <a:rot lat="0" lon="0" rev="0"/>
             </a:camera>
-            <a:lightRig rig="brightRoom" dir="tl"/>
+            <a:lightRig rig="threePt" dir="tl"/>
           </a:scene3d>
-          <a:sp3d contourW="9525" prstMaterial="flat">
-            <a:bevelT w="0" h="0" prst="coolSlant"/>
-            <a:contourClr>
-              <a:schemeClr val="phClr">
-                <a:shade val="35000"/>
-                <a:satMod val="130000"/>
-              </a:schemeClr>
-            </a:contourClr>
-          </a:sp3d>
-        </a:effectStyle>
-        <a:effectStyle>
-          <a:effectLst>
-            <a:outerShdw blurRad="76200" dist="25400" dir="5400000" algn="tl" rotWithShape="0">
-              <a:srgbClr val="000000">
-                <a:alpha val="55000"/>
-              </a:srgbClr>
-            </a:outerShdw>
-          </a:effectLst>
-          <a:scene3d>
-            <a:camera prst="orthographicFront">
-              <a:rot lat="0" lon="0" rev="0"/>
-            </a:camera>
-            <a:lightRig rig="brightRoom" dir="tl"/>
-          </a:scene3d>
-          <a:sp3d contourW="19050" prstMaterial="flat">
-            <a:bevelT w="0" h="0" prst="coolSlant"/>
-            <a:contourClr>
-              <a:schemeClr val="phClr">
-                <a:shade val="25000"/>
-                <a:satMod val="140000"/>
-              </a:schemeClr>
-            </a:contourClr>
+          <a:sp3d prstMaterial="plastic">
+            <a:bevelT w="0" h="0"/>
           </a:sp3d>
         </a:effectStyle>
       </a:effectStyleLst>
@@ -4216,34 +10031,49 @@
         <a:solidFill>
           <a:schemeClr val="phClr"/>
         </a:solidFill>
-        <a:solidFill>
-          <a:schemeClr val="phClr">
-            <a:tint val="95000"/>
-            <a:satMod val="170000"/>
-          </a:schemeClr>
-        </a:solidFill>
         <a:gradFill rotWithShape="1">
           <a:gsLst>
             <a:gs pos="0">
               <a:schemeClr val="phClr">
-                <a:tint val="94000"/>
-                <a:shade val="98000"/>
+                <a:tint val="97000"/>
+                <a:hueMod val="88000"/>
                 <a:satMod val="130000"/>
-                <a:lumMod val="102000"/>
+                <a:lumMod val="124000"/>
               </a:schemeClr>
             </a:gs>
             <a:gs pos="100000">
               <a:schemeClr val="phClr">
-                <a:tint val="98000"/>
-                <a:shade val="78000"/>
-                <a:satMod val="140000"/>
+                <a:tint val="96000"/>
+                <a:shade val="88000"/>
+                <a:hueMod val="108000"/>
+                <a:satMod val="164000"/>
+                <a:lumMod val="76000"/>
               </a:schemeClr>
             </a:gs>
           </a:gsLst>
           <a:path path="circle">
-            <a:fillToRect l="100000" t="100000" r="100000" b="100000"/>
+            <a:fillToRect l="45000" t="65000" r="125000" b="100000"/>
           </a:path>
         </a:gradFill>
+        <a:blipFill rotWithShape="1">
+          <a:blip xmlns:r="http://schemas.openxmlformats.org/officeDocument/2006/relationships" r:embed="rId1">
+            <a:duotone>
+              <a:schemeClr val="phClr">
+                <a:shade val="69000"/>
+                <a:hueMod val="108000"/>
+                <a:satMod val="164000"/>
+                <a:lumMod val="74000"/>
+              </a:schemeClr>
+              <a:schemeClr val="phClr">
+                <a:tint val="96000"/>
+                <a:hueMod val="88000"/>
+                <a:satMod val="140000"/>
+                <a:lumMod val="132000"/>
+              </a:schemeClr>
+            </a:duotone>
+          </a:blip>
+          <a:stretch/>
+        </a:blipFill>
       </a:bgFillStyleLst>
     </a:fmtScheme>
   </a:themeElements>
@@ -4251,7 +10081,7 @@
   <a:extraClrSchemeLst/>
   <a:extLst>
     <a:ext uri="{05A4C25C-085E-4340-85A3-A5531E510DB2}">
-      <thm15:themeFamily xmlns:thm15="http://schemas.microsoft.com/office/thememl/2012/main" name="View" id="{BA0EB5A6-F2D4-4F82-977B-64ADEE4A2A69}" vid="{3969A8A2-35DB-4E3B-8885-16FD20568674}"/>
+      <thm15:themeFamily xmlns:thm15="http://schemas.microsoft.com/office/thememl/2012/main" name="Ion" id="{B8441ADB-2E43-4AF7-B97A-BD870242C6A8}" vid="{292E63A9-BB86-4E3D-B92A-7223C6510D2E}"/>
     </a:ext>
   </a:extLst>
 </a:theme>

--- a/Earn.pptx
+++ b/Earn.pptx
@@ -9453,6 +9453,30 @@
           </a:p>
         </p:txBody>
       </p:sp>
+      <p:pic>
+        <p:nvPicPr>
+          <p:cNvPr id="4" name="Picture 3"/>
+          <p:cNvPicPr>
+            <a:picLocks noChangeAspect="1"/>
+          </p:cNvPicPr>
+          <p:nvPr/>
+        </p:nvPicPr>
+        <p:blipFill>
+          <a:blip r:embed="rId2"/>
+          <a:stretch>
+            <a:fillRect/>
+          </a:stretch>
+        </p:blipFill>
+        <p:spPr>
+          <a:xfrm>
+            <a:off x="9039863" y="2286823"/>
+            <a:ext cx="4048125" cy="4048125"/>
+          </a:xfrm>
+          <a:prstGeom prst="rect">
+            <a:avLst/>
+          </a:prstGeom>
+        </p:spPr>
+      </p:pic>
     </p:spTree>
     <p:extLst>
       <p:ext uri="{BB962C8B-B14F-4D97-AF65-F5344CB8AC3E}">

--- a/Earn.pptx
+++ b/Earn.pptx
@@ -11,7 +11,7 @@
     <p:sldId id="258" r:id="rId5"/>
     <p:sldId id="262" r:id="rId6"/>
     <p:sldId id="260" r:id="rId7"/>
-    <p:sldId id="261" r:id="rId8"/>
+    <p:sldId id="263" r:id="rId8"/>
     <p:sldId id="259" r:id="rId9"/>
   </p:sldIdLst>
   <p:sldSz cx="12192000" cy="6858000"/>
@@ -9129,10 +9129,12 @@
         </p:nvSpPr>
         <p:spPr/>
         <p:txBody>
-          <a:bodyPr/>
-          <a:lstStyle/>
-          <a:p>
-            <a:endParaRPr lang="en-US" dirty="0"/>
+          <a:bodyPr>
+            <a:normAutofit/>
+          </a:bodyPr>
+          <a:lstStyle/>
+          <a:p>
+            <a:endParaRPr lang="en-US" sz="2400" dirty="0"/>
           </a:p>
         </p:txBody>
       </p:sp>
@@ -9201,10 +9203,12 @@
         </p:nvSpPr>
         <p:spPr/>
         <p:txBody>
-          <a:bodyPr/>
-          <a:lstStyle/>
-          <a:p>
-            <a:endParaRPr lang="en-US"/>
+          <a:bodyPr>
+            <a:normAutofit/>
+          </a:bodyPr>
+          <a:lstStyle/>
+          <a:p>
+            <a:endParaRPr lang="en-US" sz="2400" dirty="0"/>
           </a:p>
         </p:txBody>
       </p:sp>
@@ -9273,10 +9277,12 @@
         </p:nvSpPr>
         <p:spPr/>
         <p:txBody>
-          <a:bodyPr/>
-          <a:lstStyle/>
-          <a:p>
-            <a:endParaRPr lang="en-US"/>
+          <a:bodyPr>
+            <a:normAutofit/>
+          </a:bodyPr>
+          <a:lstStyle/>
+          <a:p>
+            <a:endParaRPr lang="en-US" sz="2400" dirty="0"/>
           </a:p>
         </p:txBody>
       </p:sp>
@@ -9446,10 +9452,12 @@
         </p:nvSpPr>
         <p:spPr/>
         <p:txBody>
-          <a:bodyPr/>
-          <a:lstStyle/>
-          <a:p>
-            <a:endParaRPr lang="en-US"/>
+          <a:bodyPr>
+            <a:normAutofit/>
+          </a:bodyPr>
+          <a:lstStyle/>
+          <a:p>
+            <a:endParaRPr lang="en-US" sz="2400" dirty="0"/>
           </a:p>
         </p:txBody>
       </p:sp>
@@ -9469,8 +9477,32 @@
         </p:blipFill>
         <p:spPr>
           <a:xfrm>
-            <a:off x="9039863" y="2286823"/>
-            <a:ext cx="4048125" cy="4048125"/>
+            <a:off x="9076659" y="1853248"/>
+            <a:ext cx="4048095" cy="4048095"/>
+          </a:xfrm>
+          <a:prstGeom prst="rect">
+            <a:avLst/>
+          </a:prstGeom>
+        </p:spPr>
+      </p:pic>
+      <p:pic>
+        <p:nvPicPr>
+          <p:cNvPr id="5" name="Picture 4"/>
+          <p:cNvPicPr>
+            <a:picLocks noChangeAspect="1"/>
+          </p:cNvPicPr>
+          <p:nvPr/>
+        </p:nvPicPr>
+        <p:blipFill>
+          <a:blip r:embed="rId3"/>
+          <a:stretch>
+            <a:fillRect/>
+          </a:stretch>
+        </p:blipFill>
+        <p:spPr>
+          <a:xfrm>
+            <a:off x="10611858" y="3314701"/>
+            <a:ext cx="987807" cy="1111282"/>
           </a:xfrm>
           <a:prstGeom prst="rect">
             <a:avLst/>
@@ -9480,7 +9512,7 @@
     </p:spTree>
     <p:extLst>
       <p:ext uri="{BB962C8B-B14F-4D97-AF65-F5344CB8AC3E}">
-        <p14:creationId xmlns:p14="http://schemas.microsoft.com/office/powerpoint/2010/main" val="152282973"/>
+        <p14:creationId xmlns:p14="http://schemas.microsoft.com/office/powerpoint/2010/main" val="1807532274"/>
       </p:ext>
     </p:extLst>
   </p:cSld>

--- a/Earn.pptx
+++ b/Earn.pptx
@@ -9380,6 +9380,18 @@
             <a:r>
               <a:rPr lang="en-US" sz="2400" dirty="0" smtClean="0"/>
               <a:t>Speech processing to create interactive experience with the app</a:t>
+            </a:r>
+          </a:p>
+          <a:p>
+            <a:r>
+              <a:rPr lang="en-US" sz="2400" dirty="0" smtClean="0"/>
+              <a:t>Sets and retrieves data</a:t>
+            </a:r>
+          </a:p>
+          <a:p>
+            <a:r>
+              <a:rPr lang="en-US" sz="2400" dirty="0" smtClean="0"/>
+              <a:t>Utterances to create a great user experience</a:t>
             </a:r>
           </a:p>
           <a:p>
